--- a/content/01-introduction-to-course.pptx
+++ b/content/01-introduction-to-course.pptx
@@ -6,26 +6,24 @@
     <p:sldMasterId id="2147483708" r:id="rId2"/>
   </p:sldMasterIdLst>
   <p:notesMasterIdLst>
-    <p:notesMasterId r:id="rId20"/>
+    <p:notesMasterId r:id="rId18"/>
   </p:notesMasterIdLst>
   <p:sldIdLst>
     <p:sldId id="256" r:id="rId3"/>
     <p:sldId id="257" r:id="rId4"/>
     <p:sldId id="260" r:id="rId5"/>
-    <p:sldId id="258" r:id="rId6"/>
-    <p:sldId id="259" r:id="rId7"/>
-    <p:sldId id="296" r:id="rId8"/>
-    <p:sldId id="278" r:id="rId9"/>
-    <p:sldId id="261" r:id="rId10"/>
-    <p:sldId id="279" r:id="rId11"/>
-    <p:sldId id="280" r:id="rId12"/>
-    <p:sldId id="281" r:id="rId13"/>
-    <p:sldId id="297" r:id="rId14"/>
-    <p:sldId id="282" r:id="rId15"/>
-    <p:sldId id="288" r:id="rId16"/>
-    <p:sldId id="293" r:id="rId17"/>
-    <p:sldId id="295" r:id="rId18"/>
-    <p:sldId id="283" r:id="rId19"/>
+    <p:sldId id="302" r:id="rId6"/>
+    <p:sldId id="258" r:id="rId7"/>
+    <p:sldId id="301" r:id="rId8"/>
+    <p:sldId id="259" r:id="rId9"/>
+    <p:sldId id="296" r:id="rId10"/>
+    <p:sldId id="299" r:id="rId11"/>
+    <p:sldId id="300" r:id="rId12"/>
+    <p:sldId id="297" r:id="rId13"/>
+    <p:sldId id="282" r:id="rId14"/>
+    <p:sldId id="288" r:id="rId15"/>
+    <p:sldId id="293" r:id="rId16"/>
+    <p:sldId id="283" r:id="rId17"/>
   </p:sldIdLst>
   <p:sldSz cx="12192000" cy="6858000"/>
   <p:notesSz cx="6858000" cy="9144000"/>
@@ -132,133 +130,6 @@
 </p:presentation>
 </file>
 
-<file path=ppt/charts/chart1.xml><?xml version="1.0" encoding="utf-8"?>
-<c:chartSpace xmlns:c="http://schemas.openxmlformats.org/drawingml/2006/chart" xmlns:a="http://schemas.openxmlformats.org/drawingml/2006/main" xmlns:r="http://schemas.openxmlformats.org/officeDocument/2006/relationships" xmlns:c16r2="http://schemas.microsoft.com/office/drawing/2015/06/chart">
-  <c:date1904 val="0"/>
-  <c:lang val="en-US"/>
-  <c:roundedCorners val="0"/>
-  <mc:AlternateContent xmlns:mc="http://schemas.openxmlformats.org/markup-compatibility/2006">
-    <mc:Choice xmlns:c14="http://schemas.microsoft.com/office/drawing/2007/8/2/chart" Requires="c14">
-      <c14:style val="102"/>
-    </mc:Choice>
-    <mc:Fallback>
-      <c:style val="2"/>
-    </mc:Fallback>
-  </mc:AlternateContent>
-  <c:chart>
-    <c:autoTitleDeleted val="1"/>
-    <c:view3D>
-      <c:rotX val="30"/>
-      <c:rotY val="0"/>
-      <c:rAngAx val="0"/>
-    </c:view3D>
-    <c:floor>
-      <c:thickness val="0"/>
-    </c:floor>
-    <c:sideWall>
-      <c:thickness val="0"/>
-    </c:sideWall>
-    <c:backWall>
-      <c:thickness val="0"/>
-    </c:backWall>
-    <c:plotArea>
-      <c:layout/>
-      <c:pie3DChart>
-        <c:varyColors val="1"/>
-        <c:ser>
-          <c:idx val="0"/>
-          <c:order val="0"/>
-          <c:tx>
-            <c:strRef>
-              <c:f>Sheet1!$B$1</c:f>
-              <c:strCache>
-                <c:ptCount val="1"/>
-                <c:pt idx="0">
-                  <c:v>Theory to Practice Ratio</c:v>
-                </c:pt>
-              </c:strCache>
-            </c:strRef>
-          </c:tx>
-          <c:cat>
-            <c:strRef>
-              <c:f>Sheet1!$A$2:$A$3</c:f>
-              <c:strCache>
-                <c:ptCount val="2"/>
-                <c:pt idx="0">
-                  <c:v>Theory 60%</c:v>
-                </c:pt>
-                <c:pt idx="1">
-                  <c:v>Practice 40%</c:v>
-                </c:pt>
-              </c:strCache>
-            </c:strRef>
-          </c:cat>
-          <c:val>
-            <c:numRef>
-              <c:f>Sheet1!$B$2:$B$3</c:f>
-              <c:numCache>
-                <c:formatCode>General</c:formatCode>
-                <c:ptCount val="2"/>
-                <c:pt idx="0">
-                  <c:v>60</c:v>
-                </c:pt>
-                <c:pt idx="1">
-                  <c:v>40</c:v>
-                </c:pt>
-              </c:numCache>
-            </c:numRef>
-          </c:val>
-          <c:extLst>
-            <c:ext xmlns:c16="http://schemas.microsoft.com/office/drawing/2014/chart" uri="{C3380CC4-5D6E-409C-BE32-E72D297353CC}">
-              <c16:uniqueId val="{00000000-4AE8-471B-A1E8-35A283F2995C}"/>
-            </c:ext>
-          </c:extLst>
-        </c:ser>
-        <c:dLbls>
-          <c:showLegendKey val="0"/>
-          <c:showVal val="0"/>
-          <c:showCatName val="0"/>
-          <c:showSerName val="0"/>
-          <c:showPercent val="0"/>
-          <c:showBubbleSize val="0"/>
-          <c:showLeaderLines val="1"/>
-        </c:dLbls>
-      </c:pie3DChart>
-    </c:plotArea>
-    <c:legend>
-      <c:legendPos val="r"/>
-      <c:overlay val="0"/>
-      <c:txPr>
-        <a:bodyPr/>
-        <a:lstStyle/>
-        <a:p>
-          <a:pPr>
-            <a:defRPr sz="2800"/>
-          </a:pPr>
-          <a:endParaRPr lang="en-US"/>
-        </a:p>
-      </c:txPr>
-    </c:legend>
-    <c:plotVisOnly val="1"/>
-    <c:dispBlanksAs val="zero"/>
-    <c:showDLblsOverMax val="0"/>
-  </c:chart>
-  <c:txPr>
-    <a:bodyPr/>
-    <a:lstStyle/>
-    <a:p>
-      <a:pPr>
-        <a:defRPr sz="1800"/>
-      </a:pPr>
-      <a:endParaRPr lang="en-US"/>
-    </a:p>
-  </c:txPr>
-  <c:externalData r:id="rId1">
-    <c:autoUpdate val="0"/>
-  </c:externalData>
-</c:chartSpace>
-</file>
-
 <file path=ppt/diagrams/colors1.xml><?xml version="1.0" encoding="utf-8"?>
 <dgm:colorsDef xmlns:dgm="http://schemas.openxmlformats.org/drawingml/2006/diagram" xmlns:a="http://schemas.openxmlformats.org/drawingml/2006/main" uniqueId="urn:microsoft.com/office/officeart/2005/8/colors/colorful2">
   <dgm:title val=""/>
@@ -2585,14 +2456,14 @@
       </dgm:t>
     </dgm:pt>
     <dgm:pt modelId="{630D8E85-CC34-400D-A63E-98808D3D2CBD}">
-      <dgm:prSet/>
+      <dgm:prSet custT="1"/>
       <dgm:spPr/>
       <dgm:t>
         <a:bodyPr/>
         <a:lstStyle/>
         <a:p>
           <a:r>
-            <a:rPr lang="en-US" dirty="0"/>
+            <a:rPr lang="en-US" sz="4800" dirty="0"/>
             <a:t>Education</a:t>
           </a:r>
         </a:p>
@@ -2627,10 +2498,6 @@
         <a:bodyPr/>
         <a:lstStyle/>
         <a:p>
-          <a:r>
-            <a:rPr lang="en-US" dirty="0" err="1"/>
-            <a:t>Djfhkjd</a:t>
-          </a:r>
           <a:endParaRPr lang="en-US" dirty="0"/>
         </a:p>
       </dgm:t>
@@ -2638,55 +2505,61 @@
     <dgm:pt modelId="{F8BAD248-E5EB-4F83-BDA3-70A5328675CF}" type="parTrans" cxnId="{54736928-4B1E-4A3B-AB23-5941A6873019}">
       <dgm:prSet/>
       <dgm:spPr/>
+      <dgm:t>
+        <a:bodyPr/>
+        <a:lstStyle/>
+        <a:p>
+          <a:endParaRPr lang="en-US"/>
+        </a:p>
+      </dgm:t>
     </dgm:pt>
     <dgm:pt modelId="{E51893C6-B7F7-4BAC-B05E-1994886C7937}" type="sibTrans" cxnId="{54736928-4B1E-4A3B-AB23-5941A6873019}">
-      <dgm:prSet/>
-      <dgm:spPr/>
-    </dgm:pt>
-    <dgm:pt modelId="{5AAB595D-84A7-4E1F-99D4-80C70D7CEE46}">
       <dgm:prSet/>
       <dgm:spPr/>
       <dgm:t>
         <a:bodyPr/>
         <a:lstStyle/>
         <a:p>
-          <a:r>
-            <a:rPr lang="en-US" dirty="0" err="1"/>
-            <a:t>Dshfkj</a:t>
-          </a:r>
-          <a:endParaRPr lang="en-US" dirty="0"/>
+          <a:endParaRPr lang="en-US"/>
         </a:p>
       </dgm:t>
     </dgm:pt>
-    <dgm:pt modelId="{623F718A-37CF-4383-AF0E-BF6529F9006A}" type="parTrans" cxnId="{D5010860-9821-4E00-BC5E-3D4428C99699}">
-      <dgm:prSet/>
+    <dgm:pt modelId="{49D2A95E-628D-49F8-B9D2-F3FDE003AB35}">
+      <dgm:prSet custT="1"/>
       <dgm:spPr/>
+      <dgm:t>
+        <a:bodyPr/>
+        <a:lstStyle/>
+        <a:p>
+          <a:r>
+            <a:rPr lang="en-US" sz="4800" dirty="0"/>
+            <a:t>Employment</a:t>
+          </a:r>
+          <a:endParaRPr lang="en-US" sz="6500" dirty="0"/>
+        </a:p>
+      </dgm:t>
     </dgm:pt>
-    <dgm:pt modelId="{90FE4D75-6A08-45BC-970A-1CEB940D01A5}" type="sibTrans" cxnId="{D5010860-9821-4E00-BC5E-3D4428C99699}">
-      <dgm:prSet/>
-      <dgm:spPr/>
-    </dgm:pt>
-    <dgm:pt modelId="{49D2A95E-628D-49F8-B9D2-F3FDE003AB35}">
+    <dgm:pt modelId="{2A98F31F-68A6-41AF-B318-502E0C71CD11}" type="parTrans" cxnId="{2D13AC00-2747-44DB-8D38-C12BCA256B93}">
       <dgm:prSet/>
       <dgm:spPr/>
       <dgm:t>
         <a:bodyPr/>
         <a:lstStyle/>
         <a:p>
-          <a:r>
-            <a:rPr lang="en-US" dirty="0"/>
-            <a:t>Employment</a:t>
-          </a:r>
+          <a:endParaRPr lang="en-US"/>
         </a:p>
       </dgm:t>
-    </dgm:pt>
-    <dgm:pt modelId="{2A98F31F-68A6-41AF-B318-502E0C71CD11}" type="parTrans" cxnId="{2D13AC00-2747-44DB-8D38-C12BCA256B93}">
-      <dgm:prSet/>
-      <dgm:spPr/>
     </dgm:pt>
     <dgm:pt modelId="{87CEDD52-CB19-439D-92B5-0582CC0ACAD6}" type="sibTrans" cxnId="{2D13AC00-2747-44DB-8D38-C12BCA256B93}">
       <dgm:prSet/>
       <dgm:spPr/>
+      <dgm:t>
+        <a:bodyPr/>
+        <a:lstStyle/>
+        <a:p>
+          <a:endParaRPr lang="en-US"/>
+        </a:p>
+      </dgm:t>
     </dgm:pt>
     <dgm:pt modelId="{549B5C30-784E-44F0-91B7-E54F7D265E69}">
       <dgm:prSet/>
@@ -2695,42 +2568,31 @@
         <a:bodyPr/>
         <a:lstStyle/>
         <a:p>
-          <a:r>
-            <a:rPr lang="en-US" dirty="0"/>
-            <a:t>Something</a:t>
-          </a:r>
+          <a:endParaRPr lang="en-US" dirty="0"/>
         </a:p>
       </dgm:t>
     </dgm:pt>
     <dgm:pt modelId="{8D791C26-B08C-4B15-87CE-9338D0A7CCE1}" type="parTrans" cxnId="{9DD95769-AC3C-42CF-B21E-0FCBA15F4812}">
       <dgm:prSet/>
       <dgm:spPr/>
+      <dgm:t>
+        <a:bodyPr/>
+        <a:lstStyle/>
+        <a:p>
+          <a:endParaRPr lang="en-US"/>
+        </a:p>
+      </dgm:t>
     </dgm:pt>
     <dgm:pt modelId="{B818B728-E21E-4F65-9CF9-F7ECEAE5A7E7}" type="sibTrans" cxnId="{9DD95769-AC3C-42CF-B21E-0FCBA15F4812}">
-      <dgm:prSet/>
-      <dgm:spPr/>
-    </dgm:pt>
-    <dgm:pt modelId="{94834B84-99D6-4FB5-B4B2-729CAAD48C96}">
       <dgm:prSet/>
       <dgm:spPr/>
       <dgm:t>
         <a:bodyPr/>
         <a:lstStyle/>
         <a:p>
-          <a:r>
-            <a:rPr lang="en-US" dirty="0"/>
-            <a:t>something</a:t>
-          </a:r>
+          <a:endParaRPr lang="en-US"/>
         </a:p>
       </dgm:t>
-    </dgm:pt>
-    <dgm:pt modelId="{638651D3-0438-4712-9CA3-EC585238146A}" type="parTrans" cxnId="{F8897BDE-C54E-4B5E-96AB-697920FEC921}">
-      <dgm:prSet/>
-      <dgm:spPr/>
-    </dgm:pt>
-    <dgm:pt modelId="{44ED1BDC-03DD-41C4-97A4-DE5A878E87B6}" type="sibTrans" cxnId="{F8897BDE-C54E-4B5E-96AB-697920FEC921}">
-      <dgm:prSet/>
-      <dgm:spPr/>
     </dgm:pt>
     <dgm:pt modelId="{B16FC0FC-C067-4002-906E-4DDCA56C5505}" type="pres">
       <dgm:prSet presAssocID="{9063B5EA-9C9F-4142-92B9-781E1BD81B23}" presName="linear" presStyleCnt="0">
@@ -2740,6 +2602,13 @@
         </dgm:presLayoutVars>
       </dgm:prSet>
       <dgm:spPr/>
+      <dgm:t>
+        <a:bodyPr/>
+        <a:lstStyle/>
+        <a:p>
+          <a:endParaRPr lang="en-US"/>
+        </a:p>
+      </dgm:t>
     </dgm:pt>
     <dgm:pt modelId="{4706DC4B-B768-4FB0-AA19-26F1D209C950}" type="pres">
       <dgm:prSet presAssocID="{630D8E85-CC34-400D-A63E-98808D3D2CBD}" presName="parentText" presStyleLbl="node1" presStyleIdx="0" presStyleCnt="2">
@@ -2749,6 +2618,13 @@
         </dgm:presLayoutVars>
       </dgm:prSet>
       <dgm:spPr/>
+      <dgm:t>
+        <a:bodyPr/>
+        <a:lstStyle/>
+        <a:p>
+          <a:endParaRPr lang="en-US"/>
+        </a:p>
+      </dgm:t>
     </dgm:pt>
     <dgm:pt modelId="{0123DC90-8825-42EC-AA72-062269CE129B}" type="pres">
       <dgm:prSet presAssocID="{630D8E85-CC34-400D-A63E-98808D3D2CBD}" presName="childText" presStyleLbl="revTx" presStyleIdx="0" presStyleCnt="2">
@@ -2757,6 +2633,13 @@
         </dgm:presLayoutVars>
       </dgm:prSet>
       <dgm:spPr/>
+      <dgm:t>
+        <a:bodyPr/>
+        <a:lstStyle/>
+        <a:p>
+          <a:endParaRPr lang="en-US"/>
+        </a:p>
+      </dgm:t>
     </dgm:pt>
     <dgm:pt modelId="{3A090A9B-2EBE-432C-B3A9-4A7293C39B7F}" type="pres">
       <dgm:prSet presAssocID="{49D2A95E-628D-49F8-B9D2-F3FDE003AB35}" presName="parentText" presStyleLbl="node1" presStyleIdx="1" presStyleCnt="2">
@@ -2766,6 +2649,13 @@
         </dgm:presLayoutVars>
       </dgm:prSet>
       <dgm:spPr/>
+      <dgm:t>
+        <a:bodyPr/>
+        <a:lstStyle/>
+        <a:p>
+          <a:endParaRPr lang="en-US"/>
+        </a:p>
+      </dgm:t>
     </dgm:pt>
     <dgm:pt modelId="{EABDD72B-9305-48C9-AF03-1FC8D86674FA}" type="pres">
       <dgm:prSet presAssocID="{49D2A95E-628D-49F8-B9D2-F3FDE003AB35}" presName="childText" presStyleLbl="revTx" presStyleIdx="1" presStyleCnt="2">
@@ -2774,21 +2664,24 @@
         </dgm:presLayoutVars>
       </dgm:prSet>
       <dgm:spPr/>
+      <dgm:t>
+        <a:bodyPr/>
+        <a:lstStyle/>
+        <a:p>
+          <a:endParaRPr lang="en-US"/>
+        </a:p>
+      </dgm:t>
     </dgm:pt>
   </dgm:ptLst>
   <dgm:cxnLst>
+    <dgm:cxn modelId="{C9F25BE7-65D9-4E83-94BB-4D48121804F3}" type="presOf" srcId="{549B5C30-784E-44F0-91B7-E54F7D265E69}" destId="{EABDD72B-9305-48C9-AF03-1FC8D86674FA}" srcOrd="0" destOrd="0" presId="urn:microsoft.com/office/officeart/2005/8/layout/vList2"/>
+    <dgm:cxn modelId="{54736928-4B1E-4A3B-AB23-5941A6873019}" srcId="{630D8E85-CC34-400D-A63E-98808D3D2CBD}" destId="{C02781C4-D64E-4496-92F5-55621BF1C410}" srcOrd="0" destOrd="0" parTransId="{F8BAD248-E5EB-4F83-BDA3-70A5328675CF}" sibTransId="{E51893C6-B7F7-4BAC-B05E-1994886C7937}"/>
     <dgm:cxn modelId="{2D13AC00-2747-44DB-8D38-C12BCA256B93}" srcId="{9063B5EA-9C9F-4142-92B9-781E1BD81B23}" destId="{49D2A95E-628D-49F8-B9D2-F3FDE003AB35}" srcOrd="1" destOrd="0" parTransId="{2A98F31F-68A6-41AF-B318-502E0C71CD11}" sibTransId="{87CEDD52-CB19-439D-92B5-0582CC0ACAD6}"/>
+    <dgm:cxn modelId="{79409707-9D11-4FD1-BAFB-DE12168874F5}" type="presOf" srcId="{630D8E85-CC34-400D-A63E-98808D3D2CBD}" destId="{4706DC4B-B768-4FB0-AA19-26F1D209C950}" srcOrd="0" destOrd="0" presId="urn:microsoft.com/office/officeart/2005/8/layout/vList2"/>
     <dgm:cxn modelId="{2441C202-2EDB-4A5E-A77B-FB25DF41D0D3}" type="presOf" srcId="{9063B5EA-9C9F-4142-92B9-781E1BD81B23}" destId="{B16FC0FC-C067-4002-906E-4DDCA56C5505}" srcOrd="0" destOrd="0" presId="urn:microsoft.com/office/officeart/2005/8/layout/vList2"/>
     <dgm:cxn modelId="{A3ABCB03-4A5D-41D1-A0DD-3436BD9F414A}" srcId="{9063B5EA-9C9F-4142-92B9-781E1BD81B23}" destId="{630D8E85-CC34-400D-A63E-98808D3D2CBD}" srcOrd="0" destOrd="0" parTransId="{FFC731A5-E849-4485-8028-5508A4DE8223}" sibTransId="{75EDA5AF-58DC-480F-AC68-DBB8A02E2BAC}"/>
-    <dgm:cxn modelId="{79409707-9D11-4FD1-BAFB-DE12168874F5}" type="presOf" srcId="{630D8E85-CC34-400D-A63E-98808D3D2CBD}" destId="{4706DC4B-B768-4FB0-AA19-26F1D209C950}" srcOrd="0" destOrd="0" presId="urn:microsoft.com/office/officeart/2005/8/layout/vList2"/>
-    <dgm:cxn modelId="{54736928-4B1E-4A3B-AB23-5941A6873019}" srcId="{630D8E85-CC34-400D-A63E-98808D3D2CBD}" destId="{C02781C4-D64E-4496-92F5-55621BF1C410}" srcOrd="0" destOrd="0" parTransId="{F8BAD248-E5EB-4F83-BDA3-70A5328675CF}" sibTransId="{E51893C6-B7F7-4BAC-B05E-1994886C7937}"/>
-    <dgm:cxn modelId="{D5010860-9821-4E00-BC5E-3D4428C99699}" srcId="{630D8E85-CC34-400D-A63E-98808D3D2CBD}" destId="{5AAB595D-84A7-4E1F-99D4-80C70D7CEE46}" srcOrd="1" destOrd="0" parTransId="{623F718A-37CF-4383-AF0E-BF6529F9006A}" sibTransId="{90FE4D75-6A08-45BC-970A-1CEB940D01A5}"/>
+    <dgm:cxn modelId="{46E526DB-1430-4304-80ED-75975EC30F82}" type="presOf" srcId="{49D2A95E-628D-49F8-B9D2-F3FDE003AB35}" destId="{3A090A9B-2EBE-432C-B3A9-4A7293C39B7F}" srcOrd="0" destOrd="0" presId="urn:microsoft.com/office/officeart/2005/8/layout/vList2"/>
     <dgm:cxn modelId="{9DD95769-AC3C-42CF-B21E-0FCBA15F4812}" srcId="{49D2A95E-628D-49F8-B9D2-F3FDE003AB35}" destId="{549B5C30-784E-44F0-91B7-E54F7D265E69}" srcOrd="0" destOrd="0" parTransId="{8D791C26-B08C-4B15-87CE-9338D0A7CCE1}" sibTransId="{B818B728-E21E-4F65-9CF9-F7ECEAE5A7E7}"/>
-    <dgm:cxn modelId="{E2F26250-57DE-427F-82CF-D680808346B0}" type="presOf" srcId="{94834B84-99D6-4FB5-B4B2-729CAAD48C96}" destId="{EABDD72B-9305-48C9-AF03-1FC8D86674FA}" srcOrd="0" destOrd="1" presId="urn:microsoft.com/office/officeart/2005/8/layout/vList2"/>
-    <dgm:cxn modelId="{EFAFE2C8-80B1-428B-A181-23E79A842582}" type="presOf" srcId="{5AAB595D-84A7-4E1F-99D4-80C70D7CEE46}" destId="{0123DC90-8825-42EC-AA72-062269CE129B}" srcOrd="0" destOrd="1" presId="urn:microsoft.com/office/officeart/2005/8/layout/vList2"/>
-    <dgm:cxn modelId="{46E526DB-1430-4304-80ED-75975EC30F82}" type="presOf" srcId="{49D2A95E-628D-49F8-B9D2-F3FDE003AB35}" destId="{3A090A9B-2EBE-432C-B3A9-4A7293C39B7F}" srcOrd="0" destOrd="0" presId="urn:microsoft.com/office/officeart/2005/8/layout/vList2"/>
-    <dgm:cxn modelId="{F8897BDE-C54E-4B5E-96AB-697920FEC921}" srcId="{49D2A95E-628D-49F8-B9D2-F3FDE003AB35}" destId="{94834B84-99D6-4FB5-B4B2-729CAAD48C96}" srcOrd="1" destOrd="0" parTransId="{638651D3-0438-4712-9CA3-EC585238146A}" sibTransId="{44ED1BDC-03DD-41C4-97A4-DE5A878E87B6}"/>
-    <dgm:cxn modelId="{C9F25BE7-65D9-4E83-94BB-4D48121804F3}" type="presOf" srcId="{549B5C30-784E-44F0-91B7-E54F7D265E69}" destId="{EABDD72B-9305-48C9-AF03-1FC8D86674FA}" srcOrd="0" destOrd="0" presId="urn:microsoft.com/office/officeart/2005/8/layout/vList2"/>
     <dgm:cxn modelId="{24D158F3-0F39-4886-AA92-7BF8F04B644F}" type="presOf" srcId="{C02781C4-D64E-4496-92F5-55621BF1C410}" destId="{0123DC90-8825-42EC-AA72-062269CE129B}" srcOrd="0" destOrd="0" presId="urn:microsoft.com/office/officeart/2005/8/layout/vList2"/>
     <dgm:cxn modelId="{048BA0B9-C829-4963-A80F-913671487747}" type="presParOf" srcId="{B16FC0FC-C067-4002-906E-4DDCA56C5505}" destId="{4706DC4B-B768-4FB0-AA19-26F1D209C950}" srcOrd="0" destOrd="0" presId="urn:microsoft.com/office/officeart/2005/8/layout/vList2"/>
     <dgm:cxn modelId="{475AFF21-C126-40A8-B2E3-4A092B12F231}" type="presParOf" srcId="{B16FC0FC-C067-4002-906E-4DDCA56C5505}" destId="{0123DC90-8825-42EC-AA72-062269CE129B}" srcOrd="1" destOrd="0" presId="urn:microsoft.com/office/officeart/2005/8/layout/vList2"/>
@@ -2972,6 +2865,13 @@
         </dgm:presLayoutVars>
       </dgm:prSet>
       <dgm:spPr/>
+      <dgm:t>
+        <a:bodyPr/>
+        <a:lstStyle/>
+        <a:p>
+          <a:endParaRPr lang="en-US"/>
+        </a:p>
+      </dgm:t>
     </dgm:pt>
     <dgm:pt modelId="{965B0297-34E2-4051-95C4-F924A11E41F9}" type="pres">
       <dgm:prSet presAssocID="{9A46E337-6F7A-4953-99D5-0CBE47375686}" presName="diamond" presStyleLbl="bgShp" presStyleIdx="0" presStyleCnt="1"/>
@@ -2986,6 +2886,13 @@
         </dgm:presLayoutVars>
       </dgm:prSet>
       <dgm:spPr/>
+      <dgm:t>
+        <a:bodyPr/>
+        <a:lstStyle/>
+        <a:p>
+          <a:endParaRPr lang="en-US"/>
+        </a:p>
+      </dgm:t>
     </dgm:pt>
     <dgm:pt modelId="{F9E8E775-B8BA-4DDD-BF93-629C74F0DFD3}" type="pres">
       <dgm:prSet presAssocID="{9A46E337-6F7A-4953-99D5-0CBE47375686}" presName="quad2" presStyleLbl="node1" presStyleIdx="1" presStyleCnt="4">
@@ -2996,6 +2903,13 @@
         </dgm:presLayoutVars>
       </dgm:prSet>
       <dgm:spPr/>
+      <dgm:t>
+        <a:bodyPr/>
+        <a:lstStyle/>
+        <a:p>
+          <a:endParaRPr lang="en-US"/>
+        </a:p>
+      </dgm:t>
     </dgm:pt>
     <dgm:pt modelId="{F1A082E9-0A5D-426C-A1E8-46D9C1EE3005}" type="pres">
       <dgm:prSet presAssocID="{9A46E337-6F7A-4953-99D5-0CBE47375686}" presName="quad3" presStyleLbl="node1" presStyleIdx="2" presStyleCnt="4">
@@ -3006,6 +2920,13 @@
         </dgm:presLayoutVars>
       </dgm:prSet>
       <dgm:spPr/>
+      <dgm:t>
+        <a:bodyPr/>
+        <a:lstStyle/>
+        <a:p>
+          <a:endParaRPr lang="en-US"/>
+        </a:p>
+      </dgm:t>
     </dgm:pt>
     <dgm:pt modelId="{532651D6-03F2-44E6-B153-343DFDB37E84}" type="pres">
       <dgm:prSet presAssocID="{9A46E337-6F7A-4953-99D5-0CBE47375686}" presName="quad4" presStyleLbl="node1" presStyleIdx="3" presStyleCnt="4">
@@ -3016,18 +2937,25 @@
         </dgm:presLayoutVars>
       </dgm:prSet>
       <dgm:spPr/>
+      <dgm:t>
+        <a:bodyPr/>
+        <a:lstStyle/>
+        <a:p>
+          <a:endParaRPr lang="en-US"/>
+        </a:p>
+      </dgm:t>
     </dgm:pt>
   </dgm:ptLst>
   <dgm:cxnLst>
+    <dgm:cxn modelId="{89EB3763-8B96-45D6-B2A5-CE74228B1D6D}" type="presOf" srcId="{9A46E337-6F7A-4953-99D5-0CBE47375686}" destId="{0B45F48B-0B35-4E78-B3E0-0ACC170F64DC}" srcOrd="0" destOrd="0" presId="urn:microsoft.com/office/officeart/2005/8/layout/matrix3"/>
+    <dgm:cxn modelId="{17CD26CB-BEC7-4FD5-9E6C-2609DD719B95}" type="presOf" srcId="{899A21A7-07DF-4FE8-A773-FE63FA2F86F3}" destId="{F1A082E9-0A5D-426C-A1E8-46D9C1EE3005}" srcOrd="0" destOrd="0" presId="urn:microsoft.com/office/officeart/2005/8/layout/matrix3"/>
+    <dgm:cxn modelId="{25370B3C-359B-463E-9626-89E30B5D424F}" type="presOf" srcId="{C3465A71-7252-49A9-9313-64B2800FC0E7}" destId="{0FEBD18A-562F-428E-A00B-1D102D3F200E}" srcOrd="0" destOrd="0" presId="urn:microsoft.com/office/officeart/2005/8/layout/matrix3"/>
+    <dgm:cxn modelId="{CB9BA88C-9DDB-4218-BCD7-2C3A90E5EB03}" srcId="{9A46E337-6F7A-4953-99D5-0CBE47375686}" destId="{B9DA5BF0-31F2-4B12-BB8D-6371702C09D8}" srcOrd="3" destOrd="0" parTransId="{2787361E-1BB2-422B-99E2-A8B5D9A0AF99}" sibTransId="{D43274EA-A047-4CD8-A0B9-5FE617F8BE9F}"/>
+    <dgm:cxn modelId="{1561F018-F2E7-4A91-B0F6-30581D158890}" srcId="{9A46E337-6F7A-4953-99D5-0CBE47375686}" destId="{899A21A7-07DF-4FE8-A773-FE63FA2F86F3}" srcOrd="2" destOrd="0" parTransId="{C5F5210D-3F12-45D1-823C-2917AD1DA32B}" sibTransId="{58B92D96-A9FF-4529-BEA7-AB5E55A1B06F}"/>
     <dgm:cxn modelId="{6029480D-C292-49CA-AC03-E09BAE50EF13}" type="presOf" srcId="{CE669030-54BA-4357-A609-D9BE51A85F24}" destId="{F9E8E775-B8BA-4DDD-BF93-629C74F0DFD3}" srcOrd="0" destOrd="0" presId="urn:microsoft.com/office/officeart/2005/8/layout/matrix3"/>
-    <dgm:cxn modelId="{1561F018-F2E7-4A91-B0F6-30581D158890}" srcId="{9A46E337-6F7A-4953-99D5-0CBE47375686}" destId="{899A21A7-07DF-4FE8-A773-FE63FA2F86F3}" srcOrd="2" destOrd="0" parTransId="{C5F5210D-3F12-45D1-823C-2917AD1DA32B}" sibTransId="{58B92D96-A9FF-4529-BEA7-AB5E55A1B06F}"/>
+    <dgm:cxn modelId="{44064FD0-6B91-4091-83D5-5E4AF00C5406}" type="presOf" srcId="{B9DA5BF0-31F2-4B12-BB8D-6371702C09D8}" destId="{532651D6-03F2-44E6-B153-343DFDB37E84}" srcOrd="0" destOrd="0" presId="urn:microsoft.com/office/officeart/2005/8/layout/matrix3"/>
     <dgm:cxn modelId="{70D8A92B-B45B-4C7F-90C5-0402ECC6A7D0}" srcId="{9A46E337-6F7A-4953-99D5-0CBE47375686}" destId="{CE669030-54BA-4357-A609-D9BE51A85F24}" srcOrd="1" destOrd="0" parTransId="{A3157053-C6D7-4D16-B8E7-E6979AA61933}" sibTransId="{EA0316A6-6817-40B0-B5EE-4A8A048989A4}"/>
-    <dgm:cxn modelId="{25370B3C-359B-463E-9626-89E30B5D424F}" type="presOf" srcId="{C3465A71-7252-49A9-9313-64B2800FC0E7}" destId="{0FEBD18A-562F-428E-A00B-1D102D3F200E}" srcOrd="0" destOrd="0" presId="urn:microsoft.com/office/officeart/2005/8/layout/matrix3"/>
-    <dgm:cxn modelId="{89EB3763-8B96-45D6-B2A5-CE74228B1D6D}" type="presOf" srcId="{9A46E337-6F7A-4953-99D5-0CBE47375686}" destId="{0B45F48B-0B35-4E78-B3E0-0ACC170F64DC}" srcOrd="0" destOrd="0" presId="urn:microsoft.com/office/officeart/2005/8/layout/matrix3"/>
-    <dgm:cxn modelId="{CB9BA88C-9DDB-4218-BCD7-2C3A90E5EB03}" srcId="{9A46E337-6F7A-4953-99D5-0CBE47375686}" destId="{B9DA5BF0-31F2-4B12-BB8D-6371702C09D8}" srcOrd="3" destOrd="0" parTransId="{2787361E-1BB2-422B-99E2-A8B5D9A0AF99}" sibTransId="{D43274EA-A047-4CD8-A0B9-5FE617F8BE9F}"/>
     <dgm:cxn modelId="{DC91F3AF-8BB8-4BD9-BEF8-297FD9A3FB1D}" srcId="{9A46E337-6F7A-4953-99D5-0CBE47375686}" destId="{C3465A71-7252-49A9-9313-64B2800FC0E7}" srcOrd="0" destOrd="0" parTransId="{E8ECC074-3CDF-45A1-9EEB-F30FE641D121}" sibTransId="{E7E447BD-C4B8-49A1-AAD7-D9FC1BFA855A}"/>
-    <dgm:cxn modelId="{17CD26CB-BEC7-4FD5-9E6C-2609DD719B95}" type="presOf" srcId="{899A21A7-07DF-4FE8-A773-FE63FA2F86F3}" destId="{F1A082E9-0A5D-426C-A1E8-46D9C1EE3005}" srcOrd="0" destOrd="0" presId="urn:microsoft.com/office/officeart/2005/8/layout/matrix3"/>
-    <dgm:cxn modelId="{44064FD0-6B91-4091-83D5-5E4AF00C5406}" type="presOf" srcId="{B9DA5BF0-31F2-4B12-BB8D-6371702C09D8}" destId="{532651D6-03F2-44E6-B153-343DFDB37E84}" srcOrd="0" destOrd="0" presId="urn:microsoft.com/office/officeart/2005/8/layout/matrix3"/>
     <dgm:cxn modelId="{6418B7D4-7725-498B-9AC4-663EEC137F6C}" type="presParOf" srcId="{0B45F48B-0B35-4E78-B3E0-0ACC170F64DC}" destId="{965B0297-34E2-4051-95C4-F924A11E41F9}" srcOrd="0" destOrd="0" presId="urn:microsoft.com/office/officeart/2005/8/layout/matrix3"/>
     <dgm:cxn modelId="{F63B47A3-1C8A-4A49-9822-FC4943AF8C3C}" type="presParOf" srcId="{0B45F48B-0B35-4E78-B3E0-0ACC170F64DC}" destId="{0FEBD18A-562F-428E-A00B-1D102D3F200E}" srcOrd="1" destOrd="0" presId="urn:microsoft.com/office/officeart/2005/8/layout/matrix3"/>
     <dgm:cxn modelId="{25D296CC-0823-46D9-AE4E-4AB20F71B189}" type="presParOf" srcId="{0B45F48B-0B35-4E78-B3E0-0ACC170F64DC}" destId="{F9E8E775-B8BA-4DDD-BF93-629C74F0DFD3}" srcOrd="2" destOrd="0" presId="urn:microsoft.com/office/officeart/2005/8/layout/matrix3"/>
@@ -3319,6 +3247,13 @@
         </dgm:presLayoutVars>
       </dgm:prSet>
       <dgm:spPr/>
+      <dgm:t>
+        <a:bodyPr/>
+        <a:lstStyle/>
+        <a:p>
+          <a:endParaRPr lang="en-US"/>
+        </a:p>
+      </dgm:t>
     </dgm:pt>
     <dgm:pt modelId="{6353ECF3-D890-49C6-AF9A-67B1856011CD}" type="pres">
       <dgm:prSet presAssocID="{A7B5A376-0BDE-444D-AF32-C78E04EB8ACC}" presName="parentLin" presStyleCnt="0"/>
@@ -3327,6 +3262,13 @@
     <dgm:pt modelId="{D5EF04D0-35AD-4BD0-AA28-5D87251DC7C0}" type="pres">
       <dgm:prSet presAssocID="{A7B5A376-0BDE-444D-AF32-C78E04EB8ACC}" presName="parentLeftMargin" presStyleLbl="node1" presStyleIdx="0" presStyleCnt="1"/>
       <dgm:spPr/>
+      <dgm:t>
+        <a:bodyPr/>
+        <a:lstStyle/>
+        <a:p>
+          <a:endParaRPr lang="en-US"/>
+        </a:p>
+      </dgm:t>
     </dgm:pt>
     <dgm:pt modelId="{24BCAB40-AF6F-482C-81FD-B90E3135C14B}" type="pres">
       <dgm:prSet presAssocID="{A7B5A376-0BDE-444D-AF32-C78E04EB8ACC}" presName="parentText" presStyleLbl="node1" presStyleIdx="0" presStyleCnt="1">
@@ -3336,6 +3278,13 @@
         </dgm:presLayoutVars>
       </dgm:prSet>
       <dgm:spPr/>
+      <dgm:t>
+        <a:bodyPr/>
+        <a:lstStyle/>
+        <a:p>
+          <a:endParaRPr lang="en-US"/>
+        </a:p>
+      </dgm:t>
     </dgm:pt>
     <dgm:pt modelId="{963C60EF-4B23-4289-B9AE-AB6E874BB2CE}" type="pres">
       <dgm:prSet presAssocID="{A7B5A376-0BDE-444D-AF32-C78E04EB8ACC}" presName="negativeSpace" presStyleCnt="0"/>
@@ -3348,25 +3297,32 @@
         </dgm:presLayoutVars>
       </dgm:prSet>
       <dgm:spPr/>
+      <dgm:t>
+        <a:bodyPr/>
+        <a:lstStyle/>
+        <a:p>
+          <a:endParaRPr lang="en-US"/>
+        </a:p>
+      </dgm:t>
     </dgm:pt>
   </dgm:ptLst>
   <dgm:cxnLst>
-    <dgm:cxn modelId="{F372D604-AFF3-4C6C-A301-900BC88B7E01}" srcId="{A7B5A376-0BDE-444D-AF32-C78E04EB8ACC}" destId="{390A6B23-A30F-4827-A84B-66092A01C1A3}" srcOrd="2" destOrd="0" parTransId="{149F03F4-30B2-4AA3-A492-A21893617EA3}" sibTransId="{07244EDA-3BE7-411A-8DD5-B2AE440F7F35}"/>
+    <dgm:cxn modelId="{85D980F4-AF48-47C0-95E2-7866582AAEBA}" type="presOf" srcId="{A7B5A376-0BDE-444D-AF32-C78E04EB8ACC}" destId="{D5EF04D0-35AD-4BD0-AA28-5D87251DC7C0}" srcOrd="0" destOrd="0" presId="urn:microsoft.com/office/officeart/2005/8/layout/list1"/>
+    <dgm:cxn modelId="{284E4C29-9E61-405C-993C-FA7A6FF5BB51}" srcId="{24D6A708-990C-45EA-944D-BA43D6314338}" destId="{6A277D70-DD7C-4889-8A32-4D55D38E44D2}" srcOrd="0" destOrd="0" parTransId="{43CFF84C-10C5-4322-80EF-5BF06747238A}" sibTransId="{00AC7424-DAA4-4222-8802-902E6C34DEB8}"/>
+    <dgm:cxn modelId="{C0AC5986-1419-49BD-B113-9418BE3B4367}" type="presOf" srcId="{BE2E5A2C-7B2B-46DD-9C3D-842F14559FED}" destId="{F62A3C96-3DEB-40F3-A1C4-3C532BAC8ABC}" srcOrd="0" destOrd="3" presId="urn:microsoft.com/office/officeart/2005/8/layout/list1"/>
+    <dgm:cxn modelId="{BEDC6C34-F11C-4DF7-A7F1-9F5C67D560C3}" srcId="{F7154A55-03DD-462C-9772-B2F7C6E38326}" destId="{A7B5A376-0BDE-444D-AF32-C78E04EB8ACC}" srcOrd="0" destOrd="0" parTransId="{E0AEDD90-68DC-4102-B832-B04372FAC5D4}" sibTransId="{719123F4-3497-4881-B55F-1249FF55698E}"/>
+    <dgm:cxn modelId="{6C410DAB-892E-41A8-B85B-257BA48C70A9}" type="presOf" srcId="{57F1AA56-4409-4A79-A023-3F0FA04C5F2C}" destId="{F62A3C96-3DEB-40F3-A1C4-3C532BAC8ABC}" srcOrd="0" destOrd="5" presId="urn:microsoft.com/office/officeart/2005/8/layout/list1"/>
+    <dgm:cxn modelId="{8BA9FD36-7038-4D2B-9A4A-EEAFC34E5E25}" type="presOf" srcId="{390A6B23-A30F-4827-A84B-66092A01C1A3}" destId="{F62A3C96-3DEB-40F3-A1C4-3C532BAC8ABC}" srcOrd="0" destOrd="4" presId="urn:microsoft.com/office/officeart/2005/8/layout/list1"/>
+    <dgm:cxn modelId="{407E0E34-2C9B-4DD9-A19E-B532EC218AD8}" type="presOf" srcId="{6A277D70-DD7C-4889-8A32-4D55D38E44D2}" destId="{F62A3C96-3DEB-40F3-A1C4-3C532BAC8ABC}" srcOrd="0" destOrd="1" presId="urn:microsoft.com/office/officeart/2005/8/layout/list1"/>
     <dgm:cxn modelId="{2EFE5611-A40C-4423-9E05-FD9938F38A91}" type="presOf" srcId="{391C2CEB-AF2C-4D2B-8F02-FFD9D8E1CD28}" destId="{F62A3C96-3DEB-40F3-A1C4-3C532BAC8ABC}" srcOrd="0" destOrd="2" presId="urn:microsoft.com/office/officeart/2005/8/layout/list1"/>
-    <dgm:cxn modelId="{515BC21A-CFBF-461B-B3F2-57D676F8DFDA}" type="presOf" srcId="{24D6A708-990C-45EA-944D-BA43D6314338}" destId="{F62A3C96-3DEB-40F3-A1C4-3C532BAC8ABC}" srcOrd="0" destOrd="0" presId="urn:microsoft.com/office/officeart/2005/8/layout/list1"/>
-    <dgm:cxn modelId="{284E4C29-9E61-405C-993C-FA7A6FF5BB51}" srcId="{24D6A708-990C-45EA-944D-BA43D6314338}" destId="{6A277D70-DD7C-4889-8A32-4D55D38E44D2}" srcOrd="0" destOrd="0" parTransId="{43CFF84C-10C5-4322-80EF-5BF06747238A}" sibTransId="{00AC7424-DAA4-4222-8802-902E6C34DEB8}"/>
-    <dgm:cxn modelId="{407E0E34-2C9B-4DD9-A19E-B532EC218AD8}" type="presOf" srcId="{6A277D70-DD7C-4889-8A32-4D55D38E44D2}" destId="{F62A3C96-3DEB-40F3-A1C4-3C532BAC8ABC}" srcOrd="0" destOrd="1" presId="urn:microsoft.com/office/officeart/2005/8/layout/list1"/>
-    <dgm:cxn modelId="{BEDC6C34-F11C-4DF7-A7F1-9F5C67D560C3}" srcId="{F7154A55-03DD-462C-9772-B2F7C6E38326}" destId="{A7B5A376-0BDE-444D-AF32-C78E04EB8ACC}" srcOrd="0" destOrd="0" parTransId="{E0AEDD90-68DC-4102-B832-B04372FAC5D4}" sibTransId="{719123F4-3497-4881-B55F-1249FF55698E}"/>
-    <dgm:cxn modelId="{8BA9FD36-7038-4D2B-9A4A-EEAFC34E5E25}" type="presOf" srcId="{390A6B23-A30F-4827-A84B-66092A01C1A3}" destId="{F62A3C96-3DEB-40F3-A1C4-3C532BAC8ABC}" srcOrd="0" destOrd="4" presId="urn:microsoft.com/office/officeart/2005/8/layout/list1"/>
-    <dgm:cxn modelId="{1EAAD33C-91D9-4B12-8A36-4E45F677B0D9}" srcId="{A7B5A376-0BDE-444D-AF32-C78E04EB8ACC}" destId="{24D6A708-990C-45EA-944D-BA43D6314338}" srcOrd="0" destOrd="0" parTransId="{BCFB33B1-8B9E-4E14-8DF7-35A27CFD22D4}" sibTransId="{0C830568-D7A4-4C1A-9A3C-31670F8246DA}"/>
-    <dgm:cxn modelId="{C0AC5986-1419-49BD-B113-9418BE3B4367}" type="presOf" srcId="{BE2E5A2C-7B2B-46DD-9C3D-842F14559FED}" destId="{F62A3C96-3DEB-40F3-A1C4-3C532BAC8ABC}" srcOrd="0" destOrd="3" presId="urn:microsoft.com/office/officeart/2005/8/layout/list1"/>
-    <dgm:cxn modelId="{4CE08594-97F2-4269-9CC4-1E3CC7BA2EB4}" srcId="{A7B5A376-0BDE-444D-AF32-C78E04EB8ACC}" destId="{391C2CEB-AF2C-4D2B-8F02-FFD9D8E1CD28}" srcOrd="1" destOrd="0" parTransId="{B57E6B98-F792-4452-B41C-64A616E0009C}" sibTransId="{16C16E0E-398B-4637-9DCC-A9A385905964}"/>
     <dgm:cxn modelId="{B48FBD97-DAE4-41C0-A0CD-E87056508078}" type="presOf" srcId="{A7B5A376-0BDE-444D-AF32-C78E04EB8ACC}" destId="{24BCAB40-AF6F-482C-81FD-B90E3135C14B}" srcOrd="1" destOrd="0" presId="urn:microsoft.com/office/officeart/2005/8/layout/list1"/>
     <dgm:cxn modelId="{C13F989D-70A5-4C71-8C2E-F3FA48D1316C}" srcId="{390A6B23-A30F-4827-A84B-66092A01C1A3}" destId="{57F1AA56-4409-4A79-A023-3F0FA04C5F2C}" srcOrd="0" destOrd="0" parTransId="{868DE915-0AED-4013-983D-722D41E82783}" sibTransId="{B47C0E92-FC30-4158-B797-916352BC2B93}"/>
+    <dgm:cxn modelId="{F372D604-AFF3-4C6C-A301-900BC88B7E01}" srcId="{A7B5A376-0BDE-444D-AF32-C78E04EB8ACC}" destId="{390A6B23-A30F-4827-A84B-66092A01C1A3}" srcOrd="2" destOrd="0" parTransId="{149F03F4-30B2-4AA3-A492-A21893617EA3}" sibTransId="{07244EDA-3BE7-411A-8DD5-B2AE440F7F35}"/>
+    <dgm:cxn modelId="{8B95C8D3-7DD8-4434-B284-8A75A3B39BB8}" type="presOf" srcId="{F7154A55-03DD-462C-9772-B2F7C6E38326}" destId="{EB50A707-120D-48DE-8CD6-05E8D708DA8D}" srcOrd="0" destOrd="0" presId="urn:microsoft.com/office/officeart/2005/8/layout/list1"/>
     <dgm:cxn modelId="{DE8AFBA3-F975-4E33-9E8F-691A35348C16}" srcId="{391C2CEB-AF2C-4D2B-8F02-FFD9D8E1CD28}" destId="{BE2E5A2C-7B2B-46DD-9C3D-842F14559FED}" srcOrd="0" destOrd="0" parTransId="{57C80035-2194-4791-8F4A-EC63D8C03729}" sibTransId="{3D4E64CB-4676-45F7-9750-C427B206E643}"/>
-    <dgm:cxn modelId="{6C410DAB-892E-41A8-B85B-257BA48C70A9}" type="presOf" srcId="{57F1AA56-4409-4A79-A023-3F0FA04C5F2C}" destId="{F62A3C96-3DEB-40F3-A1C4-3C532BAC8ABC}" srcOrd="0" destOrd="5" presId="urn:microsoft.com/office/officeart/2005/8/layout/list1"/>
-    <dgm:cxn modelId="{8B95C8D3-7DD8-4434-B284-8A75A3B39BB8}" type="presOf" srcId="{F7154A55-03DD-462C-9772-B2F7C6E38326}" destId="{EB50A707-120D-48DE-8CD6-05E8D708DA8D}" srcOrd="0" destOrd="0" presId="urn:microsoft.com/office/officeart/2005/8/layout/list1"/>
-    <dgm:cxn modelId="{85D980F4-AF48-47C0-95E2-7866582AAEBA}" type="presOf" srcId="{A7B5A376-0BDE-444D-AF32-C78E04EB8ACC}" destId="{D5EF04D0-35AD-4BD0-AA28-5D87251DC7C0}" srcOrd="0" destOrd="0" presId="urn:microsoft.com/office/officeart/2005/8/layout/list1"/>
+    <dgm:cxn modelId="{1EAAD33C-91D9-4B12-8A36-4E45F677B0D9}" srcId="{A7B5A376-0BDE-444D-AF32-C78E04EB8ACC}" destId="{24D6A708-990C-45EA-944D-BA43D6314338}" srcOrd="0" destOrd="0" parTransId="{BCFB33B1-8B9E-4E14-8DF7-35A27CFD22D4}" sibTransId="{0C830568-D7A4-4C1A-9A3C-31670F8246DA}"/>
+    <dgm:cxn modelId="{4CE08594-97F2-4269-9CC4-1E3CC7BA2EB4}" srcId="{A7B5A376-0BDE-444D-AF32-C78E04EB8ACC}" destId="{391C2CEB-AF2C-4D2B-8F02-FFD9D8E1CD28}" srcOrd="1" destOrd="0" parTransId="{B57E6B98-F792-4452-B41C-64A616E0009C}" sibTransId="{16C16E0E-398B-4637-9DCC-A9A385905964}"/>
+    <dgm:cxn modelId="{515BC21A-CFBF-461B-B3F2-57D676F8DFDA}" type="presOf" srcId="{24D6A708-990C-45EA-944D-BA43D6314338}" destId="{F62A3C96-3DEB-40F3-A1C4-3C532BAC8ABC}" srcOrd="0" destOrd="0" presId="urn:microsoft.com/office/officeart/2005/8/layout/list1"/>
     <dgm:cxn modelId="{C219F92A-FE93-489C-A727-E90746EF77FC}" type="presParOf" srcId="{EB50A707-120D-48DE-8CD6-05E8D708DA8D}" destId="{6353ECF3-D890-49C6-AF9A-67B1856011CD}" srcOrd="0" destOrd="0" presId="urn:microsoft.com/office/officeart/2005/8/layout/list1"/>
     <dgm:cxn modelId="{4A4DEF77-2986-4299-9E45-0159783F6077}" type="presParOf" srcId="{6353ECF3-D890-49C6-AF9A-67B1856011CD}" destId="{D5EF04D0-35AD-4BD0-AA28-5D87251DC7C0}" srcOrd="0" destOrd="0" presId="urn:microsoft.com/office/officeart/2005/8/layout/list1"/>
     <dgm:cxn modelId="{F7CDAA6C-397C-4653-AE04-1D23699353C9}" type="presParOf" srcId="{6353ECF3-D890-49C6-AF9A-67B1856011CD}" destId="{24BCAB40-AF6F-482C-81FD-B90E3135C14B}" srcOrd="1" destOrd="0" presId="urn:microsoft.com/office/officeart/2005/8/layout/list1"/>
@@ -3398,8 +3354,8 @@
       </dsp:nvSpPr>
       <dsp:spPr>
         <a:xfrm>
-          <a:off x="0" y="37732"/>
-          <a:ext cx="6269038" cy="1295190"/>
+          <a:off x="0" y="492862"/>
+          <a:ext cx="6269038" cy="1216800"/>
         </a:xfrm>
         <a:prstGeom prst="roundRect">
           <a:avLst/>
@@ -3468,12 +3424,12 @@
         </a:fontRef>
       </dsp:style>
       <dsp:txBody>
-        <a:bodyPr spcFirstLastPara="0" vert="horz" wrap="square" lIns="205740" tIns="205740" rIns="205740" bIns="205740" numCol="1" spcCol="1270" anchor="ctr" anchorCtr="0">
+        <a:bodyPr spcFirstLastPara="0" vert="horz" wrap="square" lIns="182880" tIns="182880" rIns="182880" bIns="182880" numCol="1" spcCol="1270" anchor="ctr" anchorCtr="0">
           <a:noAutofit/>
         </a:bodyPr>
         <a:lstStyle/>
         <a:p>
-          <a:pPr marL="0" lvl="0" indent="0" algn="l" defTabSz="2400300">
+          <a:pPr lvl="0" algn="l" defTabSz="2133600">
             <a:lnSpc>
               <a:spcPct val="90000"/>
             </a:lnSpc>
@@ -3483,17 +3439,16 @@
             <a:spcAft>
               <a:spcPct val="35000"/>
             </a:spcAft>
-            <a:buNone/>
           </a:pPr>
           <a:r>
-            <a:rPr lang="en-US" sz="5400" kern="1200" dirty="0"/>
+            <a:rPr lang="en-US" sz="4800" kern="1200" dirty="0"/>
             <a:t>Education</a:t>
           </a:r>
         </a:p>
       </dsp:txBody>
       <dsp:txXfrm>
-        <a:off x="63226" y="100958"/>
-        <a:ext cx="6142586" cy="1168738"/>
+        <a:off x="59399" y="552261"/>
+        <a:ext cx="6150240" cy="1098002"/>
       </dsp:txXfrm>
     </dsp:sp>
     <dsp:sp modelId="{0123DC90-8825-42EC-AA72-062269CE129B}">
@@ -3503,8 +3458,8 @@
       </dsp:nvSpPr>
       <dsp:spPr>
         <a:xfrm>
-          <a:off x="0" y="1332922"/>
-          <a:ext cx="6269038" cy="1453140"/>
+          <a:off x="0" y="1709662"/>
+          <a:ext cx="6269038" cy="1076400"/>
         </a:xfrm>
         <a:prstGeom prst="rect">
           <a:avLst/>
@@ -3528,12 +3483,12 @@
         <a:fontRef idx="minor"/>
       </dsp:style>
       <dsp:txBody>
-        <a:bodyPr spcFirstLastPara="0" vert="horz" wrap="square" lIns="199042" tIns="68580" rIns="384048" bIns="68580" numCol="1" spcCol="1270" anchor="t" anchorCtr="0">
+        <a:bodyPr spcFirstLastPara="0" vert="horz" wrap="square" lIns="199042" tIns="82550" rIns="462280" bIns="82550" numCol="1" spcCol="1270" anchor="t" anchorCtr="0">
           <a:noAutofit/>
         </a:bodyPr>
         <a:lstStyle/>
         <a:p>
-          <a:pPr marL="285750" lvl="1" indent="-285750" algn="l" defTabSz="1866900">
+          <a:pPr marL="285750" lvl="1" indent="-285750" algn="l" defTabSz="2266950">
             <a:lnSpc>
               <a:spcPct val="90000"/>
             </a:lnSpc>
@@ -3543,37 +3498,14 @@
             <a:spcAft>
               <a:spcPct val="20000"/>
             </a:spcAft>
-            <a:buChar char="•"/>
+            <a:buChar char="••"/>
           </a:pPr>
-          <a:r>
-            <a:rPr lang="en-US" sz="4200" kern="1200" dirty="0" err="1"/>
-            <a:t>Djfhkjd</a:t>
-          </a:r>
-          <a:endParaRPr lang="en-US" sz="4200" kern="1200" dirty="0"/>
-        </a:p>
-        <a:p>
-          <a:pPr marL="285750" lvl="1" indent="-285750" algn="l" defTabSz="1866900">
-            <a:lnSpc>
-              <a:spcPct val="90000"/>
-            </a:lnSpc>
-            <a:spcBef>
-              <a:spcPct val="0"/>
-            </a:spcBef>
-            <a:spcAft>
-              <a:spcPct val="20000"/>
-            </a:spcAft>
-            <a:buChar char="•"/>
-          </a:pPr>
-          <a:r>
-            <a:rPr lang="en-US" sz="4200" kern="1200" dirty="0" err="1"/>
-            <a:t>Dshfkj</a:t>
-          </a:r>
-          <a:endParaRPr lang="en-US" sz="4200" kern="1200" dirty="0"/>
+          <a:endParaRPr lang="en-US" sz="5100" kern="1200" dirty="0"/>
         </a:p>
       </dsp:txBody>
       <dsp:txXfrm>
-        <a:off x="0" y="1332922"/>
-        <a:ext cx="6269038" cy="1453140"/>
+        <a:off x="0" y="1709662"/>
+        <a:ext cx="6269038" cy="1076400"/>
       </dsp:txXfrm>
     </dsp:sp>
     <dsp:sp modelId="{3A090A9B-2EBE-432C-B3A9-4A7293C39B7F}">
@@ -3584,7 +3516,7 @@
       <dsp:spPr>
         <a:xfrm>
           <a:off x="0" y="2786062"/>
-          <a:ext cx="6269038" cy="1295190"/>
+          <a:ext cx="6269038" cy="1216800"/>
         </a:xfrm>
         <a:prstGeom prst="roundRect">
           <a:avLst/>
@@ -3653,12 +3585,12 @@
         </a:fontRef>
       </dsp:style>
       <dsp:txBody>
-        <a:bodyPr spcFirstLastPara="0" vert="horz" wrap="square" lIns="205740" tIns="205740" rIns="205740" bIns="205740" numCol="1" spcCol="1270" anchor="ctr" anchorCtr="0">
+        <a:bodyPr spcFirstLastPara="0" vert="horz" wrap="square" lIns="182880" tIns="182880" rIns="182880" bIns="182880" numCol="1" spcCol="1270" anchor="ctr" anchorCtr="0">
           <a:noAutofit/>
         </a:bodyPr>
         <a:lstStyle/>
         <a:p>
-          <a:pPr marL="0" lvl="0" indent="0" algn="l" defTabSz="2400300">
+          <a:pPr lvl="0" algn="l" defTabSz="2133600">
             <a:lnSpc>
               <a:spcPct val="90000"/>
             </a:lnSpc>
@@ -3668,17 +3600,17 @@
             <a:spcAft>
               <a:spcPct val="35000"/>
             </a:spcAft>
-            <a:buNone/>
           </a:pPr>
           <a:r>
-            <a:rPr lang="en-US" sz="5400" kern="1200" dirty="0"/>
+            <a:rPr lang="en-US" sz="4800" kern="1200" dirty="0"/>
             <a:t>Employment</a:t>
           </a:r>
+          <a:endParaRPr lang="en-US" sz="6500" kern="1200" dirty="0"/>
         </a:p>
       </dsp:txBody>
       <dsp:txXfrm>
-        <a:off x="63226" y="2849288"/>
-        <a:ext cx="6142586" cy="1168738"/>
+        <a:off x="59399" y="2845461"/>
+        <a:ext cx="6150240" cy="1098002"/>
       </dsp:txXfrm>
     </dsp:sp>
     <dsp:sp modelId="{EABDD72B-9305-48C9-AF03-1FC8D86674FA}">
@@ -3688,8 +3620,8 @@
       </dsp:nvSpPr>
       <dsp:spPr>
         <a:xfrm>
-          <a:off x="0" y="4081252"/>
-          <a:ext cx="6269038" cy="1453140"/>
+          <a:off x="0" y="4002862"/>
+          <a:ext cx="6269038" cy="1076400"/>
         </a:xfrm>
         <a:prstGeom prst="rect">
           <a:avLst/>
@@ -3713,12 +3645,12 @@
         <a:fontRef idx="minor"/>
       </dsp:style>
       <dsp:txBody>
-        <a:bodyPr spcFirstLastPara="0" vert="horz" wrap="square" lIns="199042" tIns="68580" rIns="384048" bIns="68580" numCol="1" spcCol="1270" anchor="t" anchorCtr="0">
+        <a:bodyPr spcFirstLastPara="0" vert="horz" wrap="square" lIns="199042" tIns="82550" rIns="462280" bIns="82550" numCol="1" spcCol="1270" anchor="t" anchorCtr="0">
           <a:noAutofit/>
         </a:bodyPr>
         <a:lstStyle/>
         <a:p>
-          <a:pPr marL="285750" lvl="1" indent="-285750" algn="l" defTabSz="1866900">
+          <a:pPr marL="285750" lvl="1" indent="-285750" algn="l" defTabSz="2266950">
             <a:lnSpc>
               <a:spcPct val="90000"/>
             </a:lnSpc>
@@ -3728,35 +3660,14 @@
             <a:spcAft>
               <a:spcPct val="20000"/>
             </a:spcAft>
-            <a:buChar char="•"/>
+            <a:buChar char="••"/>
           </a:pPr>
-          <a:r>
-            <a:rPr lang="en-US" sz="4200" kern="1200" dirty="0"/>
-            <a:t>Something</a:t>
-          </a:r>
-        </a:p>
-        <a:p>
-          <a:pPr marL="285750" lvl="1" indent="-285750" algn="l" defTabSz="1866900">
-            <a:lnSpc>
-              <a:spcPct val="90000"/>
-            </a:lnSpc>
-            <a:spcBef>
-              <a:spcPct val="0"/>
-            </a:spcBef>
-            <a:spcAft>
-              <a:spcPct val="20000"/>
-            </a:spcAft>
-            <a:buChar char="•"/>
-          </a:pPr>
-          <a:r>
-            <a:rPr lang="en-US" sz="4200" kern="1200" dirty="0"/>
-            <a:t>something</a:t>
-          </a:r>
+          <a:endParaRPr lang="en-US" sz="5100" kern="1200" dirty="0"/>
         </a:p>
       </dsp:txBody>
       <dsp:txXfrm>
-        <a:off x="0" y="4081252"/>
-        <a:ext cx="6269038" cy="1453140"/>
+        <a:off x="0" y="4002862"/>
+        <a:ext cx="6269038" cy="1076400"/>
       </dsp:txXfrm>
     </dsp:sp>
   </dsp:spTree>
@@ -3866,7 +3777,7 @@
         </a:bodyPr>
         <a:lstStyle/>
         <a:p>
-          <a:pPr marL="0" lvl="0" indent="0" algn="ctr" defTabSz="1200150">
+          <a:pPr lvl="0" algn="ctr" defTabSz="1200150">
             <a:lnSpc>
               <a:spcPct val="90000"/>
             </a:lnSpc>
@@ -3876,7 +3787,6 @@
             <a:spcAft>
               <a:spcPct val="35000"/>
             </a:spcAft>
-            <a:buNone/>
           </a:pPr>
           <a:r>
             <a:rPr lang="en-US" sz="2700" kern="1200"/>
@@ -3944,7 +3854,7 @@
         </a:bodyPr>
         <a:lstStyle/>
         <a:p>
-          <a:pPr marL="0" lvl="0" indent="0" algn="ctr" defTabSz="1200150">
+          <a:pPr lvl="0" algn="ctr" defTabSz="1200150">
             <a:lnSpc>
               <a:spcPct val="90000"/>
             </a:lnSpc>
@@ -3954,7 +3864,6 @@
             <a:spcAft>
               <a:spcPct val="35000"/>
             </a:spcAft>
-            <a:buNone/>
           </a:pPr>
           <a:r>
             <a:rPr lang="en-US" sz="2700" kern="1200"/>
@@ -4022,7 +3931,7 @@
         </a:bodyPr>
         <a:lstStyle/>
         <a:p>
-          <a:pPr marL="0" lvl="0" indent="0" algn="ctr" defTabSz="1200150">
+          <a:pPr lvl="0" algn="ctr" defTabSz="1200150">
             <a:lnSpc>
               <a:spcPct val="90000"/>
             </a:lnSpc>
@@ -4032,7 +3941,6 @@
             <a:spcAft>
               <a:spcPct val="35000"/>
             </a:spcAft>
-            <a:buNone/>
           </a:pPr>
           <a:r>
             <a:rPr lang="en-US" sz="2700" kern="1200"/>
@@ -4100,7 +4008,7 @@
         </a:bodyPr>
         <a:lstStyle/>
         <a:p>
-          <a:pPr marL="0" lvl="0" indent="0" algn="ctr" defTabSz="1200150">
+          <a:pPr lvl="0" algn="ctr" defTabSz="1200150">
             <a:lnSpc>
               <a:spcPct val="90000"/>
             </a:lnSpc>
@@ -4110,7 +4018,6 @@
             <a:spcAft>
               <a:spcPct val="35000"/>
             </a:spcAft>
-            <a:buNone/>
           </a:pPr>
           <a:r>
             <a:rPr lang="en-US" sz="2700" kern="1200"/>
@@ -4199,7 +4106,7 @@
             <a:spcAft>
               <a:spcPct val="15000"/>
             </a:spcAft>
-            <a:buChar char="•"/>
+            <a:buChar char="••"/>
           </a:pPr>
           <a:r>
             <a:rPr lang="en-US" sz="2800" kern="1200"/>
@@ -4217,7 +4124,7 @@
             <a:spcAft>
               <a:spcPct val="15000"/>
             </a:spcAft>
-            <a:buChar char="•"/>
+            <a:buChar char="••"/>
           </a:pPr>
           <a:r>
             <a:rPr lang="en-US" sz="2800" kern="1200"/>
@@ -4235,7 +4142,7 @@
             <a:spcAft>
               <a:spcPct val="15000"/>
             </a:spcAft>
-            <a:buChar char="•"/>
+            <a:buChar char="••"/>
           </a:pPr>
           <a:r>
             <a:rPr lang="en-US" sz="2800" kern="1200"/>
@@ -4253,7 +4160,7 @@
             <a:spcAft>
               <a:spcPct val="15000"/>
             </a:spcAft>
-            <a:buChar char="•"/>
+            <a:buChar char="••"/>
           </a:pPr>
           <a:r>
             <a:rPr lang="en-US" sz="2800" kern="1200"/>
@@ -4271,7 +4178,7 @@
             <a:spcAft>
               <a:spcPct val="15000"/>
             </a:spcAft>
-            <a:buChar char="•"/>
+            <a:buChar char="••"/>
           </a:pPr>
           <a:r>
             <a:rPr lang="en-US" sz="2800" kern="1200"/>
@@ -4289,7 +4196,7 @@
             <a:spcAft>
               <a:spcPct val="15000"/>
             </a:spcAft>
-            <a:buChar char="•"/>
+            <a:buChar char="••"/>
           </a:pPr>
           <a:r>
             <a:rPr lang="en-US" sz="2800" kern="1200"/>
@@ -4357,7 +4264,7 @@
         </a:bodyPr>
         <a:lstStyle/>
         <a:p>
-          <a:pPr marL="0" lvl="0" indent="0" algn="l" defTabSz="1244600">
+          <a:pPr lvl="0" algn="l" defTabSz="1244600">
             <a:lnSpc>
               <a:spcPct val="90000"/>
             </a:lnSpc>
@@ -4367,7 +4274,6 @@
             <a:spcAft>
               <a:spcPct val="35000"/>
             </a:spcAft>
-            <a:buNone/>
           </a:pPr>
           <a:r>
             <a:rPr lang="en-US" sz="2800" kern="1200"/>
@@ -8179,7 +8085,7 @@
           <a:p>
             <a:fld id="{7BCB8214-0E7E-4EFC-9E1C-25F6159D4170}" type="datetimeFigureOut">
               <a:rPr lang="en-US" smtClean="0"/>
-              <a:t>8/9/2018</a:t>
+              <a:t>8/21/2018</a:t>
             </a:fld>
             <a:endParaRPr lang="en-US"/>
           </a:p>
@@ -8579,38 +8485,8 @@
           <a:p>
             <a:r>
               <a:rPr lang="en-US" dirty="0"/>
-              <a:t>The theoretical aspect of this course cover the foundations of and best practices in IT Management and Administration. </a:t>
-            </a:r>
-          </a:p>
-          <a:p>
-            <a:endParaRPr lang="en-US" dirty="0"/>
-          </a:p>
-          <a:p>
-            <a:r>
-              <a:rPr lang="en-US" dirty="0"/>
-              <a:t>The practice aspect of this course you will learn how the concepts are applied through examples. </a:t>
-            </a:r>
-          </a:p>
-          <a:p>
-            <a:endParaRPr lang="en-US" dirty="0"/>
-          </a:p>
-          <a:p>
-            <a:r>
-              <a:rPr lang="en-US" dirty="0"/>
-              <a:t>For example you will learn about data storage systems file systems and file services for users. In practice you will have a lab activity where you setup the file system, secure it and share it with clients so that you can gain a better understanding of how the theory is applied. </a:t>
-            </a:r>
-          </a:p>
-          <a:p>
-            <a:endParaRPr lang="en-US" dirty="0"/>
-          </a:p>
-          <a:p>
-            <a:r>
-              <a:rPr lang="en-US" dirty="0"/>
-              <a:t>It’s not training. That’s not the purpose. The goal is to help you see how all of the concepts you will learn are used in practice so that you can gain a deeper understanding of how they work and the challenges with administering them.</a:t>
-            </a:r>
-          </a:p>
-          <a:p>
-            <a:endParaRPr lang="en-US" dirty="0"/>
+              <a:t>Go over the schedule from the syllabus</a:t>
+            </a:r>
           </a:p>
         </p:txBody>
       </p:sp>
@@ -8631,7 +8507,7 @@
           <a:p>
             <a:fld id="{0112F830-31CF-4898-9DC8-86941997CB87}" type="slidenum">
               <a:rPr lang="en-US" smtClean="0"/>
-              <a:t>7</a:t>
+              <a:t>12</a:t>
             </a:fld>
             <a:endParaRPr lang="en-US"/>
           </a:p>
@@ -8640,7 +8516,7 @@
     </p:spTree>
     <p:extLst>
       <p:ext uri="{BB962C8B-B14F-4D97-AF65-F5344CB8AC3E}">
-        <p14:creationId xmlns:p14="http://schemas.microsoft.com/office/powerpoint/2010/main" val="1795797114"/>
+        <p14:creationId xmlns:p14="http://schemas.microsoft.com/office/powerpoint/2010/main" val="292213028"/>
       </p:ext>
     </p:extLst>
   </p:cSld>
@@ -8694,93 +8570,6 @@
           <a:bodyPr/>
           <a:lstStyle/>
           <a:p>
-            <a:r>
-              <a:rPr lang="en-US" dirty="0"/>
-              <a:t>Go over the schedule from the syllabus</a:t>
-            </a:r>
-          </a:p>
-        </p:txBody>
-      </p:sp>
-      <p:sp>
-        <p:nvSpPr>
-          <p:cNvPr id="4" name="Slide Number Placeholder 3"/>
-          <p:cNvSpPr>
-            <a:spLocks noGrp="1"/>
-          </p:cNvSpPr>
-          <p:nvPr>
-            <p:ph type="sldNum" sz="quarter" idx="10"/>
-          </p:nvPr>
-        </p:nvSpPr>
-        <p:spPr/>
-        <p:txBody>
-          <a:bodyPr/>
-          <a:lstStyle/>
-          <a:p>
-            <a:fld id="{0112F830-31CF-4898-9DC8-86941997CB87}" type="slidenum">
-              <a:rPr lang="en-US" smtClean="0"/>
-              <a:t>13</a:t>
-            </a:fld>
-            <a:endParaRPr lang="en-US"/>
-          </a:p>
-        </p:txBody>
-      </p:sp>
-    </p:spTree>
-    <p:extLst>
-      <p:ext uri="{BB962C8B-B14F-4D97-AF65-F5344CB8AC3E}">
-        <p14:creationId xmlns:p14="http://schemas.microsoft.com/office/powerpoint/2010/main" val="292213028"/>
-      </p:ext>
-    </p:extLst>
-  </p:cSld>
-  <p:clrMapOvr>
-    <a:masterClrMapping/>
-  </p:clrMapOvr>
-</p:notes>
-</file>
-
-<file path=ppt/notesSlides/notesSlide4.xml><?xml version="1.0" encoding="utf-8"?>
-<p:notes xmlns:a="http://schemas.openxmlformats.org/drawingml/2006/main" xmlns:r="http://schemas.openxmlformats.org/officeDocument/2006/relationships" xmlns:p="http://schemas.openxmlformats.org/presentationml/2006/main">
-  <p:cSld>
-    <p:spTree>
-      <p:nvGrpSpPr>
-        <p:cNvPr id="1" name=""/>
-        <p:cNvGrpSpPr/>
-        <p:nvPr/>
-      </p:nvGrpSpPr>
-      <p:grpSpPr>
-        <a:xfrm>
-          <a:off x="0" y="0"/>
-          <a:ext cx="0" cy="0"/>
-          <a:chOff x="0" y="0"/>
-          <a:chExt cx="0" cy="0"/>
-        </a:xfrm>
-      </p:grpSpPr>
-      <p:sp>
-        <p:nvSpPr>
-          <p:cNvPr id="2" name="Slide Image Placeholder 1"/>
-          <p:cNvSpPr>
-            <a:spLocks noGrp="1" noRot="1" noChangeAspect="1"/>
-          </p:cNvSpPr>
-          <p:nvPr>
-            <p:ph type="sldImg"/>
-          </p:nvPr>
-        </p:nvSpPr>
-        <p:spPr/>
-      </p:sp>
-      <p:sp>
-        <p:nvSpPr>
-          <p:cNvPr id="3" name="Notes Placeholder 2"/>
-          <p:cNvSpPr>
-            <a:spLocks noGrp="1"/>
-          </p:cNvSpPr>
-          <p:nvPr>
-            <p:ph type="body" idx="1"/>
-          </p:nvPr>
-        </p:nvSpPr>
-        <p:spPr/>
-        <p:txBody>
-          <a:bodyPr/>
-          <a:lstStyle/>
-          <a:p>
             <a:pPr marL="0" marR="0" lvl="0" indent="0" algn="l" defTabSz="914400" rtl="0" eaLnBrk="1" fontAlgn="auto" latinLnBrk="0" hangingPunct="1">
               <a:lnSpc>
                 <a:spcPct val="100000"/>
@@ -8825,7 +8614,7 @@
           <a:p>
             <a:fld id="{0112F830-31CF-4898-9DC8-86941997CB87}" type="slidenum">
               <a:rPr lang="en-US" smtClean="0"/>
-              <a:t>15</a:t>
+              <a:t>14</a:t>
             </a:fld>
             <a:endParaRPr lang="en-US"/>
           </a:p>
@@ -8975,7 +8764,7 @@
           <a:p>
             <a:fld id="{C8AC65AB-5746-43EA-A59E-648FB11CA309}" type="datetimeFigureOut">
               <a:rPr lang="en-US" smtClean="0"/>
-              <a:t>8/9/2018</a:t>
+              <a:t>8/21/2018</a:t>
             </a:fld>
             <a:endParaRPr lang="en-US"/>
           </a:p>
@@ -9145,7 +8934,7 @@
           <a:p>
             <a:fld id="{C8AC65AB-5746-43EA-A59E-648FB11CA309}" type="datetimeFigureOut">
               <a:rPr lang="en-US" smtClean="0"/>
-              <a:t>8/9/2018</a:t>
+              <a:t>8/21/2018</a:t>
             </a:fld>
             <a:endParaRPr lang="en-US"/>
           </a:p>
@@ -9325,7 +9114,7 @@
           <a:p>
             <a:fld id="{C8AC65AB-5746-43EA-A59E-648FB11CA309}" type="datetimeFigureOut">
               <a:rPr lang="en-US" smtClean="0"/>
-              <a:t>8/9/2018</a:t>
+              <a:t>8/21/2018</a:t>
             </a:fld>
             <a:endParaRPr lang="en-US"/>
           </a:p>
@@ -9517,7 +9306,7 @@
           <a:p>
             <a:fld id="{C8AC65AB-5746-43EA-A59E-648FB11CA309}" type="datetimeFigureOut">
               <a:rPr lang="en-US" smtClean="0"/>
-              <a:t>8/9/2018</a:t>
+              <a:t>8/21/2018</a:t>
             </a:fld>
             <a:endParaRPr lang="en-US"/>
           </a:p>
@@ -9709,7 +9498,7 @@
           <a:p>
             <a:fld id="{C8AC65AB-5746-43EA-A59E-648FB11CA309}" type="datetimeFigureOut">
               <a:rPr lang="en-US" smtClean="0"/>
-              <a:t>8/9/2018</a:t>
+              <a:t>8/21/2018</a:t>
             </a:fld>
             <a:endParaRPr lang="en-US"/>
           </a:p>
@@ -9954,7 +9743,7 @@
           <a:p>
             <a:fld id="{C8AC65AB-5746-43EA-A59E-648FB11CA309}" type="datetimeFigureOut">
               <a:rPr lang="en-US" smtClean="0"/>
-              <a:t>8/9/2018</a:t>
+              <a:t>8/21/2018</a:t>
             </a:fld>
             <a:endParaRPr lang="en-US"/>
           </a:p>
@@ -10191,7 +9980,7 @@
           <a:p>
             <a:fld id="{C8AC65AB-5746-43EA-A59E-648FB11CA309}" type="datetimeFigureOut">
               <a:rPr lang="en-US" smtClean="0"/>
-              <a:t>8/9/2018</a:t>
+              <a:t>8/21/2018</a:t>
             </a:fld>
             <a:endParaRPr lang="en-US"/>
           </a:p>
@@ -10567,7 +10356,7 @@
           <a:p>
             <a:fld id="{C8AC65AB-5746-43EA-A59E-648FB11CA309}" type="datetimeFigureOut">
               <a:rPr lang="en-US" smtClean="0"/>
-              <a:t>8/9/2018</a:t>
+              <a:t>8/21/2018</a:t>
             </a:fld>
             <a:endParaRPr lang="en-US"/>
           </a:p>
@@ -10690,7 +10479,7 @@
           <a:p>
             <a:fld id="{C8AC65AB-5746-43EA-A59E-648FB11CA309}" type="datetimeFigureOut">
               <a:rPr lang="en-US" smtClean="0"/>
-              <a:t>8/9/2018</a:t>
+              <a:t>8/21/2018</a:t>
             </a:fld>
             <a:endParaRPr lang="en-US"/>
           </a:p>
@@ -10785,7 +10574,7 @@
           <a:p>
             <a:fld id="{C8AC65AB-5746-43EA-A59E-648FB11CA309}" type="datetimeFigureOut">
               <a:rPr lang="en-US" smtClean="0"/>
-              <a:t>8/9/2018</a:t>
+              <a:t>8/21/2018</a:t>
             </a:fld>
             <a:endParaRPr lang="en-US"/>
           </a:p>
@@ -11062,7 +10851,7 @@
           <a:p>
             <a:fld id="{C8AC65AB-5746-43EA-A59E-648FB11CA309}" type="datetimeFigureOut">
               <a:rPr lang="en-US" smtClean="0"/>
-              <a:t>8/9/2018</a:t>
+              <a:t>8/21/2018</a:t>
             </a:fld>
             <a:endParaRPr lang="en-US"/>
           </a:p>
@@ -11232,7 +11021,7 @@
           <a:p>
             <a:fld id="{C8AC65AB-5746-43EA-A59E-648FB11CA309}" type="datetimeFigureOut">
               <a:rPr lang="en-US" smtClean="0"/>
-              <a:t>8/9/2018</a:t>
+              <a:t>8/21/2018</a:t>
             </a:fld>
             <a:endParaRPr lang="en-US"/>
           </a:p>
@@ -11489,7 +11278,7 @@
           <a:p>
             <a:fld id="{C8AC65AB-5746-43EA-A59E-648FB11CA309}" type="datetimeFigureOut">
               <a:rPr lang="en-US" smtClean="0"/>
-              <a:t>8/9/2018</a:t>
+              <a:t>8/21/2018</a:t>
             </a:fld>
             <a:endParaRPr lang="en-US"/>
           </a:p>
@@ -11659,7 +11448,7 @@
           <a:p>
             <a:fld id="{C8AC65AB-5746-43EA-A59E-648FB11CA309}" type="datetimeFigureOut">
               <a:rPr lang="en-US" smtClean="0"/>
-              <a:t>8/9/2018</a:t>
+              <a:t>8/21/2018</a:t>
             </a:fld>
             <a:endParaRPr lang="en-US"/>
           </a:p>
@@ -11839,7 +11628,7 @@
           <a:p>
             <a:fld id="{C8AC65AB-5746-43EA-A59E-648FB11CA309}" type="datetimeFigureOut">
               <a:rPr lang="en-US" smtClean="0"/>
-              <a:t>8/9/2018</a:t>
+              <a:t>8/21/2018</a:t>
             </a:fld>
             <a:endParaRPr lang="en-US"/>
           </a:p>
@@ -12085,7 +11874,7 @@
           <a:p>
             <a:fld id="{C8AC65AB-5746-43EA-A59E-648FB11CA309}" type="datetimeFigureOut">
               <a:rPr lang="en-US" smtClean="0"/>
-              <a:t>8/9/2018</a:t>
+              <a:t>8/21/2018</a:t>
             </a:fld>
             <a:endParaRPr lang="en-US"/>
           </a:p>
@@ -12317,7 +12106,7 @@
           <a:p>
             <a:fld id="{C8AC65AB-5746-43EA-A59E-648FB11CA309}" type="datetimeFigureOut">
               <a:rPr lang="en-US" smtClean="0"/>
-              <a:t>8/9/2018</a:t>
+              <a:t>8/21/2018</a:t>
             </a:fld>
             <a:endParaRPr lang="en-US"/>
           </a:p>
@@ -12684,7 +12473,7 @@
           <a:p>
             <a:fld id="{C8AC65AB-5746-43EA-A59E-648FB11CA309}" type="datetimeFigureOut">
               <a:rPr lang="en-US" smtClean="0"/>
-              <a:t>8/9/2018</a:t>
+              <a:t>8/21/2018</a:t>
             </a:fld>
             <a:endParaRPr lang="en-US"/>
           </a:p>
@@ -12802,7 +12591,7 @@
           <a:p>
             <a:fld id="{C8AC65AB-5746-43EA-A59E-648FB11CA309}" type="datetimeFigureOut">
               <a:rPr lang="en-US" smtClean="0"/>
-              <a:t>8/9/2018</a:t>
+              <a:t>8/21/2018</a:t>
             </a:fld>
             <a:endParaRPr lang="en-US"/>
           </a:p>
@@ -12897,7 +12686,7 @@
           <a:p>
             <a:fld id="{C8AC65AB-5746-43EA-A59E-648FB11CA309}" type="datetimeFigureOut">
               <a:rPr lang="en-US" smtClean="0"/>
-              <a:t>8/9/2018</a:t>
+              <a:t>8/21/2018</a:t>
             </a:fld>
             <a:endParaRPr lang="en-US"/>
           </a:p>
@@ -13174,7 +12963,7 @@
           <a:p>
             <a:fld id="{C8AC65AB-5746-43EA-A59E-648FB11CA309}" type="datetimeFigureOut">
               <a:rPr lang="en-US" smtClean="0"/>
-              <a:t>8/9/2018</a:t>
+              <a:t>8/21/2018</a:t>
             </a:fld>
             <a:endParaRPr lang="en-US"/>
           </a:p>
@@ -13431,7 +13220,7 @@
           <a:p>
             <a:fld id="{C8AC65AB-5746-43EA-A59E-648FB11CA309}" type="datetimeFigureOut">
               <a:rPr lang="en-US" smtClean="0"/>
-              <a:t>8/9/2018</a:t>
+              <a:t>8/21/2018</a:t>
             </a:fld>
             <a:endParaRPr lang="en-US"/>
           </a:p>
@@ -13644,7 +13433,7 @@
           <a:p>
             <a:fld id="{C8AC65AB-5746-43EA-A59E-648FB11CA309}" type="datetimeFigureOut">
               <a:rPr lang="en-US" smtClean="0"/>
-              <a:t>8/9/2018</a:t>
+              <a:t>8/21/2018</a:t>
             </a:fld>
             <a:endParaRPr lang="en-US"/>
           </a:p>
@@ -14184,7 +13973,7 @@
           <a:p>
             <a:fld id="{C8AC65AB-5746-43EA-A59E-648FB11CA309}" type="datetimeFigureOut">
               <a:rPr lang="en-US" smtClean="0"/>
-              <a:t>8/9/2018</a:t>
+              <a:t>8/21/2018</a:t>
             </a:fld>
             <a:endParaRPr lang="en-US"/>
           </a:p>
@@ -14605,7 +14394,7 @@
                 <a16:creationId xmlns:a16="http://schemas.microsoft.com/office/drawing/2014/main" id="{3EDD119B-6BFA-4C3F-90CE-97DAFD604ECC}"/>
               </a:ext>
               <a:ext uri="{C183D7F6-B498-43B3-948B-1728B52AA6E4}">
-                <adec:decorative xmlns:adec="http://schemas.microsoft.com/office/drawing/2017/decorative" val="1"/>
+                <adec:decorative xmlns:adec="http://schemas.microsoft.com/office/drawing/2017/decorative" xmlns="" val="1"/>
               </a:ext>
             </a:extLst>
           </p:cNvPr>
@@ -14671,7 +14460,7 @@
                 <a16:creationId xmlns:a16="http://schemas.microsoft.com/office/drawing/2014/main" id="{DC1572D0-F0FD-4D84-8F82-DC59140EB9BB}"/>
               </a:ext>
               <a:ext uri="{C183D7F6-B498-43B3-948B-1728B52AA6E4}">
-                <adec:decorative xmlns:adec="http://schemas.microsoft.com/office/drawing/2017/decorative" val="1"/>
+                <adec:decorative xmlns:adec="http://schemas.microsoft.com/office/drawing/2017/decorative" xmlns="" val="1"/>
               </a:ext>
             </a:extLst>
           </p:cNvPr>
@@ -14745,7 +14534,7 @@
           <a:p>
             <a:pPr algn="l"/>
             <a:r>
-              <a:rPr lang="en-US" sz="4800">
+              <a:rPr lang="en-US" sz="4800" dirty="0">
                 <a:solidFill>
                   <a:schemeClr val="bg1"/>
                 </a:solidFill>
@@ -14782,39 +14571,6 @@
             <a:normAutofit/>
           </a:bodyPr>
           <a:lstStyle/>
-          <a:p>
-            <a:pPr algn="r"/>
-            <a:r>
-              <a:rPr lang="en-US" sz="2000" dirty="0">
-                <a:solidFill>
-                  <a:srgbClr val="FFC000"/>
-                </a:solidFill>
-              </a:rPr>
-              <a:t>TODO-Instructor-Name</a:t>
-            </a:r>
-          </a:p>
-          <a:p>
-            <a:pPr algn="r"/>
-            <a:r>
-              <a:rPr lang="en-US" sz="2000" dirty="0">
-                <a:solidFill>
-                  <a:srgbClr val="FFC000"/>
-                </a:solidFill>
-              </a:rPr>
-              <a:t>TODO-Meeting-Pattern</a:t>
-            </a:r>
-          </a:p>
-          <a:p>
-            <a:pPr algn="r"/>
-            <a:r>
-              <a:rPr lang="en-US" sz="2000" dirty="0">
-                <a:solidFill>
-                  <a:srgbClr val="FFC000"/>
-                </a:solidFill>
-              </a:rPr>
-              <a:t>TODO-Room-Location</a:t>
-            </a:r>
-          </a:p>
           <a:p>
             <a:pPr algn="r"/>
             <a:endParaRPr lang="en-US" sz="2000" dirty="0">
@@ -14857,18 +14613,12 @@
       </p:grpSpPr>
       <p:sp>
         <p:nvSpPr>
-          <p:cNvPr id="5" name="Title 4">
-            <a:extLst>
-              <a:ext uri="{FF2B5EF4-FFF2-40B4-BE49-F238E27FC236}">
-                <a16:creationId xmlns:a16="http://schemas.microsoft.com/office/drawing/2014/main" id="{D3486E93-9102-428E-A402-63CF076172B9}"/>
-              </a:ext>
-            </a:extLst>
-          </p:cNvPr>
+          <p:cNvPr id="2" name="Title 1"/>
           <p:cNvSpPr>
             <a:spLocks noGrp="1"/>
           </p:cNvSpPr>
           <p:nvPr>
-            <p:ph type="title"/>
+            <p:ph type="ctrTitle"/>
           </p:nvPr>
         </p:nvSpPr>
         <p:spPr/>
@@ -14877,8 +14627,8 @@
           <a:lstStyle/>
           <a:p>
             <a:r>
-              <a:rPr lang="en-US" sz="4800" dirty="0"/>
-              <a:t>Exams</a:t>
+              <a:rPr lang="en-US" dirty="0" smtClean="0"/>
+              <a:t>Let’s Go Over The Syllabus!</a:t>
             </a:r>
             <a:endParaRPr lang="en-US" dirty="0"/>
           </a:p>
@@ -14886,56 +14636,37 @@
       </p:sp>
       <p:sp>
         <p:nvSpPr>
-          <p:cNvPr id="6" name="Content Placeholder 5">
-            <a:extLst>
-              <a:ext uri="{FF2B5EF4-FFF2-40B4-BE49-F238E27FC236}">
-                <a16:creationId xmlns:a16="http://schemas.microsoft.com/office/drawing/2014/main" id="{A773CFA9-6420-40F7-BDFF-05FF38194B63}"/>
-              </a:ext>
-            </a:extLst>
-          </p:cNvPr>
+          <p:cNvPr id="4" name="Subtitle 3"/>
           <p:cNvSpPr>
             <a:spLocks noGrp="1"/>
           </p:cNvSpPr>
           <p:nvPr>
-            <p:ph idx="1"/>
+            <p:ph type="subTitle" idx="1"/>
           </p:nvPr>
         </p:nvSpPr>
         <p:spPr/>
         <p:txBody>
-          <a:bodyPr>
-            <a:normAutofit/>
-          </a:bodyPr>
+          <a:bodyPr/>
           <a:lstStyle/>
           <a:p>
             <a:r>
-              <a:rPr lang="en-US" sz="3200" dirty="0"/>
-              <a:t>4 Exams, your best 3 grades will count towards your final score in the course.</a:t>
-            </a:r>
-          </a:p>
-          <a:p>
-            <a:r>
-              <a:rPr lang="en-US" sz="3200" dirty="0"/>
-              <a:t>Exams will cover the class material, homework / labs, and assigned readings.</a:t>
-            </a:r>
-          </a:p>
-          <a:p>
-            <a:r>
-              <a:rPr lang="en-US" sz="3200" dirty="0"/>
-              <a:t>A study guide will be posted 1 week before the exam.</a:t>
-            </a:r>
-          </a:p>
-          <a:p>
-            <a:r>
-              <a:rPr lang="en-US" sz="3200" dirty="0"/>
-              <a:t>Exam format consists of multiple choice and short answer.</a:t>
-            </a:r>
+              <a:rPr lang="en-US" dirty="0" smtClean="0"/>
+              <a:t>Methods of Evaluation</a:t>
+            </a:r>
+          </a:p>
+          <a:p>
+            <a:r>
+              <a:rPr lang="en-US" dirty="0" smtClean="0"/>
+              <a:t>How you will be graded.</a:t>
+            </a:r>
+            <a:endParaRPr lang="en-US" dirty="0"/>
           </a:p>
         </p:txBody>
       </p:sp>
     </p:spTree>
     <p:extLst>
       <p:ext uri="{BB962C8B-B14F-4D97-AF65-F5344CB8AC3E}">
-        <p14:creationId xmlns:p14="http://schemas.microsoft.com/office/powerpoint/2010/main" val="3502977155"/>
+        <p14:creationId xmlns:p14="http://schemas.microsoft.com/office/powerpoint/2010/main" val="1320183430"/>
       </p:ext>
     </p:extLst>
   </p:cSld>
@@ -14946,135 +14677,6 @@
 </file>
 
 <file path=ppt/slides/slide11.xml><?xml version="1.0" encoding="utf-8"?>
-<p:sld xmlns:a="http://schemas.openxmlformats.org/drawingml/2006/main" xmlns:r="http://schemas.openxmlformats.org/officeDocument/2006/relationships" xmlns:p="http://schemas.openxmlformats.org/presentationml/2006/main">
-  <p:cSld>
-    <p:spTree>
-      <p:nvGrpSpPr>
-        <p:cNvPr id="1" name=""/>
-        <p:cNvGrpSpPr/>
-        <p:nvPr/>
-      </p:nvGrpSpPr>
-      <p:grpSpPr>
-        <a:xfrm>
-          <a:off x="0" y="0"/>
-          <a:ext cx="0" cy="0"/>
-          <a:chOff x="0" y="0"/>
-          <a:chExt cx="0" cy="0"/>
-        </a:xfrm>
-      </p:grpSpPr>
-      <p:sp>
-        <p:nvSpPr>
-          <p:cNvPr id="5" name="Title 4">
-            <a:extLst>
-              <a:ext uri="{FF2B5EF4-FFF2-40B4-BE49-F238E27FC236}">
-                <a16:creationId xmlns:a16="http://schemas.microsoft.com/office/drawing/2014/main" id="{D3486E93-9102-428E-A402-63CF076172B9}"/>
-              </a:ext>
-            </a:extLst>
-          </p:cNvPr>
-          <p:cNvSpPr>
-            <a:spLocks noGrp="1"/>
-          </p:cNvSpPr>
-          <p:nvPr>
-            <p:ph type="title"/>
-          </p:nvPr>
-        </p:nvSpPr>
-        <p:spPr>
-          <a:xfrm>
-            <a:off x="838200" y="376142"/>
-            <a:ext cx="10515600" cy="1325563"/>
-          </a:xfrm>
-        </p:spPr>
-        <p:txBody>
-          <a:bodyPr/>
-          <a:lstStyle/>
-          <a:p>
-            <a:r>
-              <a:rPr lang="en-US" dirty="0"/>
-              <a:t>Group IT Research Presentation</a:t>
-            </a:r>
-          </a:p>
-        </p:txBody>
-      </p:sp>
-      <p:sp>
-        <p:nvSpPr>
-          <p:cNvPr id="6" name="Content Placeholder 5">
-            <a:extLst>
-              <a:ext uri="{FF2B5EF4-FFF2-40B4-BE49-F238E27FC236}">
-                <a16:creationId xmlns:a16="http://schemas.microsoft.com/office/drawing/2014/main" id="{A773CFA9-6420-40F7-BDFF-05FF38194B63}"/>
-              </a:ext>
-            </a:extLst>
-          </p:cNvPr>
-          <p:cNvSpPr>
-            <a:spLocks noGrp="1"/>
-          </p:cNvSpPr>
-          <p:nvPr>
-            <p:ph idx="1"/>
-          </p:nvPr>
-        </p:nvSpPr>
-        <p:spPr>
-          <a:xfrm>
-            <a:off x="838200" y="1836642"/>
-            <a:ext cx="10515600" cy="4351338"/>
-          </a:xfrm>
-        </p:spPr>
-        <p:txBody>
-          <a:bodyPr>
-            <a:normAutofit fontScale="92500" lnSpcReduction="10000"/>
-          </a:bodyPr>
-          <a:lstStyle/>
-          <a:p>
-            <a:r>
-              <a:rPr lang="en-US" sz="3200" dirty="0"/>
-              <a:t>You will be divided into groups of 3-4 students. </a:t>
-            </a:r>
-          </a:p>
-          <a:p>
-            <a:r>
-              <a:rPr lang="en-US" sz="3200" dirty="0"/>
-              <a:t>Groups will be tasked with researching an IT product or service, then giving a presentation on it.</a:t>
-            </a:r>
-          </a:p>
-          <a:p>
-            <a:r>
-              <a:rPr lang="en-US" sz="3200" dirty="0"/>
-              <a:t>The instructor may give you a scenario under which to select the product/service.</a:t>
-            </a:r>
-          </a:p>
-          <a:p>
-            <a:r>
-              <a:rPr lang="en-US" sz="3200" dirty="0"/>
-              <a:t>Things to consider:</a:t>
-            </a:r>
-          </a:p>
-          <a:p>
-            <a:pPr lvl="1"/>
-            <a:r>
-              <a:rPr lang="en-US" sz="2800" dirty="0"/>
-              <a:t>What is it? What does it do? Why is it valuable to an organization? What does it cost? How is it licensed? How is it implemented? What is required to use it? </a:t>
-            </a:r>
-          </a:p>
-          <a:p>
-            <a:r>
-              <a:rPr lang="en-US" sz="3200" dirty="0"/>
-              <a:t>No two groups can evaluate the same product or service.</a:t>
-            </a:r>
-          </a:p>
-        </p:txBody>
-      </p:sp>
-    </p:spTree>
-    <p:extLst>
-      <p:ext uri="{BB962C8B-B14F-4D97-AF65-F5344CB8AC3E}">
-        <p14:creationId xmlns:p14="http://schemas.microsoft.com/office/powerpoint/2010/main" val="1064991220"/>
-      </p:ext>
-    </p:extLst>
-  </p:cSld>
-  <p:clrMapOvr>
-    <a:masterClrMapping/>
-  </p:clrMapOvr>
-</p:sld>
-</file>
-
-<file path=ppt/slides/slide12.xml><?xml version="1.0" encoding="utf-8"?>
 <p:sld xmlns:a="http://schemas.openxmlformats.org/drawingml/2006/main" xmlns:r="http://schemas.openxmlformats.org/officeDocument/2006/relationships" xmlns:p="http://schemas.openxmlformats.org/presentationml/2006/main">
   <p:cSld>
     <p:bg>
@@ -15107,7 +14709,7 @@
                 <a16:creationId xmlns:a16="http://schemas.microsoft.com/office/drawing/2014/main" id="{08E89D5E-1885-4160-AC77-CC471DD1D0DB}"/>
               </a:ext>
               <a:ext uri="{C183D7F6-B498-43B3-948B-1728B52AA6E4}">
-                <adec:decorative xmlns:adec="http://schemas.microsoft.com/office/drawing/2017/decorative" val="1"/>
+                <adec:decorative xmlns:adec="http://schemas.microsoft.com/office/drawing/2017/decorative" xmlns="" val="1"/>
               </a:ext>
             </a:extLst>
           </p:cNvPr>
@@ -15167,7 +14769,7 @@
                 <a16:creationId xmlns:a16="http://schemas.microsoft.com/office/drawing/2014/main" id="{550D2BD1-98F9-412D-905B-3A843EF4078B}"/>
               </a:ext>
               <a:ext uri="{C183D7F6-B498-43B3-948B-1728B52AA6E4}">
-                <adec:decorative xmlns:adec="http://schemas.microsoft.com/office/drawing/2017/decorative" val="1"/>
+                <adec:decorative xmlns:adec="http://schemas.microsoft.com/office/drawing/2017/decorative" xmlns="" val="1"/>
               </a:ext>
             </a:extLst>
           </p:cNvPr>
@@ -15296,7 +14898,7 @@
 </p:sld>
 </file>
 
-<file path=ppt/slides/slide13.xml><?xml version="1.0" encoding="utf-8"?>
+<file path=ppt/slides/slide12.xml><?xml version="1.0" encoding="utf-8"?>
 <p:sld xmlns:a="http://schemas.openxmlformats.org/drawingml/2006/main" xmlns:r="http://schemas.openxmlformats.org/officeDocument/2006/relationships" xmlns:p="http://schemas.openxmlformats.org/presentationml/2006/main">
   <p:cSld>
     <p:bg>
@@ -15329,7 +14931,7 @@
                 <a16:creationId xmlns:a16="http://schemas.microsoft.com/office/drawing/2014/main" id="{3EDD119B-6BFA-4C3F-90CE-97DAFD604ECC}"/>
               </a:ext>
               <a:ext uri="{C183D7F6-B498-43B3-948B-1728B52AA6E4}">
-                <adec:decorative xmlns:adec="http://schemas.microsoft.com/office/drawing/2017/decorative" val="1"/>
+                <adec:decorative xmlns:adec="http://schemas.microsoft.com/office/drawing/2017/decorative" xmlns="" val="1"/>
               </a:ext>
             </a:extLst>
           </p:cNvPr>
@@ -15395,7 +14997,7 @@
                 <a16:creationId xmlns:a16="http://schemas.microsoft.com/office/drawing/2014/main" id="{DC1572D0-F0FD-4D84-8F82-DC59140EB9BB}"/>
               </a:ext>
               <a:ext uri="{C183D7F6-B498-43B3-948B-1728B52AA6E4}">
-                <adec:decorative xmlns:adec="http://schemas.microsoft.com/office/drawing/2017/decorative" val="1"/>
+                <adec:decorative xmlns:adec="http://schemas.microsoft.com/office/drawing/2017/decorative" xmlns="" val="1"/>
               </a:ext>
             </a:extLst>
           </p:cNvPr>
@@ -15534,7 +15136,7 @@
 </p:sld>
 </file>
 
-<file path=ppt/slides/slide14.xml><?xml version="1.0" encoding="utf-8"?>
+<file path=ppt/slides/slide13.xml><?xml version="1.0" encoding="utf-8"?>
 <p:sld xmlns:a="http://schemas.openxmlformats.org/drawingml/2006/main" xmlns:r="http://schemas.openxmlformats.org/officeDocument/2006/relationships" xmlns:p="http://schemas.openxmlformats.org/presentationml/2006/main">
   <p:cSld>
     <p:bg>
@@ -15602,89 +15204,80 @@
         </p:spPr>
         <p:txBody>
           <a:bodyPr>
-            <a:normAutofit fontScale="92500" lnSpcReduction="10000"/>
+            <a:normAutofit/>
           </a:bodyPr>
           <a:lstStyle/>
           <a:p>
             <a:r>
-              <a:rPr lang="en-US" sz="2400"/>
-              <a:t>#1 Keep and eye on those due dates!</a:t>
-            </a:r>
-          </a:p>
-          <a:p>
-            <a:r>
-              <a:rPr lang="en-US" sz="2400"/>
-              <a:t>#2 Come to class prepared.</a:t>
+              <a:rPr lang="en-US" sz="2400" dirty="0" smtClean="0"/>
+              <a:t>#1 </a:t>
+            </a:r>
+            <a:r>
+              <a:rPr lang="en-US" sz="2400" dirty="0"/>
+              <a:t>Come to class prepared.</a:t>
             </a:r>
           </a:p>
           <a:p>
             <a:pPr lvl="1"/>
             <a:r>
-              <a:rPr lang="en-US"/>
+              <a:rPr lang="en-US" dirty="0"/>
               <a:t>Read and review the required materials </a:t>
             </a:r>
             <a:br>
-              <a:rPr lang="en-US"/>
+              <a:rPr lang="en-US" dirty="0"/>
             </a:br>
             <a:r>
-              <a:rPr lang="en-US"/>
+              <a:rPr lang="en-US" dirty="0"/>
               <a:t>before class</a:t>
             </a:r>
           </a:p>
           <a:p>
             <a:pPr lvl="1"/>
             <a:r>
-              <a:rPr lang="en-US"/>
+              <a:rPr lang="en-US" dirty="0"/>
               <a:t>Make the most of your face time with me</a:t>
             </a:r>
           </a:p>
           <a:p>
+            <a:r>
+              <a:rPr lang="en-US" sz="2400" dirty="0" smtClean="0"/>
+              <a:t>#2 </a:t>
+            </a:r>
+            <a:r>
+              <a:rPr lang="en-US" sz="2400" dirty="0"/>
+              <a:t>Take an interest in the course material</a:t>
+            </a:r>
+          </a:p>
+          <a:p>
             <a:pPr lvl="1"/>
             <a:r>
-              <a:rPr lang="en-US"/>
-              <a:t>The course build upon itself so if you fall</a:t>
-            </a:r>
-            <a:br>
-              <a:rPr lang="en-US"/>
-            </a:br>
-            <a:r>
-              <a:rPr lang="en-US"/>
-              <a:t>behind you will get lost quickly</a:t>
-            </a:r>
-          </a:p>
-          <a:p>
-            <a:r>
-              <a:rPr lang="en-US" sz="2400"/>
-              <a:t>#3 Take an interest in the course material</a:t>
+              <a:rPr lang="en-US" dirty="0"/>
+              <a:t>Be passionate; have fun. </a:t>
             </a:r>
           </a:p>
           <a:p>
             <a:pPr lvl="1"/>
             <a:r>
-              <a:rPr lang="en-US"/>
-              <a:t>Be passionate; have fun. </a:t>
+              <a:rPr lang="en-US" dirty="0"/>
+              <a:t>How does it apply to your career? everyday life?</a:t>
             </a:r>
           </a:p>
           <a:p>
             <a:pPr lvl="1"/>
             <a:r>
-              <a:rPr lang="en-US"/>
-              <a:t>How does it apply to your career? everyday life?</a:t>
-            </a:r>
-          </a:p>
-          <a:p>
-            <a:pPr lvl="1"/>
-            <a:r>
-              <a:rPr lang="en-US"/>
+              <a:rPr lang="en-US" dirty="0"/>
               <a:t>How can you put the knowledge you learn in class to practice outside of class?</a:t>
             </a:r>
           </a:p>
           <a:p>
             <a:r>
-              <a:rPr lang="en-US" sz="2400"/>
-              <a:t>#4 Ask for help instead of falling behind!</a:t>
-            </a:r>
-            <a:endParaRPr lang="en-US" sz="2400" dirty="0"/>
+              <a:rPr lang="en-US" sz="2400" dirty="0" smtClean="0"/>
+              <a:t>#3 </a:t>
+            </a:r>
+            <a:r>
+              <a:rPr lang="en-US" sz="2400" dirty="0"/>
+              <a:t>Ask for help instead of falling behind!</a:t>
+            </a:r>
           </a:p>
         </p:txBody>
       </p:sp>
@@ -15730,7 +15323,7 @@
 </p:sld>
 </file>
 
-<file path=ppt/slides/slide15.xml><?xml version="1.0" encoding="utf-8"?>
+<file path=ppt/slides/slide14.xml><?xml version="1.0" encoding="utf-8"?>
 <p:sld xmlns:a="http://schemas.openxmlformats.org/drawingml/2006/main" xmlns:r="http://schemas.openxmlformats.org/officeDocument/2006/relationships" xmlns:p="http://schemas.openxmlformats.org/presentationml/2006/main">
   <p:cSld>
     <p:bg>
@@ -15776,7 +15369,7 @@
                 <a14:useLocalDpi xmlns:a14="http://schemas.microsoft.com/office/drawing/2010/main" val="0"/>
               </a:ext>
               <a:ext uri="{96DAC541-7B7A-43D3-8B79-37D633B846F1}">
-                <asvg:svgBlip xmlns:asvg="http://schemas.microsoft.com/office/drawing/2016/SVG/main" r:embed="rId4"/>
+                <asvg:svgBlip xmlns:asvg="http://schemas.microsoft.com/office/drawing/2016/SVG/main" xmlns="" r:embed="rId4"/>
               </a:ext>
             </a:extLst>
           </a:blip>
@@ -15802,7 +15395,7 @@
                 <a16:creationId xmlns:a16="http://schemas.microsoft.com/office/drawing/2014/main" id="{1A882A9F-F4E9-4E23-8F0B-20B5DF42EAA9}"/>
               </a:ext>
               <a:ext uri="{C183D7F6-B498-43B3-948B-1728B52AA6E4}">
-                <adec:decorative xmlns:adec="http://schemas.microsoft.com/office/drawing/2017/decorative" val="1"/>
+                <adec:decorative xmlns:adec="http://schemas.microsoft.com/office/drawing/2017/decorative" xmlns="" val="1"/>
               </a:ext>
             </a:extLst>
           </p:cNvPr>
@@ -15896,7 +15489,7 @@
                 <a16:creationId xmlns:a16="http://schemas.microsoft.com/office/drawing/2014/main" id="{FBE9F90C-C163-435B-9A68-D15C92D1CF2B}"/>
               </a:ext>
               <a:ext uri="{C183D7F6-B498-43B3-948B-1728B52AA6E4}">
-                <adec:decorative xmlns:adec="http://schemas.microsoft.com/office/drawing/2017/decorative" val="1"/>
+                <adec:decorative xmlns:adec="http://schemas.microsoft.com/office/drawing/2017/decorative" xmlns="" val="1"/>
               </a:ext>
             </a:extLst>
           </p:cNvPr>
@@ -15990,7 +15583,7 @@
                 <a16:creationId xmlns:a16="http://schemas.microsoft.com/office/drawing/2014/main" id="{CDA1A2E9-63FE-408D-A803-8E306ECAB4B3}"/>
               </a:ext>
               <a:ext uri="{C183D7F6-B498-43B3-948B-1728B52AA6E4}">
-                <adec:decorative xmlns:adec="http://schemas.microsoft.com/office/drawing/2017/decorative" val="1"/>
+                <adec:decorative xmlns:adec="http://schemas.microsoft.com/office/drawing/2017/decorative" xmlns="" val="1"/>
               </a:ext>
             </a:extLst>
           </p:cNvPr>
@@ -16251,143 +15844,7 @@
 </p:sld>
 </file>
 
-<file path=ppt/slides/slide16.xml><?xml version="1.0" encoding="utf-8"?>
-<p:sld xmlns:a="http://schemas.openxmlformats.org/drawingml/2006/main" xmlns:r="http://schemas.openxmlformats.org/officeDocument/2006/relationships" xmlns:p="http://schemas.openxmlformats.org/presentationml/2006/main" show="0">
-  <p:cSld>
-    <p:spTree>
-      <p:nvGrpSpPr>
-        <p:cNvPr id="1" name=""/>
-        <p:cNvGrpSpPr/>
-        <p:nvPr/>
-      </p:nvGrpSpPr>
-      <p:grpSpPr>
-        <a:xfrm>
-          <a:off x="0" y="0"/>
-          <a:ext cx="0" cy="0"/>
-          <a:chOff x="0" y="0"/>
-          <a:chExt cx="0" cy="0"/>
-        </a:xfrm>
-      </p:grpSpPr>
-      <p:sp>
-        <p:nvSpPr>
-          <p:cNvPr id="2" name="Title 1">
-            <a:extLst>
-              <a:ext uri="{FF2B5EF4-FFF2-40B4-BE49-F238E27FC236}">
-                <a16:creationId xmlns:a16="http://schemas.microsoft.com/office/drawing/2014/main" id="{CECEC0A2-0FBC-4FD8-99C8-5BE017C081E6}"/>
-              </a:ext>
-            </a:extLst>
-          </p:cNvPr>
-          <p:cNvSpPr>
-            <a:spLocks noGrp="1"/>
-          </p:cNvSpPr>
-          <p:nvPr>
-            <p:ph type="title"/>
-          </p:nvPr>
-        </p:nvSpPr>
-        <p:spPr/>
-        <p:txBody>
-          <a:bodyPr>
-            <a:normAutofit/>
-          </a:bodyPr>
-          <a:lstStyle/>
-          <a:p>
-            <a:r>
-              <a:rPr lang="en-US" sz="4800" dirty="0"/>
-              <a:t>Your To-Do List For Next Class</a:t>
-            </a:r>
-          </a:p>
-        </p:txBody>
-      </p:sp>
-      <p:sp>
-        <p:nvSpPr>
-          <p:cNvPr id="3" name="Content Placeholder 2">
-            <a:extLst>
-              <a:ext uri="{FF2B5EF4-FFF2-40B4-BE49-F238E27FC236}">
-                <a16:creationId xmlns:a16="http://schemas.microsoft.com/office/drawing/2014/main" id="{A0CE4E65-3524-408A-B9CE-20BAEBFA1991}"/>
-              </a:ext>
-            </a:extLst>
-          </p:cNvPr>
-          <p:cNvSpPr>
-            <a:spLocks noGrp="1"/>
-          </p:cNvSpPr>
-          <p:nvPr>
-            <p:ph idx="1"/>
-          </p:nvPr>
-        </p:nvSpPr>
-        <p:spPr/>
-        <p:txBody>
-          <a:bodyPr>
-            <a:normAutofit/>
-          </a:bodyPr>
-          <a:lstStyle/>
-          <a:p>
-            <a:pPr marL="514350" indent="-514350">
-              <a:buFont typeface="+mj-lt"/>
-              <a:buAutoNum type="arabicPeriod"/>
-            </a:pPr>
-            <a:r>
-              <a:rPr lang="en-US" sz="3200" dirty="0"/>
-              <a:t>Review the Syllabus</a:t>
-            </a:r>
-          </a:p>
-          <a:p>
-            <a:pPr marL="514350" indent="-514350">
-              <a:buFont typeface="+mj-lt"/>
-              <a:buAutoNum type="arabicPeriod"/>
-            </a:pPr>
-            <a:r>
-              <a:rPr lang="en-US" dirty="0"/>
-              <a:t>Buy the textbook</a:t>
-            </a:r>
-          </a:p>
-          <a:p>
-            <a:pPr marL="514350" indent="-514350">
-              <a:buFont typeface="+mj-lt"/>
-              <a:buAutoNum type="arabicPeriod"/>
-            </a:pPr>
-            <a:r>
-              <a:rPr lang="en-US" dirty="0"/>
-              <a:t>Read the Preface from the textbook</a:t>
-            </a:r>
-          </a:p>
-          <a:p>
-            <a:pPr marL="514350" indent="-514350">
-              <a:buFont typeface="+mj-lt"/>
-              <a:buAutoNum type="arabicPeriod"/>
-            </a:pPr>
-            <a:endParaRPr lang="en-US" dirty="0"/>
-          </a:p>
-          <a:p>
-            <a:pPr marL="0" indent="0">
-              <a:buNone/>
-            </a:pPr>
-            <a:br>
-              <a:rPr lang="en-US" dirty="0"/>
-            </a:br>
-            <a:br>
-              <a:rPr lang="en-US" dirty="0"/>
-            </a:br>
-            <a:r>
-              <a:rPr lang="en-US" dirty="0"/>
-              <a:t>Be prepared to answer questions and engage in discussion. It counts for your participation grade.</a:t>
-            </a:r>
-          </a:p>
-        </p:txBody>
-      </p:sp>
-    </p:spTree>
-    <p:extLst>
-      <p:ext uri="{BB962C8B-B14F-4D97-AF65-F5344CB8AC3E}">
-        <p14:creationId xmlns:p14="http://schemas.microsoft.com/office/powerpoint/2010/main" val="1060460596"/>
-      </p:ext>
-    </p:extLst>
-  </p:cSld>
-  <p:clrMapOvr>
-    <a:masterClrMapping/>
-  </p:clrMapOvr>
-</p:sld>
-</file>
-
-<file path=ppt/slides/slide17.xml><?xml version="1.0" encoding="utf-8"?>
+<file path=ppt/slides/slide15.xml><?xml version="1.0" encoding="utf-8"?>
 <p:sld xmlns:a="http://schemas.openxmlformats.org/drawingml/2006/main" xmlns:r="http://schemas.openxmlformats.org/officeDocument/2006/relationships" xmlns:p="http://schemas.openxmlformats.org/presentationml/2006/main">
   <p:cSld>
     <p:bg>
@@ -16433,7 +15890,7 @@
                 <a14:useLocalDpi xmlns:a14="http://schemas.microsoft.com/office/drawing/2010/main" val="0"/>
               </a:ext>
               <a:ext uri="{96DAC541-7B7A-43D3-8B79-37D633B846F1}">
-                <asvg:svgBlip xmlns:asvg="http://schemas.microsoft.com/office/drawing/2016/SVG/main" r:embed="rId3"/>
+                <asvg:svgBlip xmlns:asvg="http://schemas.microsoft.com/office/drawing/2016/SVG/main" xmlns="" r:embed="rId3"/>
               </a:ext>
             </a:extLst>
           </a:blip>
@@ -16459,7 +15916,7 @@
                 <a16:creationId xmlns:a16="http://schemas.microsoft.com/office/drawing/2014/main" id="{1A882A9F-F4E9-4E23-8F0B-20B5DF42EAA9}"/>
               </a:ext>
               <a:ext uri="{C183D7F6-B498-43B3-948B-1728B52AA6E4}">
-                <adec:decorative xmlns:adec="http://schemas.microsoft.com/office/drawing/2017/decorative" val="1"/>
+                <adec:decorative xmlns:adec="http://schemas.microsoft.com/office/drawing/2017/decorative" xmlns="" val="1"/>
               </a:ext>
             </a:extLst>
           </p:cNvPr>
@@ -16553,7 +16010,7 @@
                 <a16:creationId xmlns:a16="http://schemas.microsoft.com/office/drawing/2014/main" id="{FBE9F90C-C163-435B-9A68-D15C92D1CF2B}"/>
               </a:ext>
               <a:ext uri="{C183D7F6-B498-43B3-948B-1728B52AA6E4}">
-                <adec:decorative xmlns:adec="http://schemas.microsoft.com/office/drawing/2017/decorative" val="1"/>
+                <adec:decorative xmlns:adec="http://schemas.microsoft.com/office/drawing/2017/decorative" xmlns="" val="1"/>
               </a:ext>
             </a:extLst>
           </p:cNvPr>
@@ -16647,7 +16104,7 @@
                 <a16:creationId xmlns:a16="http://schemas.microsoft.com/office/drawing/2014/main" id="{CDA1A2E9-63FE-408D-A803-8E306ECAB4B3}"/>
               </a:ext>
               <a:ext uri="{C183D7F6-B498-43B3-948B-1728B52AA6E4}">
-                <adec:decorative xmlns:adec="http://schemas.microsoft.com/office/drawing/2017/decorative" val="1"/>
+                <adec:decorative xmlns:adec="http://schemas.microsoft.com/office/drawing/2017/decorative" xmlns="" val="1"/>
               </a:ext>
             </a:extLst>
           </p:cNvPr>
@@ -16860,7 +16317,7 @@
                 <a16:creationId xmlns:a16="http://schemas.microsoft.com/office/drawing/2014/main" id="{08E89D5E-1885-4160-AC77-CC471DD1D0DB}"/>
               </a:ext>
               <a:ext uri="{C183D7F6-B498-43B3-948B-1728B52AA6E4}">
-                <adec:decorative xmlns:adec="http://schemas.microsoft.com/office/drawing/2017/decorative" val="1"/>
+                <adec:decorative xmlns:adec="http://schemas.microsoft.com/office/drawing/2017/decorative" xmlns="" val="1"/>
               </a:ext>
             </a:extLst>
           </p:cNvPr>
@@ -16920,7 +16377,7 @@
                 <a16:creationId xmlns:a16="http://schemas.microsoft.com/office/drawing/2014/main" id="{550D2BD1-98F9-412D-905B-3A843EF4078B}"/>
               </a:ext>
               <a:ext uri="{C183D7F6-B498-43B3-948B-1728B52AA6E4}">
-                <adec:decorative xmlns:adec="http://schemas.microsoft.com/office/drawing/2017/decorative" val="1"/>
+                <adec:decorative xmlns:adec="http://schemas.microsoft.com/office/drawing/2017/decorative" xmlns="" val="1"/>
               </a:ext>
             </a:extLst>
           </p:cNvPr>
@@ -17021,7 +16478,7 @@
             <p:ph idx="1"/>
             <p:extLst>
               <p:ext uri="{D42A27DB-BD31-4B8C-83A1-F6EECF244321}">
-                <p14:modId xmlns:p14="http://schemas.microsoft.com/office/powerpoint/2010/main" val="1361834544"/>
+                <p14:modId xmlns:p14="http://schemas.microsoft.com/office/powerpoint/2010/main" val="2240297727"/>
               </p:ext>
             </p:extLst>
           </p:nvPr>
@@ -17082,7 +16539,7 @@
                 <a16:creationId xmlns:a16="http://schemas.microsoft.com/office/drawing/2014/main" id="{08E89D5E-1885-4160-AC77-CC471DD1D0DB}"/>
               </a:ext>
               <a:ext uri="{C183D7F6-B498-43B3-948B-1728B52AA6E4}">
-                <adec:decorative xmlns:adec="http://schemas.microsoft.com/office/drawing/2017/decorative" val="1"/>
+                <adec:decorative xmlns:adec="http://schemas.microsoft.com/office/drawing/2017/decorative" xmlns="" val="1"/>
               </a:ext>
             </a:extLst>
           </p:cNvPr>
@@ -17142,7 +16599,7 @@
                 <a16:creationId xmlns:a16="http://schemas.microsoft.com/office/drawing/2014/main" id="{550D2BD1-98F9-412D-905B-3A843EF4078B}"/>
               </a:ext>
               <a:ext uri="{C183D7F6-B498-43B3-948B-1728B52AA6E4}">
-                <adec:decorative xmlns:adec="http://schemas.microsoft.com/office/drawing/2017/decorative" val="1"/>
+                <adec:decorative xmlns:adec="http://schemas.microsoft.com/office/drawing/2017/decorative" xmlns="" val="1"/>
               </a:ext>
             </a:extLst>
           </p:cNvPr>
@@ -17301,10 +16758,247 @@
           <p:cNvPr id="14" name="Rectangle 9">
             <a:extLst>
               <a:ext uri="{FF2B5EF4-FFF2-40B4-BE49-F238E27FC236}">
+                <a16:creationId xmlns:a16="http://schemas.microsoft.com/office/drawing/2014/main" id="{08E89D5E-1885-4160-AC77-CC471DD1D0DB}"/>
+              </a:ext>
+              <a:ext uri="{C183D7F6-B498-43B3-948B-1728B52AA6E4}">
+                <adec:decorative xmlns:adec="http://schemas.microsoft.com/office/drawing/2017/decorative" xmlns="" val="1"/>
+              </a:ext>
+            </a:extLst>
+          </p:cNvPr>
+          <p:cNvSpPr>
+            <a:spLocks noGrp="1" noRot="1" noChangeAspect="1" noMove="1" noResize="1" noEditPoints="1" noAdjustHandles="1" noChangeArrowheads="1" noChangeShapeType="1" noTextEdit="1"/>
+          </p:cNvSpPr>
+          <p:nvPr>
+            <p:extLst>
+              <p:ext uri="{386F3935-93C4-4BCD-93E2-E3B085C9AB24}">
+                <p16:designElem xmlns:p16="http://schemas.microsoft.com/office/powerpoint/2015/main" val="1"/>
+              </p:ext>
+            </p:extLst>
+          </p:nvPr>
+        </p:nvSpPr>
+        <p:spPr>
+          <a:xfrm>
+            <a:off x="0" y="0"/>
+            <a:ext cx="4636008" cy="6858000"/>
+          </a:xfrm>
+          <a:prstGeom prst="rect">
+            <a:avLst/>
+          </a:prstGeom>
+          <a:ln>
+            <a:noFill/>
+          </a:ln>
+        </p:spPr>
+        <p:style>
+          <a:lnRef idx="2">
+            <a:schemeClr val="accent1">
+              <a:shade val="50000"/>
+            </a:schemeClr>
+          </a:lnRef>
+          <a:fillRef idx="1">
+            <a:schemeClr val="accent1"/>
+          </a:fillRef>
+          <a:effectRef idx="0">
+            <a:schemeClr val="accent1"/>
+          </a:effectRef>
+          <a:fontRef idx="minor">
+            <a:schemeClr val="lt1"/>
+          </a:fontRef>
+        </p:style>
+        <p:txBody>
+          <a:bodyPr rtlCol="0" anchor="ctr"/>
+          <a:lstStyle/>
+          <a:p>
+            <a:pPr algn="ctr"/>
+            <a:endParaRPr lang="en-US"/>
+          </a:p>
+        </p:txBody>
+      </p:sp>
+      <p:cxnSp>
+        <p:nvCxnSpPr>
+          <p:cNvPr id="15" name="Straight Connector 11">
+            <a:extLst>
+              <a:ext uri="{FF2B5EF4-FFF2-40B4-BE49-F238E27FC236}">
+                <a16:creationId xmlns:a16="http://schemas.microsoft.com/office/drawing/2014/main" id="{550D2BD1-98F9-412D-905B-3A843EF4078B}"/>
+              </a:ext>
+              <a:ext uri="{C183D7F6-B498-43B3-948B-1728B52AA6E4}">
+                <adec:decorative xmlns:adec="http://schemas.microsoft.com/office/drawing/2017/decorative" xmlns="" val="1"/>
+              </a:ext>
+            </a:extLst>
+          </p:cNvPr>
+          <p:cNvCxnSpPr>
+            <a:cxnSpLocks noGrp="1" noRot="1" noChangeAspect="1" noMove="1" noResize="1" noEditPoints="1" noAdjustHandles="1" noChangeArrowheads="1" noChangeShapeType="1"/>
+          </p:cNvCxnSpPr>
+          <p:nvPr>
+            <p:extLst>
+              <p:ext uri="{386F3935-93C4-4BCD-93E2-E3B085C9AB24}">
+                <p16:designElem xmlns:p16="http://schemas.microsoft.com/office/powerpoint/2015/main" val="1"/>
+              </p:ext>
+            </p:extLst>
+          </p:nvPr>
+        </p:nvCxnSpPr>
+        <p:spPr>
+          <a:xfrm flipV="1">
+            <a:off x="762000" y="2971800"/>
+            <a:ext cx="0" cy="914400"/>
+          </a:xfrm>
+          <a:prstGeom prst="line">
+            <a:avLst/>
+          </a:prstGeom>
+          <a:ln w="19050">
+            <a:solidFill>
+              <a:srgbClr val="FFFFFF">
+                <a:alpha val="80000"/>
+              </a:srgbClr>
+            </a:solidFill>
+          </a:ln>
+        </p:spPr>
+        <p:style>
+          <a:lnRef idx="1">
+            <a:schemeClr val="accent1"/>
+          </a:lnRef>
+          <a:fillRef idx="0">
+            <a:schemeClr val="accent1"/>
+          </a:fillRef>
+          <a:effectRef idx="0">
+            <a:schemeClr val="accent1"/>
+          </a:effectRef>
+          <a:fontRef idx="minor">
+            <a:schemeClr val="tx1"/>
+          </a:fontRef>
+        </p:style>
+      </p:cxnSp>
+      <p:sp>
+        <p:nvSpPr>
+          <p:cNvPr id="2" name="Title 1">
+            <a:extLst>
+              <a:ext uri="{FF2B5EF4-FFF2-40B4-BE49-F238E27FC236}">
+                <a16:creationId xmlns:a16="http://schemas.microsoft.com/office/drawing/2014/main" id="{67940570-1A88-4539-9B21-7117D9FB8A3C}"/>
+              </a:ext>
+            </a:extLst>
+          </p:cNvPr>
+          <p:cNvSpPr>
+            <a:spLocks noGrp="1"/>
+          </p:cNvSpPr>
+          <p:nvPr>
+            <p:ph type="title"/>
+          </p:nvPr>
+        </p:nvSpPr>
+        <p:spPr>
+          <a:xfrm>
+            <a:off x="943277" y="712269"/>
+            <a:ext cx="3370998" cy="5502264"/>
+          </a:xfrm>
+        </p:spPr>
+        <p:txBody>
+          <a:bodyPr>
+            <a:normAutofit/>
+          </a:bodyPr>
+          <a:lstStyle/>
+          <a:p>
+            <a:r>
+              <a:rPr lang="en-US" dirty="0">
+                <a:solidFill>
+                  <a:srgbClr val="FFFFFF"/>
+                </a:solidFill>
+              </a:rPr>
+              <a:t>About </a:t>
+            </a:r>
+            <a:r>
+              <a:rPr lang="en-US" dirty="0" smtClean="0">
+                <a:solidFill>
+                  <a:srgbClr val="FFFFFF"/>
+                </a:solidFill>
+              </a:rPr>
+              <a:t>This Course</a:t>
+            </a:r>
+            <a:endParaRPr lang="en-US" dirty="0">
+              <a:solidFill>
+                <a:srgbClr val="FFFFFF"/>
+              </a:solidFill>
+            </a:endParaRPr>
+          </a:p>
+        </p:txBody>
+      </p:sp>
+      <p:sp>
+        <p:nvSpPr>
+          <p:cNvPr id="3" name="Content Placeholder 2"/>
+          <p:cNvSpPr>
+            <a:spLocks noGrp="1"/>
+          </p:cNvSpPr>
+          <p:nvPr>
+            <p:ph idx="1"/>
+          </p:nvPr>
+        </p:nvSpPr>
+        <p:spPr>
+          <a:xfrm>
+            <a:off x="5579285" y="2868327"/>
+            <a:ext cx="5774514" cy="3308635"/>
+          </a:xfrm>
+        </p:spPr>
+        <p:txBody>
+          <a:bodyPr>
+            <a:normAutofit/>
+          </a:bodyPr>
+          <a:lstStyle/>
+          <a:p>
+            <a:pPr marL="0" indent="0">
+              <a:buNone/>
+            </a:pPr>
+            <a:r>
+              <a:rPr lang="en-US" sz="9600" dirty="0" smtClean="0"/>
+              <a:t>IST346</a:t>
+            </a:r>
+            <a:endParaRPr lang="en-US" sz="9600" dirty="0"/>
+          </a:p>
+        </p:txBody>
+      </p:sp>
+    </p:spTree>
+    <p:extLst>
+      <p:ext uri="{BB962C8B-B14F-4D97-AF65-F5344CB8AC3E}">
+        <p14:creationId xmlns:p14="http://schemas.microsoft.com/office/powerpoint/2010/main" val="2610594186"/>
+      </p:ext>
+    </p:extLst>
+  </p:cSld>
+  <p:clrMapOvr>
+    <a:masterClrMapping/>
+  </p:clrMapOvr>
+</p:sld>
+</file>
+
+<file path=ppt/slides/slide5.xml><?xml version="1.0" encoding="utf-8"?>
+<p:sld xmlns:a="http://schemas.openxmlformats.org/drawingml/2006/main" xmlns:r="http://schemas.openxmlformats.org/officeDocument/2006/relationships" xmlns:p="http://schemas.openxmlformats.org/presentationml/2006/main">
+  <p:cSld>
+    <p:bg>
+      <p:bgPr>
+        <a:solidFill>
+          <a:schemeClr val="bg1"/>
+        </a:solidFill>
+        <a:effectLst/>
+      </p:bgPr>
+    </p:bg>
+    <p:spTree>
+      <p:nvGrpSpPr>
+        <p:cNvPr id="1" name=""/>
+        <p:cNvGrpSpPr/>
+        <p:nvPr/>
+      </p:nvGrpSpPr>
+      <p:grpSpPr>
+        <a:xfrm>
+          <a:off x="0" y="0"/>
+          <a:ext cx="0" cy="0"/>
+          <a:chOff x="0" y="0"/>
+          <a:chExt cx="0" cy="0"/>
+        </a:xfrm>
+      </p:grpSpPr>
+      <p:sp>
+        <p:nvSpPr>
+          <p:cNvPr id="14" name="Rectangle 9">
+            <a:extLst>
+              <a:ext uri="{FF2B5EF4-FFF2-40B4-BE49-F238E27FC236}">
                 <a16:creationId xmlns:a16="http://schemas.microsoft.com/office/drawing/2014/main" id="{59A309A7-1751-4ABE-A3C1-EEC40366AD89}"/>
               </a:ext>
               <a:ext uri="{C183D7F6-B498-43B3-948B-1728B52AA6E4}">
-                <adec:decorative xmlns:adec="http://schemas.microsoft.com/office/drawing/2017/decorative" val="1"/>
+                <adec:decorative xmlns:adec="http://schemas.microsoft.com/office/drawing/2017/decorative" xmlns="" val="1"/>
               </a:ext>
             </a:extLst>
           </p:cNvPr>
@@ -17367,7 +17061,7 @@
                 <a16:creationId xmlns:a16="http://schemas.microsoft.com/office/drawing/2014/main" id="{967D8EB6-EAE1-4F9C-B398-83321E287204}"/>
               </a:ext>
               <a:ext uri="{C183D7F6-B498-43B3-948B-1728B52AA6E4}">
-                <adec:decorative xmlns:adec="http://schemas.microsoft.com/office/drawing/2017/decorative" val="1"/>
+                <adec:decorative xmlns:adec="http://schemas.microsoft.com/office/drawing/2017/decorative" xmlns="" val="1"/>
               </a:ext>
             </a:extLst>
           </p:cNvPr>
@@ -17445,7 +17139,7 @@
                 <a14:useLocalDpi xmlns:a14="http://schemas.microsoft.com/office/drawing/2010/main" val="0"/>
               </a:ext>
               <a:ext uri="{96DAC541-7B7A-43D3-8B79-37D633B846F1}">
-                <asvg:svgBlip xmlns:asvg="http://schemas.microsoft.com/office/drawing/2016/SVG/main" r:embed="rId3"/>
+                <asvg:svgBlip xmlns:asvg="http://schemas.microsoft.com/office/drawing/2016/SVG/main" xmlns="" r:embed="rId3"/>
               </a:ext>
             </a:extLst>
           </a:blip>
@@ -17493,7 +17187,15 @@
           <a:p>
             <a:r>
               <a:rPr lang="en-US" dirty="0"/>
-              <a:t>What Will I Learn in This Course ?</a:t>
+              <a:t>What Will </a:t>
+            </a:r>
+            <a:r>
+              <a:rPr lang="en-US" dirty="0" smtClean="0"/>
+              <a:t>You </a:t>
+            </a:r>
+            <a:r>
+              <a:rPr lang="en-US" dirty="0"/>
+              <a:t>Learn in This Course ?</a:t>
             </a:r>
           </a:p>
         </p:txBody>
@@ -17568,7 +17270,144 @@
 </p:sld>
 </file>
 
-<file path=ppt/slides/slide5.xml><?xml version="1.0" encoding="utf-8"?>
+<file path=ppt/slides/slide6.xml><?xml version="1.0" encoding="utf-8"?>
+<p:sld xmlns:a="http://schemas.openxmlformats.org/drawingml/2006/main" xmlns:r="http://schemas.openxmlformats.org/officeDocument/2006/relationships" xmlns:p="http://schemas.openxmlformats.org/presentationml/2006/main">
+  <p:cSld>
+    <p:spTree>
+      <p:nvGrpSpPr>
+        <p:cNvPr id="1" name=""/>
+        <p:cNvGrpSpPr/>
+        <p:nvPr/>
+      </p:nvGrpSpPr>
+      <p:grpSpPr>
+        <a:xfrm>
+          <a:off x="0" y="0"/>
+          <a:ext cx="0" cy="0"/>
+          <a:chOff x="0" y="0"/>
+          <a:chExt cx="0" cy="0"/>
+        </a:xfrm>
+      </p:grpSpPr>
+      <p:sp>
+        <p:nvSpPr>
+          <p:cNvPr id="2" name="Title 1"/>
+          <p:cNvSpPr>
+            <a:spLocks noGrp="1"/>
+          </p:cNvSpPr>
+          <p:nvPr>
+            <p:ph type="title"/>
+          </p:nvPr>
+        </p:nvSpPr>
+        <p:spPr/>
+        <p:txBody>
+          <a:bodyPr/>
+          <a:lstStyle/>
+          <a:p>
+            <a:r>
+              <a:rPr lang="en-US" dirty="0" smtClean="0"/>
+              <a:t>It’s a Survey Course!</a:t>
+            </a:r>
+            <a:endParaRPr lang="en-US" dirty="0"/>
+          </a:p>
+        </p:txBody>
+      </p:sp>
+      <p:sp>
+        <p:nvSpPr>
+          <p:cNvPr id="3" name="Content Placeholder 2"/>
+          <p:cNvSpPr>
+            <a:spLocks noGrp="1"/>
+          </p:cNvSpPr>
+          <p:nvPr>
+            <p:ph sz="half" idx="1"/>
+          </p:nvPr>
+        </p:nvSpPr>
+        <p:spPr/>
+        <p:txBody>
+          <a:bodyPr/>
+          <a:lstStyle/>
+          <a:p>
+            <a:r>
+              <a:rPr lang="en-US" dirty="0" smtClean="0"/>
+              <a:t>We will introduce you to several IT related topics</a:t>
+            </a:r>
+          </a:p>
+          <a:p>
+            <a:r>
+              <a:rPr lang="en-US" dirty="0" smtClean="0"/>
+              <a:t>You will master none of them</a:t>
+            </a:r>
+          </a:p>
+          <a:p>
+            <a:r>
+              <a:rPr lang="en-US" dirty="0" smtClean="0"/>
+              <a:t>The purpose is to provide a broad understanding of the IT landscape.</a:t>
+            </a:r>
+          </a:p>
+          <a:p>
+            <a:r>
+              <a:rPr lang="en-US" dirty="0" smtClean="0"/>
+              <a:t>It has labs to help you understand how the IT is applied in practice.</a:t>
+            </a:r>
+            <a:endParaRPr lang="en-US" dirty="0"/>
+          </a:p>
+        </p:txBody>
+      </p:sp>
+      <p:pic>
+        <p:nvPicPr>
+          <p:cNvPr id="2050" name="Picture 2" descr="Image result for massive buffet"/>
+          <p:cNvPicPr>
+            <a:picLocks noGrp="1" noChangeAspect="1" noChangeArrowheads="1"/>
+          </p:cNvPicPr>
+          <p:nvPr>
+            <p:ph sz="half" idx="2"/>
+          </p:nvPr>
+        </p:nvPicPr>
+        <p:blipFill>
+          <a:blip r:embed="rId2">
+            <a:extLst>
+              <a:ext uri="{28A0092B-C50C-407E-A947-70E740481C1C}">
+                <a14:useLocalDpi xmlns:a14="http://schemas.microsoft.com/office/drawing/2010/main" val="0"/>
+              </a:ext>
+            </a:extLst>
+          </a:blip>
+          <a:srcRect/>
+          <a:stretch>
+            <a:fillRect/>
+          </a:stretch>
+        </p:blipFill>
+        <p:spPr bwMode="auto">
+          <a:xfrm>
+            <a:off x="6095999" y="1561022"/>
+            <a:ext cx="5886705" cy="4079382"/>
+          </a:xfrm>
+          <a:prstGeom prst="rect">
+            <a:avLst/>
+          </a:prstGeom>
+          <a:noFill/>
+          <a:extLst>
+            <a:ext uri="{909E8E84-426E-40DD-AFC4-6F175D3DCCD1}">
+              <a14:hiddenFill xmlns:a14="http://schemas.microsoft.com/office/drawing/2010/main">
+                <a:solidFill>
+                  <a:srgbClr val="FFFFFF"/>
+                </a:solidFill>
+              </a14:hiddenFill>
+            </a:ext>
+          </a:extLst>
+        </p:spPr>
+      </p:pic>
+    </p:spTree>
+    <p:extLst>
+      <p:ext uri="{BB962C8B-B14F-4D97-AF65-F5344CB8AC3E}">
+        <p14:creationId xmlns:p14="http://schemas.microsoft.com/office/powerpoint/2010/main" val="2332600583"/>
+      </p:ext>
+    </p:extLst>
+  </p:cSld>
+  <p:clrMapOvr>
+    <a:masterClrMapping/>
+  </p:clrMapOvr>
+</p:sld>
+</file>
+
+<file path=ppt/slides/slide7.xml><?xml version="1.0" encoding="utf-8"?>
 <p:sld xmlns:a="http://schemas.openxmlformats.org/drawingml/2006/main" xmlns:r="http://schemas.openxmlformats.org/officeDocument/2006/relationships" xmlns:p="http://schemas.openxmlformats.org/presentationml/2006/main">
   <p:cSld>
     <p:bg>
@@ -17601,7 +17440,7 @@
                 <a16:creationId xmlns:a16="http://schemas.microsoft.com/office/drawing/2014/main" id="{867D4867-5BA7-4462-B2F6-A23F4A622AA7}"/>
               </a:ext>
               <a:ext uri="{C183D7F6-B498-43B3-948B-1728B52AA6E4}">
-                <adec:decorative xmlns:adec="http://schemas.microsoft.com/office/drawing/2017/decorative" val="1"/>
+                <adec:decorative xmlns:adec="http://schemas.microsoft.com/office/drawing/2017/decorative" xmlns="" val="1"/>
               </a:ext>
             </a:extLst>
           </p:cNvPr>
@@ -17731,7 +17570,7 @@
           <a:p>
             <a:pPr algn="ctr"/>
             <a:r>
-              <a:rPr lang="en-US" sz="3600" kern="1200" dirty="0">
+              <a:rPr lang="en-US" sz="4000" kern="1200" dirty="0">
                 <a:solidFill>
                   <a:schemeClr val="bg1"/>
                 </a:solidFill>
@@ -17742,7 +17581,7 @@
               <a:t>Text book</a:t>
             </a:r>
             <a:br>
-              <a:rPr lang="en-US" sz="3600" kern="1200" dirty="0">
+              <a:rPr lang="en-US" sz="4000" kern="1200" dirty="0">
                 <a:solidFill>
                   <a:schemeClr val="bg1"/>
                 </a:solidFill>
@@ -17752,7 +17591,7 @@
               </a:rPr>
             </a:br>
             <a:r>
-              <a:rPr lang="en-US" sz="3600" kern="1200" dirty="0">
+              <a:rPr lang="en-US" sz="4000" kern="1200" dirty="0">
                 <a:solidFill>
                   <a:schemeClr val="bg1"/>
                 </a:solidFill>
@@ -17784,7 +17623,7 @@
         <p:spPr>
           <a:xfrm>
             <a:off x="643468" y="2638044"/>
-            <a:ext cx="3363974" cy="3864356"/>
+            <a:ext cx="3456894" cy="3864356"/>
           </a:xfrm>
         </p:spPr>
         <p:txBody>
@@ -17835,8 +17674,31 @@
                   <a:schemeClr val="bg1"/>
                 </a:solidFill>
               </a:rPr>
-              <a:t>Buy $50, Rent $15</a:t>
-            </a:r>
+              <a:t>Buy $50, Rent $</a:t>
+            </a:r>
+            <a:r>
+              <a:rPr lang="en-US" dirty="0" smtClean="0">
+                <a:solidFill>
+                  <a:schemeClr val="bg1"/>
+                </a:solidFill>
+              </a:rPr>
+              <a:t>15</a:t>
+            </a:r>
+          </a:p>
+          <a:p>
+            <a:r>
+              <a:rPr lang="en-US" dirty="0" smtClean="0">
+                <a:solidFill>
+                  <a:schemeClr val="bg1"/>
+                </a:solidFill>
+              </a:rPr>
+              <a:t>On Reserve at the Library</a:t>
+            </a:r>
+            <a:endParaRPr lang="en-US" dirty="0">
+              <a:solidFill>
+                <a:schemeClr val="bg1"/>
+              </a:solidFill>
+            </a:endParaRPr>
           </a:p>
           <a:p>
             <a:pPr marL="0" indent="0">
@@ -17870,7 +17732,7 @@
 </p:sld>
 </file>
 
-<file path=ppt/slides/slide6.xml><?xml version="1.0" encoding="utf-8"?>
+<file path=ppt/slides/slide8.xml><?xml version="1.0" encoding="utf-8"?>
 <p:sld xmlns:a="http://schemas.openxmlformats.org/drawingml/2006/main" xmlns:r="http://schemas.openxmlformats.org/officeDocument/2006/relationships" xmlns:p="http://schemas.openxmlformats.org/presentationml/2006/main">
   <p:cSld>
     <p:bg>
@@ -17903,7 +17765,7 @@
                 <a16:creationId xmlns:a16="http://schemas.microsoft.com/office/drawing/2014/main" id="{ACBE1851-2230-47A9-B000-CE9046EA61B9}"/>
               </a:ext>
               <a:ext uri="{C183D7F6-B498-43B3-948B-1728B52AA6E4}">
-                <adec:decorative xmlns:adec="http://schemas.microsoft.com/office/drawing/2017/decorative" val="1"/>
+                <adec:decorative xmlns:adec="http://schemas.microsoft.com/office/drawing/2017/decorative" xmlns="" val="1"/>
               </a:ext>
             </a:extLst>
           </p:cNvPr>
@@ -17966,7 +17828,7 @@
                 <a16:creationId xmlns:a16="http://schemas.microsoft.com/office/drawing/2014/main" id="{23B93832-6514-44F4-849B-5EE2C8A2337D}"/>
               </a:ext>
               <a:ext uri="{C183D7F6-B498-43B3-948B-1728B52AA6E4}">
-                <adec:decorative xmlns:adec="http://schemas.microsoft.com/office/drawing/2017/decorative" val="1"/>
+                <adec:decorative xmlns:adec="http://schemas.microsoft.com/office/drawing/2017/decorative" xmlns="" val="1"/>
               </a:ext>
             </a:extLst>
           </p:cNvPr>
@@ -18042,8 +17904,8 @@
         </p:blipFill>
         <p:spPr>
           <a:xfrm>
-            <a:off x="6096000" y="1484552"/>
-            <a:ext cx="5459470" cy="3889872"/>
+            <a:off x="5941995" y="1032164"/>
+            <a:ext cx="5994885" cy="4271355"/>
           </a:xfrm>
           <a:prstGeom prst="rect">
             <a:avLst/>
@@ -18190,2153 +18052,6 @@
     <p:extLst>
       <p:ext uri="{BB962C8B-B14F-4D97-AF65-F5344CB8AC3E}">
         <p14:creationId xmlns:p14="http://schemas.microsoft.com/office/powerpoint/2010/main" val="368578682"/>
-      </p:ext>
-    </p:extLst>
-  </p:cSld>
-  <p:clrMapOvr>
-    <a:masterClrMapping/>
-  </p:clrMapOvr>
-</p:sld>
-</file>
-
-<file path=ppt/slides/slide7.xml><?xml version="1.0" encoding="utf-8"?>
-<p:sld xmlns:a="http://schemas.openxmlformats.org/drawingml/2006/main" xmlns:r="http://schemas.openxmlformats.org/officeDocument/2006/relationships" xmlns:p="http://schemas.openxmlformats.org/presentationml/2006/main">
-  <p:cSld>
-    <p:spTree>
-      <p:nvGrpSpPr>
-        <p:cNvPr id="1" name=""/>
-        <p:cNvGrpSpPr/>
-        <p:nvPr/>
-      </p:nvGrpSpPr>
-      <p:grpSpPr>
-        <a:xfrm>
-          <a:off x="0" y="0"/>
-          <a:ext cx="0" cy="0"/>
-          <a:chOff x="0" y="0"/>
-          <a:chExt cx="0" cy="0"/>
-        </a:xfrm>
-      </p:grpSpPr>
-      <p:sp>
-        <p:nvSpPr>
-          <p:cNvPr id="6" name="Title 5"/>
-          <p:cNvSpPr>
-            <a:spLocks noGrp="1"/>
-          </p:cNvSpPr>
-          <p:nvPr>
-            <p:ph type="title"/>
-          </p:nvPr>
-        </p:nvSpPr>
-        <p:spPr/>
-        <p:txBody>
-          <a:bodyPr>
-            <a:normAutofit/>
-          </a:bodyPr>
-          <a:lstStyle/>
-          <a:p>
-            <a:r>
-              <a:rPr lang="en-US" sz="4800" dirty="0"/>
-              <a:t>“Theory to Practice” Ratio for IST346</a:t>
-            </a:r>
-          </a:p>
-        </p:txBody>
-      </p:sp>
-      <p:graphicFrame>
-        <p:nvGraphicFramePr>
-          <p:cNvPr id="7" name="Content Placeholder 3"/>
-          <p:cNvGraphicFramePr>
-            <a:graphicFrameLocks/>
-          </p:cNvGraphicFramePr>
-          <p:nvPr>
-            <p:extLst>
-              <p:ext uri="{D42A27DB-BD31-4B8C-83A1-F6EECF244321}">
-                <p14:modId xmlns:p14="http://schemas.microsoft.com/office/powerpoint/2010/main" val="2117399417"/>
-              </p:ext>
-            </p:extLst>
-          </p:nvPr>
-        </p:nvGraphicFramePr>
-        <p:xfrm>
-          <a:off x="1375272" y="1690688"/>
-          <a:ext cx="10203456" cy="4955487"/>
-        </p:xfrm>
-        <a:graphic>
-          <a:graphicData uri="http://schemas.openxmlformats.org/drawingml/2006/chart">
-            <c:chart xmlns:c="http://schemas.openxmlformats.org/drawingml/2006/chart" xmlns:r="http://schemas.openxmlformats.org/officeDocument/2006/relationships" r:id="rId3"/>
-          </a:graphicData>
-        </a:graphic>
-      </p:graphicFrame>
-    </p:spTree>
-    <p:extLst>
-      <p:ext uri="{BB962C8B-B14F-4D97-AF65-F5344CB8AC3E}">
-        <p14:creationId xmlns:p14="http://schemas.microsoft.com/office/powerpoint/2010/main" val="2829322655"/>
-      </p:ext>
-    </p:extLst>
-  </p:cSld>
-  <p:clrMapOvr>
-    <a:masterClrMapping/>
-  </p:clrMapOvr>
-</p:sld>
-</file>
-
-<file path=ppt/slides/slide8.xml><?xml version="1.0" encoding="utf-8"?>
-<p:sld xmlns:a="http://schemas.openxmlformats.org/drawingml/2006/main" xmlns:r="http://schemas.openxmlformats.org/officeDocument/2006/relationships" xmlns:p="http://schemas.openxmlformats.org/presentationml/2006/main">
-  <p:cSld>
-    <p:spTree>
-      <p:nvGrpSpPr>
-        <p:cNvPr id="1" name=""/>
-        <p:cNvGrpSpPr/>
-        <p:nvPr/>
-      </p:nvGrpSpPr>
-      <p:grpSpPr>
-        <a:xfrm>
-          <a:off x="0" y="0"/>
-          <a:ext cx="0" cy="0"/>
-          <a:chOff x="0" y="0"/>
-          <a:chExt cx="0" cy="0"/>
-        </a:xfrm>
-      </p:grpSpPr>
-      <p:sp>
-        <p:nvSpPr>
-          <p:cNvPr id="5" name="Title 4">
-            <a:extLst>
-              <a:ext uri="{FF2B5EF4-FFF2-40B4-BE49-F238E27FC236}">
-                <a16:creationId xmlns:a16="http://schemas.microsoft.com/office/drawing/2014/main" id="{9A1B142E-1EDA-4B91-BDBF-61CB9C806A52}"/>
-              </a:ext>
-            </a:extLst>
-          </p:cNvPr>
-          <p:cNvSpPr>
-            <a:spLocks noGrp="1"/>
-          </p:cNvSpPr>
-          <p:nvPr>
-            <p:ph type="title"/>
-          </p:nvPr>
-        </p:nvSpPr>
-        <p:spPr/>
-        <p:txBody>
-          <a:bodyPr>
-            <a:normAutofit/>
-          </a:bodyPr>
-          <a:lstStyle/>
-          <a:p>
-            <a:r>
-              <a:rPr lang="en-US" sz="4800" dirty="0"/>
-              <a:t>How Will I Be Graded?</a:t>
-            </a:r>
-          </a:p>
-        </p:txBody>
-      </p:sp>
-      <p:graphicFrame>
-        <p:nvGraphicFramePr>
-          <p:cNvPr id="9" name="Content Placeholder 8">
-            <a:extLst>
-              <a:ext uri="{FF2B5EF4-FFF2-40B4-BE49-F238E27FC236}">
-                <a16:creationId xmlns:a16="http://schemas.microsoft.com/office/drawing/2014/main" id="{E2064D35-1BF7-47F4-B3A1-FF0F8BF29D10}"/>
-              </a:ext>
-            </a:extLst>
-          </p:cNvPr>
-          <p:cNvGraphicFramePr>
-            <a:graphicFrameLocks noGrp="1"/>
-          </p:cNvGraphicFramePr>
-          <p:nvPr>
-            <p:ph sz="half" idx="1"/>
-            <p:extLst>
-              <p:ext uri="{D42A27DB-BD31-4B8C-83A1-F6EECF244321}">
-                <p14:modId xmlns:p14="http://schemas.microsoft.com/office/powerpoint/2010/main" val="1641343965"/>
-              </p:ext>
-            </p:extLst>
-          </p:nvPr>
-        </p:nvGraphicFramePr>
-        <p:xfrm>
-          <a:off x="838200" y="1852766"/>
-          <a:ext cx="5364296" cy="1884426"/>
-        </p:xfrm>
-        <a:graphic>
-          <a:graphicData uri="http://schemas.openxmlformats.org/drawingml/2006/table">
-            <a:tbl>
-              <a:tblPr firstRow="1" firstCol="1" bandRow="1">
-                <a:tableStyleId>{5C22544A-7EE6-4342-B048-85BDC9FD1C3A}</a:tableStyleId>
-              </a:tblPr>
-              <a:tblGrid>
-                <a:gridCol w="2188868">
-                  <a:extLst>
-                    <a:ext uri="{9D8B030D-6E8A-4147-A177-3AD203B41FA5}">
-                      <a16:colId xmlns:a16="http://schemas.microsoft.com/office/drawing/2014/main" val="4026057998"/>
-                    </a:ext>
-                  </a:extLst>
-                </a:gridCol>
-                <a:gridCol w="1313578">
-                  <a:extLst>
-                    <a:ext uri="{9D8B030D-6E8A-4147-A177-3AD203B41FA5}">
-                      <a16:colId xmlns:a16="http://schemas.microsoft.com/office/drawing/2014/main" val="3927157525"/>
-                    </a:ext>
-                  </a:extLst>
-                </a:gridCol>
-                <a:gridCol w="1028321">
-                  <a:extLst>
-                    <a:ext uri="{9D8B030D-6E8A-4147-A177-3AD203B41FA5}">
-                      <a16:colId xmlns:a16="http://schemas.microsoft.com/office/drawing/2014/main" val="2986349692"/>
-                    </a:ext>
-                  </a:extLst>
-                </a:gridCol>
-                <a:gridCol w="833529">
-                  <a:extLst>
-                    <a:ext uri="{9D8B030D-6E8A-4147-A177-3AD203B41FA5}">
-                      <a16:colId xmlns:a16="http://schemas.microsoft.com/office/drawing/2014/main" val="888060869"/>
-                    </a:ext>
-                  </a:extLst>
-                </a:gridCol>
-              </a:tblGrid>
-              <a:tr h="0">
-                <a:tc>
-                  <a:txBody>
-                    <a:bodyPr/>
-                    <a:lstStyle/>
-                    <a:p>
-                      <a:pPr marL="0" marR="0">
-                        <a:lnSpc>
-                          <a:spcPct val="107000"/>
-                        </a:lnSpc>
-                        <a:spcBef>
-                          <a:spcPts val="0"/>
-                        </a:spcBef>
-                        <a:spcAft>
-                          <a:spcPts val="0"/>
-                        </a:spcAft>
-                      </a:pPr>
-                      <a:r>
-                        <a:rPr lang="en-US" sz="2000">
-                          <a:effectLst/>
-                        </a:rPr>
-                        <a:t>Type</a:t>
-                      </a:r>
-                      <a:endParaRPr lang="en-US" sz="2000">
-                        <a:effectLst/>
-                        <a:latin typeface="Calibri" panose="020F0502020204030204" pitchFamily="34" charset="0"/>
-                        <a:ea typeface="Calibri" panose="020F0502020204030204" pitchFamily="34" charset="0"/>
-                        <a:cs typeface="Times New Roman" panose="02020603050405020304" pitchFamily="18" charset="0"/>
-                      </a:endParaRPr>
-                    </a:p>
-                  </a:txBody>
-                  <a:tcPr marL="68580" marR="68580" marT="0" marB="0"/>
-                </a:tc>
-                <a:tc>
-                  <a:txBody>
-                    <a:bodyPr/>
-                    <a:lstStyle/>
-                    <a:p>
-                      <a:pPr marL="0" marR="0">
-                        <a:lnSpc>
-                          <a:spcPct val="107000"/>
-                        </a:lnSpc>
-                        <a:spcBef>
-                          <a:spcPts val="0"/>
-                        </a:spcBef>
-                        <a:spcAft>
-                          <a:spcPts val="0"/>
-                        </a:spcAft>
-                      </a:pPr>
-                      <a:r>
-                        <a:rPr lang="en-US" sz="2000">
-                          <a:effectLst/>
-                        </a:rPr>
-                        <a:t>Quantity</a:t>
-                      </a:r>
-                      <a:endParaRPr lang="en-US" sz="2000">
-                        <a:effectLst/>
-                        <a:latin typeface="Calibri" panose="020F0502020204030204" pitchFamily="34" charset="0"/>
-                        <a:ea typeface="Calibri" panose="020F0502020204030204" pitchFamily="34" charset="0"/>
-                        <a:cs typeface="Times New Roman" panose="02020603050405020304" pitchFamily="18" charset="0"/>
-                      </a:endParaRPr>
-                    </a:p>
-                  </a:txBody>
-                  <a:tcPr marL="68580" marR="68580" marT="0" marB="0"/>
-                </a:tc>
-                <a:tc>
-                  <a:txBody>
-                    <a:bodyPr/>
-                    <a:lstStyle/>
-                    <a:p>
-                      <a:pPr marL="0" marR="0">
-                        <a:lnSpc>
-                          <a:spcPct val="107000"/>
-                        </a:lnSpc>
-                        <a:spcBef>
-                          <a:spcPts val="0"/>
-                        </a:spcBef>
-                        <a:spcAft>
-                          <a:spcPts val="0"/>
-                        </a:spcAft>
-                      </a:pPr>
-                      <a:r>
-                        <a:rPr lang="en-US" sz="2000" dirty="0">
-                          <a:effectLst/>
-                        </a:rPr>
-                        <a:t>Points</a:t>
-                      </a:r>
-                      <a:endParaRPr lang="en-US" sz="2000" dirty="0">
-                        <a:effectLst/>
-                        <a:latin typeface="Calibri" panose="020F0502020204030204" pitchFamily="34" charset="0"/>
-                        <a:ea typeface="Calibri" panose="020F0502020204030204" pitchFamily="34" charset="0"/>
-                        <a:cs typeface="Times New Roman" panose="02020603050405020304" pitchFamily="18" charset="0"/>
-                      </a:endParaRPr>
-                    </a:p>
-                  </a:txBody>
-                  <a:tcPr marL="68580" marR="68580" marT="0" marB="0"/>
-                </a:tc>
-                <a:tc>
-                  <a:txBody>
-                    <a:bodyPr/>
-                    <a:lstStyle/>
-                    <a:p>
-                      <a:pPr marL="0" marR="0">
-                        <a:lnSpc>
-                          <a:spcPct val="107000"/>
-                        </a:lnSpc>
-                        <a:spcBef>
-                          <a:spcPts val="0"/>
-                        </a:spcBef>
-                        <a:spcAft>
-                          <a:spcPts val="0"/>
-                        </a:spcAft>
-                      </a:pPr>
-                      <a:r>
-                        <a:rPr lang="en-US" sz="2000">
-                          <a:effectLst/>
-                        </a:rPr>
-                        <a:t>Total</a:t>
-                      </a:r>
-                      <a:endParaRPr lang="en-US" sz="2000">
-                        <a:effectLst/>
-                        <a:latin typeface="Calibri" panose="020F0502020204030204" pitchFamily="34" charset="0"/>
-                        <a:ea typeface="Calibri" panose="020F0502020204030204" pitchFamily="34" charset="0"/>
-                        <a:cs typeface="Times New Roman" panose="02020603050405020304" pitchFamily="18" charset="0"/>
-                      </a:endParaRPr>
-                    </a:p>
-                  </a:txBody>
-                  <a:tcPr marL="68580" marR="68580" marT="0" marB="0"/>
-                </a:tc>
-                <a:extLst>
-                  <a:ext uri="{0D108BD9-81ED-4DB2-BD59-A6C34878D82A}">
-                    <a16:rowId xmlns:a16="http://schemas.microsoft.com/office/drawing/2014/main" val="2392512620"/>
-                  </a:ext>
-                </a:extLst>
-              </a:tr>
-              <a:tr h="0">
-                <a:tc>
-                  <a:txBody>
-                    <a:bodyPr/>
-                    <a:lstStyle/>
-                    <a:p>
-                      <a:pPr marL="0" marR="0" lvl="0" indent="0">
-                        <a:lnSpc>
-                          <a:spcPct val="107000"/>
-                        </a:lnSpc>
-                        <a:spcBef>
-                          <a:spcPts val="0"/>
-                        </a:spcBef>
-                        <a:spcAft>
-                          <a:spcPts val="0"/>
-                        </a:spcAft>
-                        <a:buFont typeface="+mj-lt"/>
-                        <a:buNone/>
-                      </a:pPr>
-                      <a:r>
-                        <a:rPr lang="en-US" sz="2000" dirty="0">
-                          <a:effectLst/>
-                        </a:rPr>
-                        <a:t>Participation (P)</a:t>
-                      </a:r>
-                      <a:endParaRPr lang="en-US" sz="2000" dirty="0">
-                        <a:effectLst/>
-                        <a:latin typeface="Calibri" panose="020F0502020204030204" pitchFamily="34" charset="0"/>
-                        <a:ea typeface="Calibri" panose="020F0502020204030204" pitchFamily="34" charset="0"/>
-                        <a:cs typeface="Times New Roman" panose="02020603050405020304" pitchFamily="18" charset="0"/>
-                      </a:endParaRPr>
-                    </a:p>
-                  </a:txBody>
-                  <a:tcPr marL="68580" marR="68580" marT="0" marB="0"/>
-                </a:tc>
-                <a:tc>
-                  <a:txBody>
-                    <a:bodyPr/>
-                    <a:lstStyle/>
-                    <a:p>
-                      <a:pPr marL="0" marR="0">
-                        <a:lnSpc>
-                          <a:spcPct val="107000"/>
-                        </a:lnSpc>
-                        <a:spcBef>
-                          <a:spcPts val="0"/>
-                        </a:spcBef>
-                        <a:spcAft>
-                          <a:spcPts val="0"/>
-                        </a:spcAft>
-                      </a:pPr>
-                      <a:r>
-                        <a:rPr lang="en-US" sz="2000">
-                          <a:effectLst/>
-                        </a:rPr>
-                        <a:t>20</a:t>
-                      </a:r>
-                      <a:endParaRPr lang="en-US" sz="2000">
-                        <a:effectLst/>
-                        <a:latin typeface="Calibri" panose="020F0502020204030204" pitchFamily="34" charset="0"/>
-                        <a:ea typeface="Calibri" panose="020F0502020204030204" pitchFamily="34" charset="0"/>
-                        <a:cs typeface="Times New Roman" panose="02020603050405020304" pitchFamily="18" charset="0"/>
-                      </a:endParaRPr>
-                    </a:p>
-                  </a:txBody>
-                  <a:tcPr marL="68580" marR="68580" marT="0" marB="0"/>
-                </a:tc>
-                <a:tc>
-                  <a:txBody>
-                    <a:bodyPr/>
-                    <a:lstStyle/>
-                    <a:p>
-                      <a:pPr marL="0" marR="0">
-                        <a:lnSpc>
-                          <a:spcPct val="107000"/>
-                        </a:lnSpc>
-                        <a:spcBef>
-                          <a:spcPts val="0"/>
-                        </a:spcBef>
-                        <a:spcAft>
-                          <a:spcPts val="0"/>
-                        </a:spcAft>
-                      </a:pPr>
-                      <a:r>
-                        <a:rPr lang="en-US" sz="2000">
-                          <a:effectLst/>
-                        </a:rPr>
-                        <a:t>1</a:t>
-                      </a:r>
-                      <a:endParaRPr lang="en-US" sz="2000">
-                        <a:effectLst/>
-                        <a:latin typeface="Calibri" panose="020F0502020204030204" pitchFamily="34" charset="0"/>
-                        <a:ea typeface="Calibri" panose="020F0502020204030204" pitchFamily="34" charset="0"/>
-                        <a:cs typeface="Times New Roman" panose="02020603050405020304" pitchFamily="18" charset="0"/>
-                      </a:endParaRPr>
-                    </a:p>
-                  </a:txBody>
-                  <a:tcPr marL="68580" marR="68580" marT="0" marB="0"/>
-                </a:tc>
-                <a:tc>
-                  <a:txBody>
-                    <a:bodyPr/>
-                    <a:lstStyle/>
-                    <a:p>
-                      <a:pPr marL="0" marR="0" indent="0">
-                        <a:lnSpc>
-                          <a:spcPct val="107000"/>
-                        </a:lnSpc>
-                        <a:spcBef>
-                          <a:spcPts val="0"/>
-                        </a:spcBef>
-                        <a:spcAft>
-                          <a:spcPts val="0"/>
-                        </a:spcAft>
-                        <a:buFont typeface="+mj-lt"/>
-                        <a:buNone/>
-                      </a:pPr>
-                      <a:r>
-                        <a:rPr lang="en-US" sz="2000" dirty="0">
-                          <a:effectLst/>
-                        </a:rPr>
-                        <a:t>20</a:t>
-                      </a:r>
-                      <a:endParaRPr lang="en-US" sz="2000" dirty="0">
-                        <a:effectLst/>
-                        <a:latin typeface="Calibri" panose="020F0502020204030204" pitchFamily="34" charset="0"/>
-                        <a:ea typeface="Calibri" panose="020F0502020204030204" pitchFamily="34" charset="0"/>
-                        <a:cs typeface="Times New Roman" panose="02020603050405020304" pitchFamily="18" charset="0"/>
-                      </a:endParaRPr>
-                    </a:p>
-                  </a:txBody>
-                  <a:tcPr marL="68580" marR="68580" marT="0" marB="0"/>
-                </a:tc>
-                <a:extLst>
-                  <a:ext uri="{0D108BD9-81ED-4DB2-BD59-A6C34878D82A}">
-                    <a16:rowId xmlns:a16="http://schemas.microsoft.com/office/drawing/2014/main" val="865743901"/>
-                  </a:ext>
-                </a:extLst>
-              </a:tr>
-              <a:tr h="0">
-                <a:tc>
-                  <a:txBody>
-                    <a:bodyPr/>
-                    <a:lstStyle/>
-                    <a:p>
-                      <a:pPr marL="0" marR="0" lvl="0" indent="0">
-                        <a:lnSpc>
-                          <a:spcPct val="107000"/>
-                        </a:lnSpc>
-                        <a:spcBef>
-                          <a:spcPts val="0"/>
-                        </a:spcBef>
-                        <a:spcAft>
-                          <a:spcPts val="0"/>
-                        </a:spcAft>
-                        <a:buFont typeface="+mj-lt"/>
-                        <a:buNone/>
-                      </a:pPr>
-                      <a:r>
-                        <a:rPr lang="en-US" sz="2000" dirty="0">
-                          <a:effectLst/>
-                        </a:rPr>
-                        <a:t>Exams (EX)</a:t>
-                      </a:r>
-                      <a:endParaRPr lang="en-US" sz="2000" dirty="0">
-                        <a:effectLst/>
-                        <a:latin typeface="Calibri" panose="020F0502020204030204" pitchFamily="34" charset="0"/>
-                        <a:ea typeface="Calibri" panose="020F0502020204030204" pitchFamily="34" charset="0"/>
-                        <a:cs typeface="Times New Roman" panose="02020603050405020304" pitchFamily="18" charset="0"/>
-                      </a:endParaRPr>
-                    </a:p>
-                  </a:txBody>
-                  <a:tcPr marL="68580" marR="68580" marT="0" marB="0"/>
-                </a:tc>
-                <a:tc>
-                  <a:txBody>
-                    <a:bodyPr/>
-                    <a:lstStyle/>
-                    <a:p>
-                      <a:pPr marL="0" marR="0">
-                        <a:lnSpc>
-                          <a:spcPct val="107000"/>
-                        </a:lnSpc>
-                        <a:spcBef>
-                          <a:spcPts val="0"/>
-                        </a:spcBef>
-                        <a:spcAft>
-                          <a:spcPts val="0"/>
-                        </a:spcAft>
-                      </a:pPr>
-                      <a:r>
-                        <a:rPr lang="en-US" sz="2000">
-                          <a:effectLst/>
-                        </a:rPr>
-                        <a:t>4 </a:t>
-                      </a:r>
-                      <a:r>
-                        <a:rPr lang="en-US" sz="1600">
-                          <a:effectLst/>
-                        </a:rPr>
-                        <a:t>(3 best)</a:t>
-                      </a:r>
-                      <a:endParaRPr lang="en-US" sz="2000">
-                        <a:effectLst/>
-                        <a:latin typeface="Calibri" panose="020F0502020204030204" pitchFamily="34" charset="0"/>
-                        <a:ea typeface="Calibri" panose="020F0502020204030204" pitchFamily="34" charset="0"/>
-                        <a:cs typeface="Times New Roman" panose="02020603050405020304" pitchFamily="18" charset="0"/>
-                      </a:endParaRPr>
-                    </a:p>
-                  </a:txBody>
-                  <a:tcPr marL="68580" marR="68580" marT="0" marB="0"/>
-                </a:tc>
-                <a:tc>
-                  <a:txBody>
-                    <a:bodyPr/>
-                    <a:lstStyle/>
-                    <a:p>
-                      <a:pPr marL="0" marR="0">
-                        <a:lnSpc>
-                          <a:spcPct val="107000"/>
-                        </a:lnSpc>
-                        <a:spcBef>
-                          <a:spcPts val="0"/>
-                        </a:spcBef>
-                        <a:spcAft>
-                          <a:spcPts val="0"/>
-                        </a:spcAft>
-                      </a:pPr>
-                      <a:r>
-                        <a:rPr lang="en-US" sz="2000">
-                          <a:effectLst/>
-                        </a:rPr>
-                        <a:t>20</a:t>
-                      </a:r>
-                      <a:endParaRPr lang="en-US" sz="2000">
-                        <a:effectLst/>
-                        <a:latin typeface="Calibri" panose="020F0502020204030204" pitchFamily="34" charset="0"/>
-                        <a:ea typeface="Calibri" panose="020F0502020204030204" pitchFamily="34" charset="0"/>
-                        <a:cs typeface="Times New Roman" panose="02020603050405020304" pitchFamily="18" charset="0"/>
-                      </a:endParaRPr>
-                    </a:p>
-                  </a:txBody>
-                  <a:tcPr marL="68580" marR="68580" marT="0" marB="0"/>
-                </a:tc>
-                <a:tc>
-                  <a:txBody>
-                    <a:bodyPr/>
-                    <a:lstStyle/>
-                    <a:p>
-                      <a:pPr marL="0" marR="0">
-                        <a:lnSpc>
-                          <a:spcPct val="107000"/>
-                        </a:lnSpc>
-                        <a:spcBef>
-                          <a:spcPts val="0"/>
-                        </a:spcBef>
-                        <a:spcAft>
-                          <a:spcPts val="0"/>
-                        </a:spcAft>
-                      </a:pPr>
-                      <a:r>
-                        <a:rPr lang="en-US" sz="2000">
-                          <a:effectLst/>
-                        </a:rPr>
-                        <a:t>60</a:t>
-                      </a:r>
-                      <a:endParaRPr lang="en-US" sz="2000">
-                        <a:effectLst/>
-                        <a:latin typeface="Calibri" panose="020F0502020204030204" pitchFamily="34" charset="0"/>
-                        <a:ea typeface="Calibri" panose="020F0502020204030204" pitchFamily="34" charset="0"/>
-                        <a:cs typeface="Times New Roman" panose="02020603050405020304" pitchFamily="18" charset="0"/>
-                      </a:endParaRPr>
-                    </a:p>
-                  </a:txBody>
-                  <a:tcPr marL="68580" marR="68580" marT="0" marB="0"/>
-                </a:tc>
-                <a:extLst>
-                  <a:ext uri="{0D108BD9-81ED-4DB2-BD59-A6C34878D82A}">
-                    <a16:rowId xmlns:a16="http://schemas.microsoft.com/office/drawing/2014/main" val="1750371998"/>
-                  </a:ext>
-                </a:extLst>
-              </a:tr>
-              <a:tr h="0">
-                <a:tc>
-                  <a:txBody>
-                    <a:bodyPr/>
-                    <a:lstStyle/>
-                    <a:p>
-                      <a:pPr marL="0" marR="0" lvl="0" indent="0">
-                        <a:lnSpc>
-                          <a:spcPct val="107000"/>
-                        </a:lnSpc>
-                        <a:spcBef>
-                          <a:spcPts val="0"/>
-                        </a:spcBef>
-                        <a:spcAft>
-                          <a:spcPts val="0"/>
-                        </a:spcAft>
-                        <a:buFont typeface="+mj-lt"/>
-                        <a:buNone/>
-                      </a:pPr>
-                      <a:r>
-                        <a:rPr lang="en-US" sz="2000" dirty="0">
-                          <a:effectLst/>
-                        </a:rPr>
-                        <a:t>IT Research Presentation (IT)</a:t>
-                      </a:r>
-                      <a:endParaRPr lang="en-US" sz="2000" dirty="0">
-                        <a:effectLst/>
-                        <a:latin typeface="Calibri" panose="020F0502020204030204" pitchFamily="34" charset="0"/>
-                        <a:ea typeface="Calibri" panose="020F0502020204030204" pitchFamily="34" charset="0"/>
-                        <a:cs typeface="Times New Roman" panose="02020603050405020304" pitchFamily="18" charset="0"/>
-                      </a:endParaRPr>
-                    </a:p>
-                  </a:txBody>
-                  <a:tcPr marL="68580" marR="68580" marT="0" marB="0"/>
-                </a:tc>
-                <a:tc>
-                  <a:txBody>
-                    <a:bodyPr/>
-                    <a:lstStyle/>
-                    <a:p>
-                      <a:pPr marL="0" marR="0">
-                        <a:lnSpc>
-                          <a:spcPct val="107000"/>
-                        </a:lnSpc>
-                        <a:spcBef>
-                          <a:spcPts val="0"/>
-                        </a:spcBef>
-                        <a:spcAft>
-                          <a:spcPts val="0"/>
-                        </a:spcAft>
-                      </a:pPr>
-                      <a:r>
-                        <a:rPr lang="en-US" sz="2000">
-                          <a:effectLst/>
-                        </a:rPr>
-                        <a:t>1</a:t>
-                      </a:r>
-                      <a:endParaRPr lang="en-US" sz="2000">
-                        <a:effectLst/>
-                        <a:latin typeface="Calibri" panose="020F0502020204030204" pitchFamily="34" charset="0"/>
-                        <a:ea typeface="Calibri" panose="020F0502020204030204" pitchFamily="34" charset="0"/>
-                        <a:cs typeface="Times New Roman" panose="02020603050405020304" pitchFamily="18" charset="0"/>
-                      </a:endParaRPr>
-                    </a:p>
-                  </a:txBody>
-                  <a:tcPr marL="68580" marR="68580" marT="0" marB="0"/>
-                </a:tc>
-                <a:tc>
-                  <a:txBody>
-                    <a:bodyPr/>
-                    <a:lstStyle/>
-                    <a:p>
-                      <a:pPr marL="0" marR="0">
-                        <a:lnSpc>
-                          <a:spcPct val="107000"/>
-                        </a:lnSpc>
-                        <a:spcBef>
-                          <a:spcPts val="0"/>
-                        </a:spcBef>
-                        <a:spcAft>
-                          <a:spcPts val="0"/>
-                        </a:spcAft>
-                      </a:pPr>
-                      <a:r>
-                        <a:rPr lang="en-US" sz="2000" dirty="0">
-                          <a:effectLst/>
-                        </a:rPr>
-                        <a:t>20</a:t>
-                      </a:r>
-                      <a:endParaRPr lang="en-US" sz="2000" dirty="0">
-                        <a:effectLst/>
-                        <a:latin typeface="Calibri" panose="020F0502020204030204" pitchFamily="34" charset="0"/>
-                        <a:ea typeface="Calibri" panose="020F0502020204030204" pitchFamily="34" charset="0"/>
-                        <a:cs typeface="Times New Roman" panose="02020603050405020304" pitchFamily="18" charset="0"/>
-                      </a:endParaRPr>
-                    </a:p>
-                  </a:txBody>
-                  <a:tcPr marL="68580" marR="68580" marT="0" marB="0"/>
-                </a:tc>
-                <a:tc>
-                  <a:txBody>
-                    <a:bodyPr/>
-                    <a:lstStyle/>
-                    <a:p>
-                      <a:pPr marL="0" marR="0">
-                        <a:lnSpc>
-                          <a:spcPct val="107000"/>
-                        </a:lnSpc>
-                        <a:spcBef>
-                          <a:spcPts val="0"/>
-                        </a:spcBef>
-                        <a:spcAft>
-                          <a:spcPts val="0"/>
-                        </a:spcAft>
-                      </a:pPr>
-                      <a:r>
-                        <a:rPr lang="en-US" sz="2000">
-                          <a:effectLst/>
-                        </a:rPr>
-                        <a:t>20</a:t>
-                      </a:r>
-                      <a:endParaRPr lang="en-US" sz="2000">
-                        <a:effectLst/>
-                        <a:latin typeface="Calibri" panose="020F0502020204030204" pitchFamily="34" charset="0"/>
-                        <a:ea typeface="Calibri" panose="020F0502020204030204" pitchFamily="34" charset="0"/>
-                        <a:cs typeface="Times New Roman" panose="02020603050405020304" pitchFamily="18" charset="0"/>
-                      </a:endParaRPr>
-                    </a:p>
-                  </a:txBody>
-                  <a:tcPr marL="68580" marR="68580" marT="0" marB="0"/>
-                </a:tc>
-                <a:extLst>
-                  <a:ext uri="{0D108BD9-81ED-4DB2-BD59-A6C34878D82A}">
-                    <a16:rowId xmlns:a16="http://schemas.microsoft.com/office/drawing/2014/main" val="2919377061"/>
-                  </a:ext>
-                </a:extLst>
-              </a:tr>
-              <a:tr h="0">
-                <a:tc>
-                  <a:txBody>
-                    <a:bodyPr/>
-                    <a:lstStyle/>
-                    <a:p>
-                      <a:pPr marL="0" marR="0">
-                        <a:lnSpc>
-                          <a:spcPct val="107000"/>
-                        </a:lnSpc>
-                        <a:spcBef>
-                          <a:spcPts val="0"/>
-                        </a:spcBef>
-                        <a:spcAft>
-                          <a:spcPts val="0"/>
-                        </a:spcAft>
-                      </a:pPr>
-                      <a:r>
-                        <a:rPr lang="en-US" sz="2000">
-                          <a:effectLst/>
-                        </a:rPr>
-                        <a:t>Total Points</a:t>
-                      </a:r>
-                      <a:endParaRPr lang="en-US" sz="2000">
-                        <a:effectLst/>
-                        <a:latin typeface="Calibri" panose="020F0502020204030204" pitchFamily="34" charset="0"/>
-                        <a:ea typeface="Calibri" panose="020F0502020204030204" pitchFamily="34" charset="0"/>
-                        <a:cs typeface="Times New Roman" panose="02020603050405020304" pitchFamily="18" charset="0"/>
-                      </a:endParaRPr>
-                    </a:p>
-                  </a:txBody>
-                  <a:tcPr marL="68580" marR="68580" marT="0" marB="0"/>
-                </a:tc>
-                <a:tc>
-                  <a:txBody>
-                    <a:bodyPr/>
-                    <a:lstStyle/>
-                    <a:p>
-                      <a:pPr marL="0" marR="0">
-                        <a:lnSpc>
-                          <a:spcPct val="107000"/>
-                        </a:lnSpc>
-                        <a:spcBef>
-                          <a:spcPts val="0"/>
-                        </a:spcBef>
-                        <a:spcAft>
-                          <a:spcPts val="0"/>
-                        </a:spcAft>
-                      </a:pPr>
-                      <a:r>
-                        <a:rPr lang="en-US" sz="2000">
-                          <a:effectLst/>
-                        </a:rPr>
-                        <a:t> </a:t>
-                      </a:r>
-                      <a:endParaRPr lang="en-US" sz="2000">
-                        <a:effectLst/>
-                        <a:latin typeface="Calibri" panose="020F0502020204030204" pitchFamily="34" charset="0"/>
-                        <a:ea typeface="Calibri" panose="020F0502020204030204" pitchFamily="34" charset="0"/>
-                        <a:cs typeface="Times New Roman" panose="02020603050405020304" pitchFamily="18" charset="0"/>
-                      </a:endParaRPr>
-                    </a:p>
-                  </a:txBody>
-                  <a:tcPr marL="68580" marR="68580" marT="0" marB="0"/>
-                </a:tc>
-                <a:tc>
-                  <a:txBody>
-                    <a:bodyPr/>
-                    <a:lstStyle/>
-                    <a:p>
-                      <a:pPr marL="0" marR="0">
-                        <a:lnSpc>
-                          <a:spcPct val="107000"/>
-                        </a:lnSpc>
-                        <a:spcBef>
-                          <a:spcPts val="0"/>
-                        </a:spcBef>
-                        <a:spcAft>
-                          <a:spcPts val="0"/>
-                        </a:spcAft>
-                      </a:pPr>
-                      <a:r>
-                        <a:rPr lang="en-US" sz="2000">
-                          <a:effectLst/>
-                        </a:rPr>
-                        <a:t> </a:t>
-                      </a:r>
-                      <a:endParaRPr lang="en-US" sz="2000">
-                        <a:effectLst/>
-                        <a:latin typeface="Calibri" panose="020F0502020204030204" pitchFamily="34" charset="0"/>
-                        <a:ea typeface="Calibri" panose="020F0502020204030204" pitchFamily="34" charset="0"/>
-                        <a:cs typeface="Times New Roman" panose="02020603050405020304" pitchFamily="18" charset="0"/>
-                      </a:endParaRPr>
-                    </a:p>
-                  </a:txBody>
-                  <a:tcPr marL="68580" marR="68580" marT="0" marB="0"/>
-                </a:tc>
-                <a:tc>
-                  <a:txBody>
-                    <a:bodyPr/>
-                    <a:lstStyle/>
-                    <a:p>
-                      <a:pPr marL="0" marR="0">
-                        <a:lnSpc>
-                          <a:spcPct val="107000"/>
-                        </a:lnSpc>
-                        <a:spcBef>
-                          <a:spcPts val="0"/>
-                        </a:spcBef>
-                        <a:spcAft>
-                          <a:spcPts val="0"/>
-                        </a:spcAft>
-                      </a:pPr>
-                      <a:r>
-                        <a:rPr lang="en-US" sz="2000" dirty="0">
-                          <a:effectLst/>
-                        </a:rPr>
-                        <a:t>100</a:t>
-                      </a:r>
-                      <a:endParaRPr lang="en-US" sz="2000" dirty="0">
-                        <a:effectLst/>
-                        <a:latin typeface="Calibri" panose="020F0502020204030204" pitchFamily="34" charset="0"/>
-                        <a:ea typeface="Calibri" panose="020F0502020204030204" pitchFamily="34" charset="0"/>
-                        <a:cs typeface="Times New Roman" panose="02020603050405020304" pitchFamily="18" charset="0"/>
-                      </a:endParaRPr>
-                    </a:p>
-                  </a:txBody>
-                  <a:tcPr marL="68580" marR="68580" marT="0" marB="0"/>
-                </a:tc>
-                <a:extLst>
-                  <a:ext uri="{0D108BD9-81ED-4DB2-BD59-A6C34878D82A}">
-                    <a16:rowId xmlns:a16="http://schemas.microsoft.com/office/drawing/2014/main" val="161488412"/>
-                  </a:ext>
-                </a:extLst>
-              </a:tr>
-            </a:tbl>
-          </a:graphicData>
-        </a:graphic>
-      </p:graphicFrame>
-      <p:graphicFrame>
-        <p:nvGraphicFramePr>
-          <p:cNvPr id="10" name="Content Placeholder 9">
-            <a:extLst>
-              <a:ext uri="{FF2B5EF4-FFF2-40B4-BE49-F238E27FC236}">
-                <a16:creationId xmlns:a16="http://schemas.microsoft.com/office/drawing/2014/main" id="{196A8E2B-2B0B-4904-AB9D-1FA902AA6470}"/>
-              </a:ext>
-            </a:extLst>
-          </p:cNvPr>
-          <p:cNvGraphicFramePr>
-            <a:graphicFrameLocks noGrp="1"/>
-          </p:cNvGraphicFramePr>
-          <p:nvPr>
-            <p:ph sz="half" idx="2"/>
-            <p:extLst>
-              <p:ext uri="{D42A27DB-BD31-4B8C-83A1-F6EECF244321}">
-                <p14:modId xmlns:p14="http://schemas.microsoft.com/office/powerpoint/2010/main" val="698341763"/>
-              </p:ext>
-            </p:extLst>
-          </p:nvPr>
-        </p:nvGraphicFramePr>
-        <p:xfrm>
-          <a:off x="6647248" y="1852766"/>
-          <a:ext cx="5063682" cy="3963924"/>
-        </p:xfrm>
-        <a:graphic>
-          <a:graphicData uri="http://schemas.openxmlformats.org/drawingml/2006/table">
-            <a:tbl>
-              <a:tblPr firstRow="1" firstCol="1" bandRow="1">
-                <a:tableStyleId>{5C22544A-7EE6-4342-B048-85BDC9FD1C3A}</a:tableStyleId>
-              </a:tblPr>
-              <a:tblGrid>
-                <a:gridCol w="1658114">
-                  <a:extLst>
-                    <a:ext uri="{9D8B030D-6E8A-4147-A177-3AD203B41FA5}">
-                      <a16:colId xmlns:a16="http://schemas.microsoft.com/office/drawing/2014/main" val="3021517950"/>
-                    </a:ext>
-                  </a:extLst>
-                </a:gridCol>
-                <a:gridCol w="1729422">
-                  <a:extLst>
-                    <a:ext uri="{9D8B030D-6E8A-4147-A177-3AD203B41FA5}">
-                      <a16:colId xmlns:a16="http://schemas.microsoft.com/office/drawing/2014/main" val="3459803858"/>
-                    </a:ext>
-                  </a:extLst>
-                </a:gridCol>
-                <a:gridCol w="1676146">
-                  <a:extLst>
-                    <a:ext uri="{9D8B030D-6E8A-4147-A177-3AD203B41FA5}">
-                      <a16:colId xmlns:a16="http://schemas.microsoft.com/office/drawing/2014/main" val="2041291319"/>
-                    </a:ext>
-                  </a:extLst>
-                </a:gridCol>
-              </a:tblGrid>
-              <a:tr h="0">
-                <a:tc>
-                  <a:txBody>
-                    <a:bodyPr/>
-                    <a:lstStyle/>
-                    <a:p>
-                      <a:pPr marL="0" marR="0" algn="ctr">
-                        <a:lnSpc>
-                          <a:spcPct val="107000"/>
-                        </a:lnSpc>
-                        <a:spcBef>
-                          <a:spcPts val="0"/>
-                        </a:spcBef>
-                        <a:spcAft>
-                          <a:spcPts val="0"/>
-                        </a:spcAft>
-                      </a:pPr>
-                      <a:r>
-                        <a:rPr lang="en-US" sz="2000">
-                          <a:effectLst/>
-                        </a:rPr>
-                        <a:t>Student Achievement</a:t>
-                      </a:r>
-                      <a:endParaRPr lang="en-US" sz="2000">
-                        <a:effectLst/>
-                        <a:latin typeface="Calibri" panose="020F0502020204030204" pitchFamily="34" charset="0"/>
-                        <a:ea typeface="Times New Roman" panose="02020603050405020304" pitchFamily="18" charset="0"/>
-                        <a:cs typeface="Times New Roman" panose="02020603050405020304" pitchFamily="18" charset="0"/>
-                      </a:endParaRPr>
-                    </a:p>
-                  </a:txBody>
-                  <a:tcPr marL="9525" marR="9525" marT="9525" marB="9525"/>
-                </a:tc>
-                <a:tc>
-                  <a:txBody>
-                    <a:bodyPr/>
-                    <a:lstStyle/>
-                    <a:p>
-                      <a:pPr marL="0" marR="0" algn="ctr">
-                        <a:lnSpc>
-                          <a:spcPct val="107000"/>
-                        </a:lnSpc>
-                        <a:spcBef>
-                          <a:spcPts val="0"/>
-                        </a:spcBef>
-                        <a:spcAft>
-                          <a:spcPts val="0"/>
-                        </a:spcAft>
-                      </a:pPr>
-                      <a:r>
-                        <a:rPr lang="en-US" sz="2000">
-                          <a:effectLst/>
-                        </a:rPr>
-                        <a:t>Total Points</a:t>
-                      </a:r>
-                      <a:endParaRPr lang="en-US" sz="2000">
-                        <a:effectLst/>
-                        <a:latin typeface="Calibri" panose="020F0502020204030204" pitchFamily="34" charset="0"/>
-                        <a:ea typeface="Times New Roman" panose="02020603050405020304" pitchFamily="18" charset="0"/>
-                        <a:cs typeface="Times New Roman" panose="02020603050405020304" pitchFamily="18" charset="0"/>
-                      </a:endParaRPr>
-                    </a:p>
-                  </a:txBody>
-                  <a:tcPr marL="9525" marR="9525" marT="9525" marB="9525" anchor="ctr"/>
-                </a:tc>
-                <a:tc>
-                  <a:txBody>
-                    <a:bodyPr/>
-                    <a:lstStyle/>
-                    <a:p>
-                      <a:pPr marL="0" marR="0" algn="ctr">
-                        <a:lnSpc>
-                          <a:spcPct val="107000"/>
-                        </a:lnSpc>
-                        <a:spcBef>
-                          <a:spcPts val="0"/>
-                        </a:spcBef>
-                        <a:spcAft>
-                          <a:spcPts val="0"/>
-                        </a:spcAft>
-                      </a:pPr>
-                      <a:r>
-                        <a:rPr lang="en-US" sz="2000">
-                          <a:effectLst/>
-                        </a:rPr>
-                        <a:t>Registrar Grade</a:t>
-                      </a:r>
-                      <a:endParaRPr lang="en-US" sz="2000">
-                        <a:effectLst/>
-                        <a:latin typeface="Calibri" panose="020F0502020204030204" pitchFamily="34" charset="0"/>
-                        <a:ea typeface="Times New Roman" panose="02020603050405020304" pitchFamily="18" charset="0"/>
-                        <a:cs typeface="Times New Roman" panose="02020603050405020304" pitchFamily="18" charset="0"/>
-                      </a:endParaRPr>
-                    </a:p>
-                  </a:txBody>
-                  <a:tcPr marL="9525" marR="9525" marT="9525" marB="9525" anchor="ctr"/>
-                </a:tc>
-                <a:extLst>
-                  <a:ext uri="{0D108BD9-81ED-4DB2-BD59-A6C34878D82A}">
-                    <a16:rowId xmlns:a16="http://schemas.microsoft.com/office/drawing/2014/main" val="1798845786"/>
-                  </a:ext>
-                </a:extLst>
-              </a:tr>
-              <a:tr h="0">
-                <a:tc>
-                  <a:txBody>
-                    <a:bodyPr/>
-                    <a:lstStyle/>
-                    <a:p>
-                      <a:pPr marL="0" marR="0">
-                        <a:lnSpc>
-                          <a:spcPct val="107000"/>
-                        </a:lnSpc>
-                        <a:spcBef>
-                          <a:spcPts val="0"/>
-                        </a:spcBef>
-                        <a:spcAft>
-                          <a:spcPts val="0"/>
-                        </a:spcAft>
-                      </a:pPr>
-                      <a:r>
-                        <a:rPr lang="en-US" sz="2000">
-                          <a:effectLst/>
-                        </a:rPr>
-                        <a:t>Mastery</a:t>
-                      </a:r>
-                      <a:endParaRPr lang="en-US" sz="2000">
-                        <a:effectLst/>
-                        <a:latin typeface="Calibri" panose="020F0502020204030204" pitchFamily="34" charset="0"/>
-                        <a:ea typeface="Times New Roman" panose="02020603050405020304" pitchFamily="18" charset="0"/>
-                        <a:cs typeface="Times New Roman" panose="02020603050405020304" pitchFamily="18" charset="0"/>
-                      </a:endParaRPr>
-                    </a:p>
-                  </a:txBody>
-                  <a:tcPr marL="9525" marR="9525" marT="9525" marB="9525"/>
-                </a:tc>
-                <a:tc>
-                  <a:txBody>
-                    <a:bodyPr/>
-                    <a:lstStyle/>
-                    <a:p>
-                      <a:pPr marL="0" marR="0">
-                        <a:lnSpc>
-                          <a:spcPct val="107000"/>
-                        </a:lnSpc>
-                        <a:spcBef>
-                          <a:spcPts val="0"/>
-                        </a:spcBef>
-                        <a:spcAft>
-                          <a:spcPts val="0"/>
-                        </a:spcAft>
-                      </a:pPr>
-                      <a:r>
-                        <a:rPr lang="en-US" sz="2000">
-                          <a:effectLst/>
-                        </a:rPr>
-                        <a:t>95 – 100</a:t>
-                      </a:r>
-                      <a:endParaRPr lang="en-US" sz="2000">
-                        <a:effectLst/>
-                        <a:latin typeface="Calibri" panose="020F0502020204030204" pitchFamily="34" charset="0"/>
-                        <a:ea typeface="Times New Roman" panose="02020603050405020304" pitchFamily="18" charset="0"/>
-                        <a:cs typeface="Times New Roman" panose="02020603050405020304" pitchFamily="18" charset="0"/>
-                      </a:endParaRPr>
-                    </a:p>
-                  </a:txBody>
-                  <a:tcPr marL="9525" marR="9525" marT="9525" marB="9525" anchor="ctr"/>
-                </a:tc>
-                <a:tc>
-                  <a:txBody>
-                    <a:bodyPr/>
-                    <a:lstStyle/>
-                    <a:p>
-                      <a:pPr marL="0" marR="0">
-                        <a:lnSpc>
-                          <a:spcPct val="107000"/>
-                        </a:lnSpc>
-                        <a:spcBef>
-                          <a:spcPts val="0"/>
-                        </a:spcBef>
-                        <a:spcAft>
-                          <a:spcPts val="0"/>
-                        </a:spcAft>
-                      </a:pPr>
-                      <a:r>
-                        <a:rPr lang="en-US" sz="2000">
-                          <a:effectLst/>
-                        </a:rPr>
-                        <a:t>A</a:t>
-                      </a:r>
-                      <a:endParaRPr lang="en-US" sz="2000">
-                        <a:effectLst/>
-                        <a:latin typeface="Calibri" panose="020F0502020204030204" pitchFamily="34" charset="0"/>
-                        <a:ea typeface="Times New Roman" panose="02020603050405020304" pitchFamily="18" charset="0"/>
-                        <a:cs typeface="Times New Roman" panose="02020603050405020304" pitchFamily="18" charset="0"/>
-                      </a:endParaRPr>
-                    </a:p>
-                  </a:txBody>
-                  <a:tcPr marL="9525" marR="9525" marT="9525" marB="9525" anchor="ctr"/>
-                </a:tc>
-                <a:extLst>
-                  <a:ext uri="{0D108BD9-81ED-4DB2-BD59-A6C34878D82A}">
-                    <a16:rowId xmlns:a16="http://schemas.microsoft.com/office/drawing/2014/main" val="1152379326"/>
-                  </a:ext>
-                </a:extLst>
-              </a:tr>
-              <a:tr h="0">
-                <a:tc>
-                  <a:txBody>
-                    <a:bodyPr/>
-                    <a:lstStyle/>
-                    <a:p>
-                      <a:pPr marL="0" marR="0">
-                        <a:lnSpc>
-                          <a:spcPct val="107000"/>
-                        </a:lnSpc>
-                        <a:spcBef>
-                          <a:spcPts val="0"/>
-                        </a:spcBef>
-                        <a:spcAft>
-                          <a:spcPts val="0"/>
-                        </a:spcAft>
-                      </a:pPr>
-                      <a:r>
-                        <a:rPr lang="en-US" sz="2000">
-                          <a:effectLst/>
-                        </a:rPr>
-                        <a:t> </a:t>
-                      </a:r>
-                      <a:endParaRPr lang="en-US" sz="2000">
-                        <a:effectLst/>
-                        <a:latin typeface="Calibri" panose="020F0502020204030204" pitchFamily="34" charset="0"/>
-                        <a:ea typeface="Times New Roman" panose="02020603050405020304" pitchFamily="18" charset="0"/>
-                        <a:cs typeface="Times New Roman" panose="02020603050405020304" pitchFamily="18" charset="0"/>
-                      </a:endParaRPr>
-                    </a:p>
-                  </a:txBody>
-                  <a:tcPr marL="9525" marR="9525" marT="9525" marB="9525"/>
-                </a:tc>
-                <a:tc>
-                  <a:txBody>
-                    <a:bodyPr/>
-                    <a:lstStyle/>
-                    <a:p>
-                      <a:pPr marL="0" marR="0">
-                        <a:lnSpc>
-                          <a:spcPct val="107000"/>
-                        </a:lnSpc>
-                        <a:spcBef>
-                          <a:spcPts val="0"/>
-                        </a:spcBef>
-                        <a:spcAft>
-                          <a:spcPts val="0"/>
-                        </a:spcAft>
-                      </a:pPr>
-                      <a:r>
-                        <a:rPr lang="en-US" sz="2000">
-                          <a:effectLst/>
-                        </a:rPr>
-                        <a:t>90 – 94</a:t>
-                      </a:r>
-                      <a:endParaRPr lang="en-US" sz="2000">
-                        <a:effectLst/>
-                        <a:latin typeface="Calibri" panose="020F0502020204030204" pitchFamily="34" charset="0"/>
-                        <a:ea typeface="Times New Roman" panose="02020603050405020304" pitchFamily="18" charset="0"/>
-                        <a:cs typeface="Times New Roman" panose="02020603050405020304" pitchFamily="18" charset="0"/>
-                      </a:endParaRPr>
-                    </a:p>
-                  </a:txBody>
-                  <a:tcPr marL="9525" marR="9525" marT="9525" marB="9525" anchor="ctr"/>
-                </a:tc>
-                <a:tc>
-                  <a:txBody>
-                    <a:bodyPr/>
-                    <a:lstStyle/>
-                    <a:p>
-                      <a:pPr marL="0" marR="0">
-                        <a:lnSpc>
-                          <a:spcPct val="107000"/>
-                        </a:lnSpc>
-                        <a:spcBef>
-                          <a:spcPts val="0"/>
-                        </a:spcBef>
-                        <a:spcAft>
-                          <a:spcPts val="0"/>
-                        </a:spcAft>
-                      </a:pPr>
-                      <a:r>
-                        <a:rPr lang="en-US" sz="2000">
-                          <a:effectLst/>
-                        </a:rPr>
-                        <a:t>A -</a:t>
-                      </a:r>
-                      <a:endParaRPr lang="en-US" sz="2000">
-                        <a:effectLst/>
-                        <a:latin typeface="Calibri" panose="020F0502020204030204" pitchFamily="34" charset="0"/>
-                        <a:ea typeface="Times New Roman" panose="02020603050405020304" pitchFamily="18" charset="0"/>
-                        <a:cs typeface="Times New Roman" panose="02020603050405020304" pitchFamily="18" charset="0"/>
-                      </a:endParaRPr>
-                    </a:p>
-                  </a:txBody>
-                  <a:tcPr marL="9525" marR="9525" marT="9525" marB="9525" anchor="ctr"/>
-                </a:tc>
-                <a:extLst>
-                  <a:ext uri="{0D108BD9-81ED-4DB2-BD59-A6C34878D82A}">
-                    <a16:rowId xmlns:a16="http://schemas.microsoft.com/office/drawing/2014/main" val="3092445453"/>
-                  </a:ext>
-                </a:extLst>
-              </a:tr>
-              <a:tr h="0">
-                <a:tc>
-                  <a:txBody>
-                    <a:bodyPr/>
-                    <a:lstStyle/>
-                    <a:p>
-                      <a:pPr marL="0" marR="0">
-                        <a:lnSpc>
-                          <a:spcPct val="107000"/>
-                        </a:lnSpc>
-                        <a:spcBef>
-                          <a:spcPts val="0"/>
-                        </a:spcBef>
-                        <a:spcAft>
-                          <a:spcPts val="0"/>
-                        </a:spcAft>
-                      </a:pPr>
-                      <a:r>
-                        <a:rPr lang="en-US" sz="2000">
-                          <a:effectLst/>
-                        </a:rPr>
-                        <a:t>High Passing</a:t>
-                      </a:r>
-                      <a:endParaRPr lang="en-US" sz="2000">
-                        <a:effectLst/>
-                        <a:latin typeface="Calibri" panose="020F0502020204030204" pitchFamily="34" charset="0"/>
-                        <a:ea typeface="Times New Roman" panose="02020603050405020304" pitchFamily="18" charset="0"/>
-                        <a:cs typeface="Times New Roman" panose="02020603050405020304" pitchFamily="18" charset="0"/>
-                      </a:endParaRPr>
-                    </a:p>
-                  </a:txBody>
-                  <a:tcPr marL="9525" marR="9525" marT="9525" marB="9525"/>
-                </a:tc>
-                <a:tc>
-                  <a:txBody>
-                    <a:bodyPr/>
-                    <a:lstStyle/>
-                    <a:p>
-                      <a:pPr marL="0" marR="0">
-                        <a:lnSpc>
-                          <a:spcPct val="107000"/>
-                        </a:lnSpc>
-                        <a:spcBef>
-                          <a:spcPts val="0"/>
-                        </a:spcBef>
-                        <a:spcAft>
-                          <a:spcPts val="0"/>
-                        </a:spcAft>
-                      </a:pPr>
-                      <a:r>
-                        <a:rPr lang="en-US" sz="2000">
-                          <a:effectLst/>
-                        </a:rPr>
-                        <a:t>85 – 89</a:t>
-                      </a:r>
-                      <a:endParaRPr lang="en-US" sz="2000">
-                        <a:effectLst/>
-                        <a:latin typeface="Calibri" panose="020F0502020204030204" pitchFamily="34" charset="0"/>
-                        <a:ea typeface="Times New Roman" panose="02020603050405020304" pitchFamily="18" charset="0"/>
-                        <a:cs typeface="Times New Roman" panose="02020603050405020304" pitchFamily="18" charset="0"/>
-                      </a:endParaRPr>
-                    </a:p>
-                  </a:txBody>
-                  <a:tcPr marL="9525" marR="9525" marT="9525" marB="9525" anchor="ctr"/>
-                </a:tc>
-                <a:tc>
-                  <a:txBody>
-                    <a:bodyPr/>
-                    <a:lstStyle/>
-                    <a:p>
-                      <a:pPr marL="0" marR="0">
-                        <a:lnSpc>
-                          <a:spcPct val="107000"/>
-                        </a:lnSpc>
-                        <a:spcBef>
-                          <a:spcPts val="0"/>
-                        </a:spcBef>
-                        <a:spcAft>
-                          <a:spcPts val="0"/>
-                        </a:spcAft>
-                      </a:pPr>
-                      <a:r>
-                        <a:rPr lang="en-US" sz="2000">
-                          <a:effectLst/>
-                        </a:rPr>
-                        <a:t>B +</a:t>
-                      </a:r>
-                      <a:endParaRPr lang="en-US" sz="2000">
-                        <a:effectLst/>
-                        <a:latin typeface="Calibri" panose="020F0502020204030204" pitchFamily="34" charset="0"/>
-                        <a:ea typeface="Times New Roman" panose="02020603050405020304" pitchFamily="18" charset="0"/>
-                        <a:cs typeface="Times New Roman" panose="02020603050405020304" pitchFamily="18" charset="0"/>
-                      </a:endParaRPr>
-                    </a:p>
-                  </a:txBody>
-                  <a:tcPr marL="9525" marR="9525" marT="9525" marB="9525" anchor="ctr"/>
-                </a:tc>
-                <a:extLst>
-                  <a:ext uri="{0D108BD9-81ED-4DB2-BD59-A6C34878D82A}">
-                    <a16:rowId xmlns:a16="http://schemas.microsoft.com/office/drawing/2014/main" val="994815120"/>
-                  </a:ext>
-                </a:extLst>
-              </a:tr>
-              <a:tr h="0">
-                <a:tc>
-                  <a:txBody>
-                    <a:bodyPr/>
-                    <a:lstStyle/>
-                    <a:p>
-                      <a:pPr marL="0" marR="0">
-                        <a:lnSpc>
-                          <a:spcPct val="107000"/>
-                        </a:lnSpc>
-                        <a:spcBef>
-                          <a:spcPts val="0"/>
-                        </a:spcBef>
-                        <a:spcAft>
-                          <a:spcPts val="0"/>
-                        </a:spcAft>
-                      </a:pPr>
-                      <a:r>
-                        <a:rPr lang="en-US" sz="2000" dirty="0">
-                          <a:effectLst/>
-                        </a:rPr>
-                        <a:t> </a:t>
-                      </a:r>
-                      <a:endParaRPr lang="en-US" sz="2000" dirty="0">
-                        <a:effectLst/>
-                        <a:latin typeface="Calibri" panose="020F0502020204030204" pitchFamily="34" charset="0"/>
-                        <a:ea typeface="Times New Roman" panose="02020603050405020304" pitchFamily="18" charset="0"/>
-                        <a:cs typeface="Times New Roman" panose="02020603050405020304" pitchFamily="18" charset="0"/>
-                      </a:endParaRPr>
-                    </a:p>
-                  </a:txBody>
-                  <a:tcPr marL="9525" marR="9525" marT="9525" marB="9525"/>
-                </a:tc>
-                <a:tc>
-                  <a:txBody>
-                    <a:bodyPr/>
-                    <a:lstStyle/>
-                    <a:p>
-                      <a:pPr marL="0" marR="0">
-                        <a:lnSpc>
-                          <a:spcPct val="107000"/>
-                        </a:lnSpc>
-                        <a:spcBef>
-                          <a:spcPts val="0"/>
-                        </a:spcBef>
-                        <a:spcAft>
-                          <a:spcPts val="0"/>
-                        </a:spcAft>
-                      </a:pPr>
-                      <a:r>
-                        <a:rPr lang="en-US" sz="2000">
-                          <a:effectLst/>
-                        </a:rPr>
-                        <a:t>80 – 84</a:t>
-                      </a:r>
-                      <a:endParaRPr lang="en-US" sz="2000">
-                        <a:effectLst/>
-                        <a:latin typeface="Calibri" panose="020F0502020204030204" pitchFamily="34" charset="0"/>
-                        <a:ea typeface="Times New Roman" panose="02020603050405020304" pitchFamily="18" charset="0"/>
-                        <a:cs typeface="Times New Roman" panose="02020603050405020304" pitchFamily="18" charset="0"/>
-                      </a:endParaRPr>
-                    </a:p>
-                  </a:txBody>
-                  <a:tcPr marL="9525" marR="9525" marT="9525" marB="9525" anchor="ctr"/>
-                </a:tc>
-                <a:tc>
-                  <a:txBody>
-                    <a:bodyPr/>
-                    <a:lstStyle/>
-                    <a:p>
-                      <a:pPr marL="0" marR="0">
-                        <a:lnSpc>
-                          <a:spcPct val="107000"/>
-                        </a:lnSpc>
-                        <a:spcBef>
-                          <a:spcPts val="0"/>
-                        </a:spcBef>
-                        <a:spcAft>
-                          <a:spcPts val="0"/>
-                        </a:spcAft>
-                      </a:pPr>
-                      <a:r>
-                        <a:rPr lang="en-US" sz="2000">
-                          <a:effectLst/>
-                        </a:rPr>
-                        <a:t>B</a:t>
-                      </a:r>
-                      <a:endParaRPr lang="en-US" sz="2000">
-                        <a:effectLst/>
-                        <a:latin typeface="Calibri" panose="020F0502020204030204" pitchFamily="34" charset="0"/>
-                        <a:ea typeface="Times New Roman" panose="02020603050405020304" pitchFamily="18" charset="0"/>
-                        <a:cs typeface="Times New Roman" panose="02020603050405020304" pitchFamily="18" charset="0"/>
-                      </a:endParaRPr>
-                    </a:p>
-                  </a:txBody>
-                  <a:tcPr marL="9525" marR="9525" marT="9525" marB="9525" anchor="ctr"/>
-                </a:tc>
-                <a:extLst>
-                  <a:ext uri="{0D108BD9-81ED-4DB2-BD59-A6C34878D82A}">
-                    <a16:rowId xmlns:a16="http://schemas.microsoft.com/office/drawing/2014/main" val="619773969"/>
-                  </a:ext>
-                </a:extLst>
-              </a:tr>
-              <a:tr h="0">
-                <a:tc>
-                  <a:txBody>
-                    <a:bodyPr/>
-                    <a:lstStyle/>
-                    <a:p>
-                      <a:pPr marL="0" marR="0">
-                        <a:lnSpc>
-                          <a:spcPct val="107000"/>
-                        </a:lnSpc>
-                        <a:spcBef>
-                          <a:spcPts val="0"/>
-                        </a:spcBef>
-                        <a:spcAft>
-                          <a:spcPts val="0"/>
-                        </a:spcAft>
-                      </a:pPr>
-                      <a:r>
-                        <a:rPr lang="en-US" sz="2000">
-                          <a:effectLst/>
-                        </a:rPr>
-                        <a:t> </a:t>
-                      </a:r>
-                      <a:endParaRPr lang="en-US" sz="2000">
-                        <a:effectLst/>
-                        <a:latin typeface="Calibri" panose="020F0502020204030204" pitchFamily="34" charset="0"/>
-                        <a:ea typeface="Times New Roman" panose="02020603050405020304" pitchFamily="18" charset="0"/>
-                        <a:cs typeface="Times New Roman" panose="02020603050405020304" pitchFamily="18" charset="0"/>
-                      </a:endParaRPr>
-                    </a:p>
-                  </a:txBody>
-                  <a:tcPr marL="9525" marR="9525" marT="9525" marB="9525"/>
-                </a:tc>
-                <a:tc>
-                  <a:txBody>
-                    <a:bodyPr/>
-                    <a:lstStyle/>
-                    <a:p>
-                      <a:pPr marL="0" marR="0">
-                        <a:lnSpc>
-                          <a:spcPct val="107000"/>
-                        </a:lnSpc>
-                        <a:spcBef>
-                          <a:spcPts val="0"/>
-                        </a:spcBef>
-                        <a:spcAft>
-                          <a:spcPts val="0"/>
-                        </a:spcAft>
-                      </a:pPr>
-                      <a:r>
-                        <a:rPr lang="en-US" sz="2000">
-                          <a:effectLst/>
-                        </a:rPr>
-                        <a:t>75 – 79</a:t>
-                      </a:r>
-                      <a:endParaRPr lang="en-US" sz="2000">
-                        <a:effectLst/>
-                        <a:latin typeface="Calibri" panose="020F0502020204030204" pitchFamily="34" charset="0"/>
-                        <a:ea typeface="Times New Roman" panose="02020603050405020304" pitchFamily="18" charset="0"/>
-                        <a:cs typeface="Times New Roman" panose="02020603050405020304" pitchFamily="18" charset="0"/>
-                      </a:endParaRPr>
-                    </a:p>
-                  </a:txBody>
-                  <a:tcPr marL="9525" marR="9525" marT="9525" marB="9525" anchor="ctr"/>
-                </a:tc>
-                <a:tc>
-                  <a:txBody>
-                    <a:bodyPr/>
-                    <a:lstStyle/>
-                    <a:p>
-                      <a:pPr marL="0" marR="0">
-                        <a:lnSpc>
-                          <a:spcPct val="107000"/>
-                        </a:lnSpc>
-                        <a:spcBef>
-                          <a:spcPts val="0"/>
-                        </a:spcBef>
-                        <a:spcAft>
-                          <a:spcPts val="0"/>
-                        </a:spcAft>
-                      </a:pPr>
-                      <a:r>
-                        <a:rPr lang="en-US" sz="2000">
-                          <a:effectLst/>
-                        </a:rPr>
-                        <a:t>B -</a:t>
-                      </a:r>
-                      <a:endParaRPr lang="en-US" sz="2000">
-                        <a:effectLst/>
-                        <a:latin typeface="Calibri" panose="020F0502020204030204" pitchFamily="34" charset="0"/>
-                        <a:ea typeface="Times New Roman" panose="02020603050405020304" pitchFamily="18" charset="0"/>
-                        <a:cs typeface="Times New Roman" panose="02020603050405020304" pitchFamily="18" charset="0"/>
-                      </a:endParaRPr>
-                    </a:p>
-                  </a:txBody>
-                  <a:tcPr marL="9525" marR="9525" marT="9525" marB="9525" anchor="ctr"/>
-                </a:tc>
-                <a:extLst>
-                  <a:ext uri="{0D108BD9-81ED-4DB2-BD59-A6C34878D82A}">
-                    <a16:rowId xmlns:a16="http://schemas.microsoft.com/office/drawing/2014/main" val="2335230094"/>
-                  </a:ext>
-                </a:extLst>
-              </a:tr>
-              <a:tr h="0">
-                <a:tc>
-                  <a:txBody>
-                    <a:bodyPr/>
-                    <a:lstStyle/>
-                    <a:p>
-                      <a:pPr marL="0" marR="0">
-                        <a:lnSpc>
-                          <a:spcPct val="107000"/>
-                        </a:lnSpc>
-                        <a:spcBef>
-                          <a:spcPts val="0"/>
-                        </a:spcBef>
-                        <a:spcAft>
-                          <a:spcPts val="0"/>
-                        </a:spcAft>
-                      </a:pPr>
-                      <a:r>
-                        <a:rPr lang="en-US" sz="2000">
-                          <a:effectLst/>
-                        </a:rPr>
-                        <a:t>Low Passing</a:t>
-                      </a:r>
-                      <a:endParaRPr lang="en-US" sz="2000">
-                        <a:effectLst/>
-                        <a:latin typeface="Calibri" panose="020F0502020204030204" pitchFamily="34" charset="0"/>
-                        <a:ea typeface="Times New Roman" panose="02020603050405020304" pitchFamily="18" charset="0"/>
-                        <a:cs typeface="Times New Roman" panose="02020603050405020304" pitchFamily="18" charset="0"/>
-                      </a:endParaRPr>
-                    </a:p>
-                  </a:txBody>
-                  <a:tcPr marL="9525" marR="9525" marT="9525" marB="9525"/>
-                </a:tc>
-                <a:tc>
-                  <a:txBody>
-                    <a:bodyPr/>
-                    <a:lstStyle/>
-                    <a:p>
-                      <a:pPr marL="0" marR="0">
-                        <a:lnSpc>
-                          <a:spcPct val="107000"/>
-                        </a:lnSpc>
-                        <a:spcBef>
-                          <a:spcPts val="0"/>
-                        </a:spcBef>
-                        <a:spcAft>
-                          <a:spcPts val="0"/>
-                        </a:spcAft>
-                      </a:pPr>
-                      <a:r>
-                        <a:rPr lang="en-US" sz="2000">
-                          <a:effectLst/>
-                        </a:rPr>
-                        <a:t>70 – 74</a:t>
-                      </a:r>
-                      <a:endParaRPr lang="en-US" sz="2000">
-                        <a:effectLst/>
-                        <a:latin typeface="Calibri" panose="020F0502020204030204" pitchFamily="34" charset="0"/>
-                        <a:ea typeface="Times New Roman" panose="02020603050405020304" pitchFamily="18" charset="0"/>
-                        <a:cs typeface="Times New Roman" panose="02020603050405020304" pitchFamily="18" charset="0"/>
-                      </a:endParaRPr>
-                    </a:p>
-                  </a:txBody>
-                  <a:tcPr marL="9525" marR="9525" marT="9525" marB="9525" anchor="ctr"/>
-                </a:tc>
-                <a:tc>
-                  <a:txBody>
-                    <a:bodyPr/>
-                    <a:lstStyle/>
-                    <a:p>
-                      <a:pPr marL="0" marR="0">
-                        <a:lnSpc>
-                          <a:spcPct val="107000"/>
-                        </a:lnSpc>
-                        <a:spcBef>
-                          <a:spcPts val="0"/>
-                        </a:spcBef>
-                        <a:spcAft>
-                          <a:spcPts val="0"/>
-                        </a:spcAft>
-                      </a:pPr>
-                      <a:r>
-                        <a:rPr lang="en-US" sz="2000">
-                          <a:effectLst/>
-                        </a:rPr>
-                        <a:t>C +</a:t>
-                      </a:r>
-                      <a:endParaRPr lang="en-US" sz="2000">
-                        <a:effectLst/>
-                        <a:latin typeface="Calibri" panose="020F0502020204030204" pitchFamily="34" charset="0"/>
-                        <a:ea typeface="Times New Roman" panose="02020603050405020304" pitchFamily="18" charset="0"/>
-                        <a:cs typeface="Times New Roman" panose="02020603050405020304" pitchFamily="18" charset="0"/>
-                      </a:endParaRPr>
-                    </a:p>
-                  </a:txBody>
-                  <a:tcPr marL="9525" marR="9525" marT="9525" marB="9525" anchor="ctr"/>
-                </a:tc>
-                <a:extLst>
-                  <a:ext uri="{0D108BD9-81ED-4DB2-BD59-A6C34878D82A}">
-                    <a16:rowId xmlns:a16="http://schemas.microsoft.com/office/drawing/2014/main" val="4050028466"/>
-                  </a:ext>
-                </a:extLst>
-              </a:tr>
-              <a:tr h="0">
-                <a:tc>
-                  <a:txBody>
-                    <a:bodyPr/>
-                    <a:lstStyle/>
-                    <a:p>
-                      <a:pPr marL="0" marR="0">
-                        <a:lnSpc>
-                          <a:spcPct val="107000"/>
-                        </a:lnSpc>
-                        <a:spcBef>
-                          <a:spcPts val="0"/>
-                        </a:spcBef>
-                        <a:spcAft>
-                          <a:spcPts val="0"/>
-                        </a:spcAft>
-                      </a:pPr>
-                      <a:r>
-                        <a:rPr lang="en-US" sz="2000">
-                          <a:effectLst/>
-                        </a:rPr>
-                        <a:t> </a:t>
-                      </a:r>
-                      <a:endParaRPr lang="en-US" sz="2000">
-                        <a:effectLst/>
-                        <a:latin typeface="Calibri" panose="020F0502020204030204" pitchFamily="34" charset="0"/>
-                        <a:ea typeface="Times New Roman" panose="02020603050405020304" pitchFamily="18" charset="0"/>
-                        <a:cs typeface="Times New Roman" panose="02020603050405020304" pitchFamily="18" charset="0"/>
-                      </a:endParaRPr>
-                    </a:p>
-                  </a:txBody>
-                  <a:tcPr marL="9525" marR="9525" marT="9525" marB="9525"/>
-                </a:tc>
-                <a:tc>
-                  <a:txBody>
-                    <a:bodyPr/>
-                    <a:lstStyle/>
-                    <a:p>
-                      <a:pPr marL="0" marR="0">
-                        <a:lnSpc>
-                          <a:spcPct val="107000"/>
-                        </a:lnSpc>
-                        <a:spcBef>
-                          <a:spcPts val="0"/>
-                        </a:spcBef>
-                        <a:spcAft>
-                          <a:spcPts val="0"/>
-                        </a:spcAft>
-                      </a:pPr>
-                      <a:r>
-                        <a:rPr lang="en-US" sz="2000">
-                          <a:effectLst/>
-                        </a:rPr>
-                        <a:t>65 – 69</a:t>
-                      </a:r>
-                      <a:endParaRPr lang="en-US" sz="2000">
-                        <a:effectLst/>
-                        <a:latin typeface="Calibri" panose="020F0502020204030204" pitchFamily="34" charset="0"/>
-                        <a:ea typeface="Times New Roman" panose="02020603050405020304" pitchFamily="18" charset="0"/>
-                        <a:cs typeface="Times New Roman" panose="02020603050405020304" pitchFamily="18" charset="0"/>
-                      </a:endParaRPr>
-                    </a:p>
-                  </a:txBody>
-                  <a:tcPr marL="9525" marR="9525" marT="9525" marB="9525" anchor="ctr"/>
-                </a:tc>
-                <a:tc>
-                  <a:txBody>
-                    <a:bodyPr/>
-                    <a:lstStyle/>
-                    <a:p>
-                      <a:pPr marL="0" marR="0">
-                        <a:lnSpc>
-                          <a:spcPct val="107000"/>
-                        </a:lnSpc>
-                        <a:spcBef>
-                          <a:spcPts val="0"/>
-                        </a:spcBef>
-                        <a:spcAft>
-                          <a:spcPts val="0"/>
-                        </a:spcAft>
-                      </a:pPr>
-                      <a:r>
-                        <a:rPr lang="en-US" sz="2000">
-                          <a:effectLst/>
-                        </a:rPr>
-                        <a:t>C</a:t>
-                      </a:r>
-                      <a:endParaRPr lang="en-US" sz="2000">
-                        <a:effectLst/>
-                        <a:latin typeface="Calibri" panose="020F0502020204030204" pitchFamily="34" charset="0"/>
-                        <a:ea typeface="Times New Roman" panose="02020603050405020304" pitchFamily="18" charset="0"/>
-                        <a:cs typeface="Times New Roman" panose="02020603050405020304" pitchFamily="18" charset="0"/>
-                      </a:endParaRPr>
-                    </a:p>
-                  </a:txBody>
-                  <a:tcPr marL="9525" marR="9525" marT="9525" marB="9525" anchor="ctr"/>
-                </a:tc>
-                <a:extLst>
-                  <a:ext uri="{0D108BD9-81ED-4DB2-BD59-A6C34878D82A}">
-                    <a16:rowId xmlns:a16="http://schemas.microsoft.com/office/drawing/2014/main" val="1576923788"/>
-                  </a:ext>
-                </a:extLst>
-              </a:tr>
-              <a:tr h="0">
-                <a:tc>
-                  <a:txBody>
-                    <a:bodyPr/>
-                    <a:lstStyle/>
-                    <a:p>
-                      <a:pPr marL="0" marR="0">
-                        <a:lnSpc>
-                          <a:spcPct val="107000"/>
-                        </a:lnSpc>
-                        <a:spcBef>
-                          <a:spcPts val="0"/>
-                        </a:spcBef>
-                        <a:spcAft>
-                          <a:spcPts val="0"/>
-                        </a:spcAft>
-                      </a:pPr>
-                      <a:r>
-                        <a:rPr lang="en-US" sz="2000">
-                          <a:effectLst/>
-                        </a:rPr>
-                        <a:t> </a:t>
-                      </a:r>
-                      <a:endParaRPr lang="en-US" sz="2000">
-                        <a:effectLst/>
-                        <a:latin typeface="Calibri" panose="020F0502020204030204" pitchFamily="34" charset="0"/>
-                        <a:ea typeface="Times New Roman" panose="02020603050405020304" pitchFamily="18" charset="0"/>
-                        <a:cs typeface="Times New Roman" panose="02020603050405020304" pitchFamily="18" charset="0"/>
-                      </a:endParaRPr>
-                    </a:p>
-                  </a:txBody>
-                  <a:tcPr marL="9525" marR="9525" marT="9525" marB="9525"/>
-                </a:tc>
-                <a:tc>
-                  <a:txBody>
-                    <a:bodyPr/>
-                    <a:lstStyle/>
-                    <a:p>
-                      <a:pPr marL="0" marR="0">
-                        <a:lnSpc>
-                          <a:spcPct val="107000"/>
-                        </a:lnSpc>
-                        <a:spcBef>
-                          <a:spcPts val="0"/>
-                        </a:spcBef>
-                        <a:spcAft>
-                          <a:spcPts val="0"/>
-                        </a:spcAft>
-                      </a:pPr>
-                      <a:r>
-                        <a:rPr lang="en-US" sz="2000">
-                          <a:effectLst/>
-                        </a:rPr>
-                        <a:t>60 – 64</a:t>
-                      </a:r>
-                      <a:endParaRPr lang="en-US" sz="2000">
-                        <a:effectLst/>
-                        <a:latin typeface="Calibri" panose="020F0502020204030204" pitchFamily="34" charset="0"/>
-                        <a:ea typeface="Times New Roman" panose="02020603050405020304" pitchFamily="18" charset="0"/>
-                        <a:cs typeface="Times New Roman" panose="02020603050405020304" pitchFamily="18" charset="0"/>
-                      </a:endParaRPr>
-                    </a:p>
-                  </a:txBody>
-                  <a:tcPr marL="9525" marR="9525" marT="9525" marB="9525" anchor="ctr"/>
-                </a:tc>
-                <a:tc>
-                  <a:txBody>
-                    <a:bodyPr/>
-                    <a:lstStyle/>
-                    <a:p>
-                      <a:pPr marL="0" marR="0">
-                        <a:lnSpc>
-                          <a:spcPct val="107000"/>
-                        </a:lnSpc>
-                        <a:spcBef>
-                          <a:spcPts val="0"/>
-                        </a:spcBef>
-                        <a:spcAft>
-                          <a:spcPts val="0"/>
-                        </a:spcAft>
-                      </a:pPr>
-                      <a:r>
-                        <a:rPr lang="en-US" sz="2000">
-                          <a:effectLst/>
-                        </a:rPr>
-                        <a:t>C -</a:t>
-                      </a:r>
-                      <a:endParaRPr lang="en-US" sz="2000">
-                        <a:effectLst/>
-                        <a:latin typeface="Calibri" panose="020F0502020204030204" pitchFamily="34" charset="0"/>
-                        <a:ea typeface="Times New Roman" panose="02020603050405020304" pitchFamily="18" charset="0"/>
-                        <a:cs typeface="Times New Roman" panose="02020603050405020304" pitchFamily="18" charset="0"/>
-                      </a:endParaRPr>
-                    </a:p>
-                  </a:txBody>
-                  <a:tcPr marL="9525" marR="9525" marT="9525" marB="9525" anchor="ctr"/>
-                </a:tc>
-                <a:extLst>
-                  <a:ext uri="{0D108BD9-81ED-4DB2-BD59-A6C34878D82A}">
-                    <a16:rowId xmlns:a16="http://schemas.microsoft.com/office/drawing/2014/main" val="3995622761"/>
-                  </a:ext>
-                </a:extLst>
-              </a:tr>
-              <a:tr h="0">
-                <a:tc>
-                  <a:txBody>
-                    <a:bodyPr/>
-                    <a:lstStyle/>
-                    <a:p>
-                      <a:pPr marL="0" marR="0">
-                        <a:lnSpc>
-                          <a:spcPct val="107000"/>
-                        </a:lnSpc>
-                        <a:spcBef>
-                          <a:spcPts val="0"/>
-                        </a:spcBef>
-                        <a:spcAft>
-                          <a:spcPts val="0"/>
-                        </a:spcAft>
-                      </a:pPr>
-                      <a:r>
-                        <a:rPr lang="en-US" sz="2000">
-                          <a:effectLst/>
-                        </a:rPr>
-                        <a:t>Unsatisfactory</a:t>
-                      </a:r>
-                      <a:endParaRPr lang="en-US" sz="2000">
-                        <a:effectLst/>
-                        <a:latin typeface="Calibri" panose="020F0502020204030204" pitchFamily="34" charset="0"/>
-                        <a:ea typeface="Times New Roman" panose="02020603050405020304" pitchFamily="18" charset="0"/>
-                        <a:cs typeface="Times New Roman" panose="02020603050405020304" pitchFamily="18" charset="0"/>
-                      </a:endParaRPr>
-                    </a:p>
-                  </a:txBody>
-                  <a:tcPr marL="9525" marR="9525" marT="9525" marB="9525"/>
-                </a:tc>
-                <a:tc>
-                  <a:txBody>
-                    <a:bodyPr/>
-                    <a:lstStyle/>
-                    <a:p>
-                      <a:pPr marL="0" marR="0">
-                        <a:lnSpc>
-                          <a:spcPct val="107000"/>
-                        </a:lnSpc>
-                        <a:spcBef>
-                          <a:spcPts val="0"/>
-                        </a:spcBef>
-                        <a:spcAft>
-                          <a:spcPts val="0"/>
-                        </a:spcAft>
-                      </a:pPr>
-                      <a:r>
-                        <a:rPr lang="en-US" sz="2000">
-                          <a:effectLst/>
-                        </a:rPr>
-                        <a:t>50 – 60</a:t>
-                      </a:r>
-                      <a:endParaRPr lang="en-US" sz="2000">
-                        <a:effectLst/>
-                        <a:latin typeface="Calibri" panose="020F0502020204030204" pitchFamily="34" charset="0"/>
-                        <a:ea typeface="Times New Roman" panose="02020603050405020304" pitchFamily="18" charset="0"/>
-                        <a:cs typeface="Times New Roman" panose="02020603050405020304" pitchFamily="18" charset="0"/>
-                      </a:endParaRPr>
-                    </a:p>
-                  </a:txBody>
-                  <a:tcPr marL="9525" marR="9525" marT="9525" marB="9525" anchor="ctr"/>
-                </a:tc>
-                <a:tc>
-                  <a:txBody>
-                    <a:bodyPr/>
-                    <a:lstStyle/>
-                    <a:p>
-                      <a:pPr marL="0" marR="0">
-                        <a:lnSpc>
-                          <a:spcPct val="107000"/>
-                        </a:lnSpc>
-                        <a:spcBef>
-                          <a:spcPts val="0"/>
-                        </a:spcBef>
-                        <a:spcAft>
-                          <a:spcPts val="0"/>
-                        </a:spcAft>
-                      </a:pPr>
-                      <a:r>
-                        <a:rPr lang="en-US" sz="2000">
-                          <a:effectLst/>
-                        </a:rPr>
-                        <a:t>D</a:t>
-                      </a:r>
-                      <a:endParaRPr lang="en-US" sz="2000">
-                        <a:effectLst/>
-                        <a:latin typeface="Calibri" panose="020F0502020204030204" pitchFamily="34" charset="0"/>
-                        <a:ea typeface="Times New Roman" panose="02020603050405020304" pitchFamily="18" charset="0"/>
-                        <a:cs typeface="Times New Roman" panose="02020603050405020304" pitchFamily="18" charset="0"/>
-                      </a:endParaRPr>
-                    </a:p>
-                  </a:txBody>
-                  <a:tcPr marL="9525" marR="9525" marT="9525" marB="9525" anchor="ctr"/>
-                </a:tc>
-                <a:extLst>
-                  <a:ext uri="{0D108BD9-81ED-4DB2-BD59-A6C34878D82A}">
-                    <a16:rowId xmlns:a16="http://schemas.microsoft.com/office/drawing/2014/main" val="432442607"/>
-                  </a:ext>
-                </a:extLst>
-              </a:tr>
-              <a:tr h="0">
-                <a:tc>
-                  <a:txBody>
-                    <a:bodyPr/>
-                    <a:lstStyle/>
-                    <a:p>
-                      <a:pPr marL="0" marR="0">
-                        <a:lnSpc>
-                          <a:spcPct val="107000"/>
-                        </a:lnSpc>
-                        <a:spcBef>
-                          <a:spcPts val="0"/>
-                        </a:spcBef>
-                        <a:spcAft>
-                          <a:spcPts val="0"/>
-                        </a:spcAft>
-                      </a:pPr>
-                      <a:r>
-                        <a:rPr lang="en-US" sz="2000">
-                          <a:effectLst/>
-                        </a:rPr>
-                        <a:t> </a:t>
-                      </a:r>
-                      <a:endParaRPr lang="en-US" sz="2000">
-                        <a:effectLst/>
-                        <a:latin typeface="Calibri" panose="020F0502020204030204" pitchFamily="34" charset="0"/>
-                        <a:ea typeface="Times New Roman" panose="02020603050405020304" pitchFamily="18" charset="0"/>
-                        <a:cs typeface="Times New Roman" panose="02020603050405020304" pitchFamily="18" charset="0"/>
-                      </a:endParaRPr>
-                    </a:p>
-                  </a:txBody>
-                  <a:tcPr marL="9525" marR="9525" marT="9525" marB="9525"/>
-                </a:tc>
-                <a:tc>
-                  <a:txBody>
-                    <a:bodyPr/>
-                    <a:lstStyle/>
-                    <a:p>
-                      <a:pPr marL="0" marR="0">
-                        <a:lnSpc>
-                          <a:spcPct val="107000"/>
-                        </a:lnSpc>
-                        <a:spcBef>
-                          <a:spcPts val="0"/>
-                        </a:spcBef>
-                        <a:spcAft>
-                          <a:spcPts val="0"/>
-                        </a:spcAft>
-                      </a:pPr>
-                      <a:r>
-                        <a:rPr lang="en-US" sz="2000">
-                          <a:effectLst/>
-                        </a:rPr>
-                        <a:t>0 – 49</a:t>
-                      </a:r>
-                      <a:endParaRPr lang="en-US" sz="2000">
-                        <a:effectLst/>
-                        <a:latin typeface="Calibri" panose="020F0502020204030204" pitchFamily="34" charset="0"/>
-                        <a:ea typeface="Times New Roman" panose="02020603050405020304" pitchFamily="18" charset="0"/>
-                        <a:cs typeface="Times New Roman" panose="02020603050405020304" pitchFamily="18" charset="0"/>
-                      </a:endParaRPr>
-                    </a:p>
-                  </a:txBody>
-                  <a:tcPr marL="9525" marR="9525" marT="9525" marB="9525" anchor="ctr"/>
-                </a:tc>
-                <a:tc>
-                  <a:txBody>
-                    <a:bodyPr/>
-                    <a:lstStyle/>
-                    <a:p>
-                      <a:pPr marL="0" marR="0">
-                        <a:lnSpc>
-                          <a:spcPct val="107000"/>
-                        </a:lnSpc>
-                        <a:spcBef>
-                          <a:spcPts val="0"/>
-                        </a:spcBef>
-                        <a:spcAft>
-                          <a:spcPts val="0"/>
-                        </a:spcAft>
-                      </a:pPr>
-                      <a:r>
-                        <a:rPr lang="en-US" sz="2000" dirty="0">
-                          <a:effectLst/>
-                        </a:rPr>
-                        <a:t>F</a:t>
-                      </a:r>
-                      <a:endParaRPr lang="en-US" sz="2000" dirty="0">
-                        <a:effectLst/>
-                        <a:latin typeface="Calibri" panose="020F0502020204030204" pitchFamily="34" charset="0"/>
-                        <a:ea typeface="Times New Roman" panose="02020603050405020304" pitchFamily="18" charset="0"/>
-                        <a:cs typeface="Times New Roman" panose="02020603050405020304" pitchFamily="18" charset="0"/>
-                      </a:endParaRPr>
-                    </a:p>
-                  </a:txBody>
-                  <a:tcPr marL="9525" marR="9525" marT="9525" marB="9525" anchor="ctr"/>
-                </a:tc>
-                <a:extLst>
-                  <a:ext uri="{0D108BD9-81ED-4DB2-BD59-A6C34878D82A}">
-                    <a16:rowId xmlns:a16="http://schemas.microsoft.com/office/drawing/2014/main" val="929993509"/>
-                  </a:ext>
-                </a:extLst>
-              </a:tr>
-            </a:tbl>
-          </a:graphicData>
-        </a:graphic>
-      </p:graphicFrame>
-      <p:sp>
-        <p:nvSpPr>
-          <p:cNvPr id="11" name="TextBox 10">
-            <a:extLst>
-              <a:ext uri="{FF2B5EF4-FFF2-40B4-BE49-F238E27FC236}">
-                <a16:creationId xmlns:a16="http://schemas.microsoft.com/office/drawing/2014/main" id="{DFD754F4-B232-4EA4-877C-2C96CCC3E87A}"/>
-              </a:ext>
-            </a:extLst>
-          </p:cNvPr>
-          <p:cNvSpPr txBox="1"/>
-          <p:nvPr/>
-        </p:nvSpPr>
-        <p:spPr>
-          <a:xfrm flipH="1">
-            <a:off x="838200" y="4186410"/>
-            <a:ext cx="4899203" cy="1938992"/>
-          </a:xfrm>
-          <a:prstGeom prst="rect">
-            <a:avLst/>
-          </a:prstGeom>
-          <a:noFill/>
-        </p:spPr>
-        <p:txBody>
-          <a:bodyPr wrap="square" rtlCol="0">
-            <a:spAutoFit/>
-          </a:bodyPr>
-          <a:lstStyle/>
-          <a:p>
-            <a:r>
-              <a:rPr lang="en-US" sz="2400" dirty="0"/>
-              <a:t>Exam Dates:</a:t>
-            </a:r>
-          </a:p>
-          <a:p>
-            <a:pPr marL="285750" indent="-285750">
-              <a:buFont typeface="Arial" panose="020B0604020202020204" pitchFamily="34" charset="0"/>
-              <a:buChar char="•"/>
-            </a:pPr>
-            <a:r>
-              <a:rPr lang="en-US" sz="2400" dirty="0"/>
-              <a:t>TODO-List-Dates</a:t>
-            </a:r>
-          </a:p>
-          <a:p>
-            <a:r>
-              <a:rPr lang="en-US" sz="2400" dirty="0"/>
-              <a:t>Project Presentation Date:</a:t>
-            </a:r>
-          </a:p>
-          <a:p>
-            <a:pPr marL="285750" indent="-285750">
-              <a:buFont typeface="Arial" panose="020B0604020202020204" pitchFamily="34" charset="0"/>
-              <a:buChar char="•"/>
-            </a:pPr>
-            <a:r>
-              <a:rPr lang="en-US" sz="2400" dirty="0"/>
-              <a:t>TODO-List-Date</a:t>
-            </a:r>
-          </a:p>
-          <a:p>
-            <a:endParaRPr lang="en-US" sz="2400" dirty="0"/>
-          </a:p>
-        </p:txBody>
-      </p:sp>
-    </p:spTree>
-    <p:extLst>
-      <p:ext uri="{BB962C8B-B14F-4D97-AF65-F5344CB8AC3E}">
-        <p14:creationId xmlns:p14="http://schemas.microsoft.com/office/powerpoint/2010/main" val="2822068084"/>
       </p:ext>
     </p:extLst>
   </p:cSld>
@@ -20365,13 +18080,7 @@
       </p:grpSpPr>
       <p:sp>
         <p:nvSpPr>
-          <p:cNvPr id="5" name="Title 4">
-            <a:extLst>
-              <a:ext uri="{FF2B5EF4-FFF2-40B4-BE49-F238E27FC236}">
-                <a16:creationId xmlns:a16="http://schemas.microsoft.com/office/drawing/2014/main" id="{D3486E93-9102-428E-A402-63CF076172B9}"/>
-              </a:ext>
-            </a:extLst>
-          </p:cNvPr>
+          <p:cNvPr id="2" name="Title 1"/>
           <p:cNvSpPr>
             <a:spLocks noGrp="1"/>
           </p:cNvSpPr>
@@ -20387,21 +18096,16 @@
           <a:lstStyle/>
           <a:p>
             <a:r>
-              <a:rPr lang="en-US" sz="4800" dirty="0"/>
-              <a:t>Participation</a:t>
-            </a:r>
+              <a:rPr lang="en-US" sz="4800" dirty="0" smtClean="0"/>
+              <a:t>This Class uses the “Un-Lecture” format</a:t>
+            </a:r>
+            <a:endParaRPr lang="en-US" sz="4800" dirty="0"/>
           </a:p>
         </p:txBody>
       </p:sp>
       <p:sp>
         <p:nvSpPr>
-          <p:cNvPr id="6" name="Content Placeholder 5">
-            <a:extLst>
-              <a:ext uri="{FF2B5EF4-FFF2-40B4-BE49-F238E27FC236}">
-                <a16:creationId xmlns:a16="http://schemas.microsoft.com/office/drawing/2014/main" id="{A773CFA9-6420-40F7-BDFF-05FF38194B63}"/>
-              </a:ext>
-            </a:extLst>
-          </p:cNvPr>
+          <p:cNvPr id="5" name="Content Placeholder 4"/>
           <p:cNvSpPr>
             <a:spLocks noGrp="1"/>
           </p:cNvSpPr>
@@ -20409,7 +18113,12 @@
             <p:ph idx="1"/>
           </p:nvPr>
         </p:nvSpPr>
-        <p:spPr/>
+        <p:spPr>
+          <a:xfrm>
+            <a:off x="838200" y="1825625"/>
+            <a:ext cx="6034238" cy="4767680"/>
+          </a:xfrm>
+        </p:spPr>
         <p:txBody>
           <a:bodyPr>
             <a:normAutofit/>
@@ -20417,56 +18126,136 @@
           <a:lstStyle/>
           <a:p>
             <a:r>
-              <a:rPr lang="en-US" sz="3200" dirty="0"/>
-              <a:t>Graded every class and worth 1 point. </a:t>
-            </a:r>
-          </a:p>
-          <a:p>
-            <a:r>
-              <a:rPr lang="en-US" sz="3200" dirty="0"/>
-              <a:t>It is expected you will:</a:t>
+              <a:rPr lang="en-US" dirty="0" smtClean="0"/>
+              <a:t>Our class sessions are not information dumps. That’s the internet!</a:t>
+            </a:r>
+          </a:p>
+          <a:p>
+            <a:r>
+              <a:rPr lang="en-US" dirty="0" smtClean="0"/>
+              <a:t>Instead we discuss what you have learned and reinforce important concepts.</a:t>
             </a:r>
           </a:p>
           <a:p>
             <a:pPr lvl="1"/>
             <a:r>
-              <a:rPr lang="en-US" sz="2800" dirty="0"/>
-              <a:t>Attend class,</a:t>
+              <a:rPr lang="en-US" dirty="0" smtClean="0"/>
+              <a:t>You must come prepared to discuss the readings</a:t>
             </a:r>
           </a:p>
           <a:p>
             <a:pPr lvl="1"/>
             <a:r>
-              <a:rPr lang="en-US" sz="2800" dirty="0"/>
-              <a:t>Be prepared by completing out of class assigned work,</a:t>
+              <a:rPr lang="en-US" dirty="0" smtClean="0"/>
+              <a:t>Have your homework completed and bring it with you to class. </a:t>
             </a:r>
           </a:p>
           <a:p>
             <a:pPr lvl="1"/>
             <a:r>
-              <a:rPr lang="en-US" sz="2800" dirty="0"/>
-              <a:t>Engage in class discussion, and </a:t>
+              <a:rPr lang="en-US" dirty="0" smtClean="0"/>
+              <a:t>You will be called upon, and it will count for a grade.</a:t>
             </a:r>
           </a:p>
           <a:p>
             <a:pPr lvl="1"/>
             <a:r>
-              <a:rPr lang="en-US" sz="2800" dirty="0"/>
-              <a:t>Contribute to class group activities.</a:t>
-            </a:r>
-          </a:p>
-          <a:p>
-            <a:r>
-              <a:rPr lang="en-US" sz="3200" dirty="0"/>
-              <a:t>You meet expectations, you get credit.</a:t>
-            </a:r>
+              <a:rPr lang="en-US" dirty="0" smtClean="0"/>
+              <a:t>You will complete a lot of ungraded work.</a:t>
+            </a:r>
+            <a:endParaRPr lang="en-US" dirty="0"/>
+          </a:p>
+        </p:txBody>
+      </p:sp>
+      <p:pic>
+        <p:nvPicPr>
+          <p:cNvPr id="1026" name="Picture 2" descr="Image result for lecture"/>
+          <p:cNvPicPr>
+            <a:picLocks noChangeAspect="1" noChangeArrowheads="1"/>
+          </p:cNvPicPr>
+          <p:nvPr/>
+        </p:nvPicPr>
+        <p:blipFill rotWithShape="1">
+          <a:blip r:embed="rId2">
+            <a:extLst>
+              <a:ext uri="{28A0092B-C50C-407E-A947-70E740481C1C}">
+                <a14:useLocalDpi xmlns:a14="http://schemas.microsoft.com/office/drawing/2010/main" val="0"/>
+              </a:ext>
+            </a:extLst>
+          </a:blip>
+          <a:srcRect l="20029" r="12031"/>
+          <a:stretch/>
+        </p:blipFill>
+        <p:spPr bwMode="auto">
+          <a:xfrm>
+            <a:off x="7170819" y="1945648"/>
+            <a:ext cx="4546794" cy="3819884"/>
+          </a:xfrm>
+          <a:prstGeom prst="rect">
+            <a:avLst/>
+          </a:prstGeom>
+          <a:noFill/>
+          <a:extLst>
+            <a:ext uri="{909E8E84-426E-40DD-AFC4-6F175D3DCCD1}">
+              <a14:hiddenFill xmlns:a14="http://schemas.microsoft.com/office/drawing/2010/main">
+                <a:solidFill>
+                  <a:srgbClr val="FFFFFF"/>
+                </a:solidFill>
+              </a14:hiddenFill>
+            </a:ext>
+          </a:extLst>
+        </p:spPr>
+      </p:pic>
+      <p:sp>
+        <p:nvSpPr>
+          <p:cNvPr id="6" name="&quot;No&quot; Symbol 5"/>
+          <p:cNvSpPr/>
+          <p:nvPr/>
+        </p:nvSpPr>
+        <p:spPr>
+          <a:xfrm>
+            <a:off x="7170820" y="1901661"/>
+            <a:ext cx="4546794" cy="3907857"/>
+          </a:xfrm>
+          <a:prstGeom prst="noSmoking">
+            <a:avLst>
+              <a:gd name="adj" fmla="val 7503"/>
+            </a:avLst>
+          </a:prstGeom>
+        </p:spPr>
+        <p:style>
+          <a:lnRef idx="2">
+            <a:schemeClr val="accent1">
+              <a:shade val="50000"/>
+            </a:schemeClr>
+          </a:lnRef>
+          <a:fillRef idx="1">
+            <a:schemeClr val="accent1"/>
+          </a:fillRef>
+          <a:effectRef idx="0">
+            <a:schemeClr val="accent1"/>
+          </a:effectRef>
+          <a:fontRef idx="minor">
+            <a:schemeClr val="lt1"/>
+          </a:fontRef>
+        </p:style>
+        <p:txBody>
+          <a:bodyPr rtlCol="0" anchor="ctr"/>
+          <a:lstStyle/>
+          <a:p>
+            <a:pPr algn="ctr"/>
+            <a:endParaRPr lang="en-US">
+              <a:solidFill>
+                <a:schemeClr val="tx1"/>
+              </a:solidFill>
+            </a:endParaRPr>
           </a:p>
         </p:txBody>
       </p:sp>
     </p:spTree>
     <p:extLst>
       <p:ext uri="{BB962C8B-B14F-4D97-AF65-F5344CB8AC3E}">
-        <p14:creationId xmlns:p14="http://schemas.microsoft.com/office/powerpoint/2010/main" val="3682790677"/>
+        <p14:creationId xmlns:p14="http://schemas.microsoft.com/office/powerpoint/2010/main" val="2781124843"/>
       </p:ext>
     </p:extLst>
   </p:cSld>
